--- a/02 python基础/02-2 Python基础.pptx
+++ b/02 python基础/02-2 Python基础.pptx
@@ -3756,6 +3756,52 @@
           </a:effectLst>
         </p:spPr>
       </p:pic>
+      <p:sp>
+        <p:nvSpPr>
+          <p:cNvPr id="7" name="文本框 6"/>
+          <p:cNvSpPr txBox="1"/>
+          <p:nvPr/>
+        </p:nvSpPr>
+        <p:spPr>
+          <a:xfrm>
+            <a:off x="838200" y="5139252"/>
+            <a:ext cx="3516118" cy="1477328"/>
+          </a:xfrm>
+          <a:prstGeom prst="rect">
+            <a:avLst/>
+          </a:prstGeom>
+          <a:noFill/>
+        </p:spPr>
+        <p:txBody>
+          <a:bodyPr wrap="square" rtlCol="0">
+            <a:spAutoFit/>
+          </a:bodyPr>
+          <a:lstStyle/>
+          <a:p>
+            <a:r>
+              <a:rPr lang="zh-CN" altLang="en-US" dirty="0" smtClean="0">
+                <a:solidFill>
+                  <a:schemeClr val="bg1"/>
+                </a:solidFill>
+              </a:rPr>
+              <a:t>范例与练习：</a:t>
+            </a:r>
+            <a:r>
+              <a:rPr lang="en-US" altLang="zh-CN" dirty="0">
+                <a:solidFill>
+                  <a:schemeClr val="bg1"/>
+                </a:solidFill>
+              </a:rPr>
+              <a:t>https://github.com/oy-tj/RMEPCourseDemo/blob/master/02%20python%E5%9F%BA%E7%A1%80/Demo/ScoreBook.ipynb</a:t>
+            </a:r>
+            <a:endParaRPr lang="zh-CN" altLang="en-US" dirty="0">
+              <a:solidFill>
+                <a:schemeClr val="bg1"/>
+              </a:solidFill>
+            </a:endParaRPr>
+          </a:p>
+        </p:txBody>
+      </p:sp>
     </p:spTree>
     <p:extLst>
       <p:ext uri="{BB962C8B-B14F-4D97-AF65-F5344CB8AC3E}">
@@ -6048,11 +6094,31 @@
           <a:p>
             <a:pPr algn="ctr"/>
             <a:r>
+              <a:rPr lang="zh-CN" altLang="en-US" sz="2800" dirty="0" smtClean="0">
+                <a:latin typeface="微软雅黑" panose="020B0503020204020204" pitchFamily="34" charset="-122"/>
+                <a:ea typeface="微软雅黑" panose="020B0503020204020204" pitchFamily="34" charset="-122"/>
+              </a:rPr>
+              <a:t>自动登分册</a:t>
+            </a:r>
+            <a:endParaRPr lang="en-US" altLang="zh-CN" sz="2800" dirty="0" smtClean="0">
+              <a:latin typeface="微软雅黑" panose="020B0503020204020204" pitchFamily="34" charset="-122"/>
+              <a:ea typeface="微软雅黑" panose="020B0503020204020204" pitchFamily="34" charset="-122"/>
+            </a:endParaRPr>
+          </a:p>
+          <a:p>
+            <a:r>
+              <a:rPr lang="en-US" altLang="zh-CN" sz="2400" dirty="0" smtClean="0">
+                <a:latin typeface="微软雅黑" panose="020B0503020204020204" pitchFamily="34" charset="-122"/>
+                <a:ea typeface="微软雅黑" panose="020B0503020204020204" pitchFamily="34" charset="-122"/>
+              </a:rPr>
+              <a:t>1.</a:t>
+            </a:r>
+            <a:r>
               <a:rPr lang="zh-CN" altLang="en-US" sz="2400" dirty="0" smtClean="0">
                 <a:latin typeface="微软雅黑" panose="020B0503020204020204" pitchFamily="34" charset="-122"/>
                 <a:ea typeface="微软雅黑" panose="020B0503020204020204" pitchFamily="34" charset="-122"/>
               </a:rPr>
-              <a:t>有限状态机</a:t>
+              <a:t>背景</a:t>
             </a:r>
             <a:endParaRPr lang="en-US" altLang="zh-CN" sz="2400" dirty="0" smtClean="0">
               <a:latin typeface="微软雅黑" panose="020B0503020204020204" pitchFamily="34" charset="-122"/>
@@ -6061,1017 +6127,301 @@
           </a:p>
           <a:p>
             <a:r>
-              <a:rPr lang="en-US" altLang="zh-CN" sz="2000" dirty="0" smtClean="0">
+              <a:rPr lang="en-US" altLang="zh-CN" sz="2400" dirty="0" smtClean="0">
                 <a:latin typeface="微软雅黑" panose="020B0503020204020204" pitchFamily="34" charset="-122"/>
                 <a:ea typeface="微软雅黑" panose="020B0503020204020204" pitchFamily="34" charset="-122"/>
               </a:rPr>
-              <a:t>1.</a:t>
-            </a:r>
-            <a:r>
-              <a:rPr lang="zh-CN" altLang="en-US" sz="2000" dirty="0" smtClean="0">
+              <a:t>     </a:t>
+            </a:r>
+            <a:r>
+              <a:rPr lang="zh-CN" altLang="en-US" dirty="0" smtClean="0">
                 <a:latin typeface="微软雅黑" panose="020B0503020204020204" pitchFamily="34" charset="-122"/>
                 <a:ea typeface="微软雅黑" panose="020B0503020204020204" pitchFamily="34" charset="-122"/>
               </a:rPr>
-              <a:t>背景</a:t>
-            </a:r>
-            <a:endParaRPr lang="en-US" altLang="zh-CN" sz="2000" dirty="0" smtClean="0">
+              <a:t>某班级学生名单存储在列表</a:t>
+            </a:r>
+            <a:r>
+              <a:rPr lang="en-US" altLang="zh-CN" dirty="0" smtClean="0">
+                <a:latin typeface="微软雅黑" panose="020B0503020204020204" pitchFamily="34" charset="-122"/>
+                <a:ea typeface="微软雅黑" panose="020B0503020204020204" pitchFamily="34" charset="-122"/>
+              </a:rPr>
+              <a:t>names</a:t>
+            </a:r>
+            <a:r>
+              <a:rPr lang="zh-CN" altLang="en-US" dirty="0" smtClean="0">
+                <a:latin typeface="微软雅黑" panose="020B0503020204020204" pitchFamily="34" charset="-122"/>
+                <a:ea typeface="微软雅黑" panose="020B0503020204020204" pitchFamily="34" charset="-122"/>
+              </a:rPr>
+              <a:t>中，制作一个自动登分册，登分册接受老师登记分数，并将登记的分数自动转换为优秀、及格、不及格三个等次，分数登记完毕后，自动打印所有同学的分数与等次</a:t>
+            </a:r>
+            <a:endParaRPr lang="en-US" altLang="zh-CN" dirty="0" smtClean="0">
               <a:latin typeface="微软雅黑" panose="020B0503020204020204" pitchFamily="34" charset="-122"/>
               <a:ea typeface="微软雅黑" panose="020B0503020204020204" pitchFamily="34" charset="-122"/>
             </a:endParaRPr>
           </a:p>
           <a:p>
             <a:r>
-              <a:rPr lang="en-US" altLang="zh-CN" sz="2000" dirty="0" smtClean="0">
+              <a:rPr lang="en-US" altLang="zh-CN" sz="2400" dirty="0" smtClean="0">
                 <a:latin typeface="微软雅黑" panose="020B0503020204020204" pitchFamily="34" charset="-122"/>
                 <a:ea typeface="微软雅黑" panose="020B0503020204020204" pitchFamily="34" charset="-122"/>
               </a:rPr>
-              <a:t>     </a:t>
-            </a:r>
-            <a:r>
-              <a:rPr lang="zh-CN" altLang="en-US" sz="1600" dirty="0" smtClean="0">
+              <a:t>2.</a:t>
+            </a:r>
+            <a:r>
+              <a:rPr lang="zh-CN" altLang="en-US" sz="2400" dirty="0" smtClean="0">
                 <a:latin typeface="微软雅黑" panose="020B0503020204020204" pitchFamily="34" charset="-122"/>
                 <a:ea typeface="微软雅黑" panose="020B0503020204020204" pitchFamily="34" charset="-122"/>
               </a:rPr>
-              <a:t>有限状态机（</a:t>
-            </a:r>
-            <a:r>
-              <a:rPr lang="en-US" altLang="zh-CN" sz="1600" dirty="0" smtClean="0">
+              <a:t>要求</a:t>
+            </a:r>
+            <a:endParaRPr lang="en-US" altLang="zh-CN" sz="2400" dirty="0" smtClean="0">
+              <a:latin typeface="微软雅黑" panose="020B0503020204020204" pitchFamily="34" charset="-122"/>
+              <a:ea typeface="微软雅黑" panose="020B0503020204020204" pitchFamily="34" charset="-122"/>
+            </a:endParaRPr>
+          </a:p>
+          <a:p>
+            <a:pPr lvl="0"/>
+            <a:r>
+              <a:rPr lang="zh-CN" altLang="en-US" dirty="0" smtClean="0">
+                <a:solidFill>
+                  <a:prstClr val="white"/>
+                </a:solidFill>
                 <a:latin typeface="微软雅黑" panose="020B0503020204020204" pitchFamily="34" charset="-122"/>
                 <a:ea typeface="微软雅黑" panose="020B0503020204020204" pitchFamily="34" charset="-122"/>
               </a:rPr>
-              <a:t>finite-state machine</a:t>
-            </a:r>
-            <a:r>
-              <a:rPr lang="zh-CN" altLang="en-US" sz="1600" dirty="0" smtClean="0">
+              <a:t>      </a:t>
+            </a:r>
+            <a:r>
+              <a:rPr lang="en-US" altLang="zh-CN" dirty="0" smtClean="0">
+                <a:solidFill>
+                  <a:prstClr val="white"/>
+                </a:solidFill>
                 <a:latin typeface="微软雅黑" panose="020B0503020204020204" pitchFamily="34" charset="-122"/>
                 <a:ea typeface="微软雅黑" panose="020B0503020204020204" pitchFamily="34" charset="-122"/>
               </a:rPr>
-              <a:t>，缩写：</a:t>
-            </a:r>
-            <a:r>
-              <a:rPr lang="en-US" altLang="zh-CN" sz="1600" dirty="0" smtClean="0">
+              <a:t>(1) </a:t>
+            </a:r>
+            <a:r>
+              <a:rPr lang="zh-CN" altLang="en-US" dirty="0" smtClean="0">
+                <a:solidFill>
+                  <a:prstClr val="white"/>
+                </a:solidFill>
                 <a:latin typeface="微软雅黑" panose="020B0503020204020204" pitchFamily="34" charset="-122"/>
                 <a:ea typeface="微软雅黑" panose="020B0503020204020204" pitchFamily="34" charset="-122"/>
               </a:rPr>
-              <a:t>FSM</a:t>
-            </a:r>
-            <a:r>
-              <a:rPr lang="zh-CN" altLang="en-US" sz="1600" dirty="0" smtClean="0">
+              <a:t>程序运行时要求老师逐个登记分数</a:t>
+            </a:r>
+            <a:endParaRPr lang="en-US" altLang="zh-CN" dirty="0" smtClean="0">
+              <a:solidFill>
+                <a:prstClr val="white"/>
+              </a:solidFill>
+              <a:latin typeface="微软雅黑" panose="020B0503020204020204" pitchFamily="34" charset="-122"/>
+              <a:ea typeface="微软雅黑" panose="020B0503020204020204" pitchFamily="34" charset="-122"/>
+            </a:endParaRPr>
+          </a:p>
+          <a:p>
+            <a:pPr lvl="0"/>
+            <a:r>
+              <a:rPr lang="zh-CN" altLang="en-US" dirty="0">
+                <a:solidFill>
+                  <a:prstClr val="white"/>
+                </a:solidFill>
                 <a:latin typeface="微软雅黑" panose="020B0503020204020204" pitchFamily="34" charset="-122"/>
                 <a:ea typeface="微软雅黑" panose="020B0503020204020204" pitchFamily="34" charset="-122"/>
               </a:rPr>
-              <a:t>）又称有限状态自动机，简称状态机，是表示有限个状态以及在这些状态之间的转移和动作等行为的数学模型</a:t>
-            </a:r>
-            <a:r>
-              <a:rPr lang="en-US" altLang="zh-CN" sz="1600" baseline="30000" dirty="0" smtClean="0">
+              <a:t> </a:t>
+            </a:r>
+            <a:r>
+              <a:rPr lang="zh-CN" altLang="en-US" dirty="0" smtClean="0">
+                <a:solidFill>
+                  <a:prstClr val="white"/>
+                </a:solidFill>
                 <a:latin typeface="微软雅黑" panose="020B0503020204020204" pitchFamily="34" charset="-122"/>
                 <a:ea typeface="微软雅黑" panose="020B0503020204020204" pitchFamily="34" charset="-122"/>
               </a:rPr>
-              <a:t>[1]</a:t>
-            </a:r>
-            <a:r>
-              <a:rPr lang="zh-CN" altLang="en-US" sz="1600" dirty="0" smtClean="0">
+              <a:t>     </a:t>
+            </a:r>
+            <a:r>
+              <a:rPr lang="en-US" altLang="zh-CN" dirty="0" smtClean="0">
+                <a:solidFill>
+                  <a:prstClr val="white"/>
+                </a:solidFill>
                 <a:latin typeface="微软雅黑" panose="020B0503020204020204" pitchFamily="34" charset="-122"/>
                 <a:ea typeface="微软雅黑" panose="020B0503020204020204" pitchFamily="34" charset="-122"/>
               </a:rPr>
-              <a:t>。一些机器人</a:t>
-            </a:r>
-            <a:r>
-              <a:rPr lang="zh-CN" altLang="en-US" sz="1600" dirty="0">
+              <a:t>(2) </a:t>
+            </a:r>
+            <a:r>
+              <a:rPr lang="zh-CN" altLang="en-US" dirty="0" smtClean="0">
+                <a:solidFill>
+                  <a:prstClr val="white"/>
+                </a:solidFill>
                 <a:latin typeface="微软雅黑" panose="020B0503020204020204" pitchFamily="34" charset="-122"/>
                 <a:ea typeface="微软雅黑" panose="020B0503020204020204" pitchFamily="34" charset="-122"/>
               </a:rPr>
-              <a:t>也</a:t>
-            </a:r>
-            <a:r>
-              <a:rPr lang="zh-CN" altLang="en-US" sz="1600" dirty="0" smtClean="0">
+              <a:t>登记的分数要转换为等次，</a:t>
+            </a:r>
+            <a:r>
+              <a:rPr lang="en-US" altLang="zh-CN" dirty="0" smtClean="0">
+                <a:solidFill>
+                  <a:prstClr val="white"/>
+                </a:solidFill>
                 <a:latin typeface="微软雅黑" panose="020B0503020204020204" pitchFamily="34" charset="-122"/>
                 <a:ea typeface="微软雅黑" panose="020B0503020204020204" pitchFamily="34" charset="-122"/>
               </a:rPr>
-              <a:t>需要在不同工作状态下跳转，可以看成是一种状态机。例如，扫地机器人需要在“地图测量”、“扫地”、“回充”等状态下跳转。</a:t>
-            </a:r>
-            <a:endParaRPr lang="en-US" altLang="zh-CN" sz="1600" dirty="0" smtClean="0">
+              <a:t>8-10</a:t>
+            </a:r>
+            <a:r>
+              <a:rPr lang="zh-CN" altLang="en-US" dirty="0" smtClean="0">
+                <a:solidFill>
+                  <a:prstClr val="white"/>
+                </a:solidFill>
+                <a:latin typeface="微软雅黑" panose="020B0503020204020204" pitchFamily="34" charset="-122"/>
+                <a:ea typeface="微软雅黑" panose="020B0503020204020204" pitchFamily="34" charset="-122"/>
+              </a:rPr>
+              <a:t>分优秀，</a:t>
+            </a:r>
+            <a:r>
+              <a:rPr lang="en-US" altLang="zh-CN" dirty="0" smtClean="0">
+                <a:solidFill>
+                  <a:prstClr val="white"/>
+                </a:solidFill>
+                <a:latin typeface="微软雅黑" panose="020B0503020204020204" pitchFamily="34" charset="-122"/>
+                <a:ea typeface="微软雅黑" panose="020B0503020204020204" pitchFamily="34" charset="-122"/>
+              </a:rPr>
+              <a:t>6-8</a:t>
+            </a:r>
+            <a:r>
+              <a:rPr lang="zh-CN" altLang="en-US" dirty="0" smtClean="0">
+                <a:solidFill>
+                  <a:prstClr val="white"/>
+                </a:solidFill>
+                <a:latin typeface="微软雅黑" panose="020B0503020204020204" pitchFamily="34" charset="-122"/>
+                <a:ea typeface="微软雅黑" panose="020B0503020204020204" pitchFamily="34" charset="-122"/>
+              </a:rPr>
+              <a:t>分及格，</a:t>
+            </a:r>
+            <a:r>
+              <a:rPr lang="en-US" altLang="zh-CN" dirty="0" smtClean="0">
+                <a:solidFill>
+                  <a:prstClr val="white"/>
+                </a:solidFill>
+                <a:latin typeface="微软雅黑" panose="020B0503020204020204" pitchFamily="34" charset="-122"/>
+                <a:ea typeface="微软雅黑" panose="020B0503020204020204" pitchFamily="34" charset="-122"/>
+              </a:rPr>
+              <a:t>6</a:t>
+            </a:r>
+            <a:r>
+              <a:rPr lang="zh-CN" altLang="en-US" dirty="0" smtClean="0">
+                <a:solidFill>
+                  <a:prstClr val="white"/>
+                </a:solidFill>
+                <a:latin typeface="微软雅黑" panose="020B0503020204020204" pitchFamily="34" charset="-122"/>
+                <a:ea typeface="微软雅黑" panose="020B0503020204020204" pitchFamily="34" charset="-122"/>
+              </a:rPr>
+              <a:t>分以下不及格。分数和等次分别存储在两个列表中</a:t>
+            </a:r>
+            <a:endParaRPr lang="en-US" altLang="zh-CN" dirty="0" smtClean="0">
+              <a:solidFill>
+                <a:prstClr val="white"/>
+              </a:solidFill>
               <a:latin typeface="微软雅黑" panose="020B0503020204020204" pitchFamily="34" charset="-122"/>
               <a:ea typeface="微软雅黑" panose="020B0503020204020204" pitchFamily="34" charset="-122"/>
             </a:endParaRPr>
           </a:p>
           <a:p>
-            <a:r>
-              <a:rPr lang="en-US" altLang="zh-CN" sz="2000" dirty="0" smtClean="0">
+            <a:pPr lvl="0"/>
+            <a:r>
+              <a:rPr lang="en-US" altLang="zh-CN" dirty="0" smtClean="0">
+                <a:solidFill>
+                  <a:prstClr val="white"/>
+                </a:solidFill>
                 <a:latin typeface="微软雅黑" panose="020B0503020204020204" pitchFamily="34" charset="-122"/>
                 <a:ea typeface="微软雅黑" panose="020B0503020204020204" pitchFamily="34" charset="-122"/>
               </a:rPr>
-              <a:t>2.</a:t>
-            </a:r>
-            <a:r>
-              <a:rPr lang="zh-CN" altLang="en-US" sz="2000" dirty="0" smtClean="0">
+              <a:t>      </a:t>
+            </a:r>
+            <a:r>
+              <a:rPr lang="en-US" altLang="zh-CN" dirty="0" smtClean="0">
+                <a:solidFill>
+                  <a:prstClr val="white"/>
+                </a:solidFill>
                 <a:latin typeface="微软雅黑" panose="020B0503020204020204" pitchFamily="34" charset="-122"/>
                 <a:ea typeface="微软雅黑" panose="020B0503020204020204" pitchFamily="34" charset="-122"/>
               </a:rPr>
-              <a:t>要求</a:t>
-            </a:r>
-            <a:endParaRPr lang="en-US" altLang="zh-CN" sz="2000" dirty="0" smtClean="0">
+              <a:t>(3) </a:t>
+            </a:r>
+            <a:r>
+              <a:rPr lang="zh-CN" altLang="en-US" dirty="0" smtClean="0">
+                <a:solidFill>
+                  <a:prstClr val="white"/>
+                </a:solidFill>
+                <a:latin typeface="微软雅黑" panose="020B0503020204020204" pitchFamily="34" charset="-122"/>
+                <a:ea typeface="微软雅黑" panose="020B0503020204020204" pitchFamily="34" charset="-122"/>
+              </a:rPr>
+              <a:t>所有分数登记完毕后自动打印出所有同学的分数与等次</a:t>
+            </a:r>
+            <a:endParaRPr lang="en-US" altLang="zh-CN" dirty="0" smtClean="0">
+              <a:solidFill>
+                <a:prstClr val="white"/>
+              </a:solidFill>
               <a:latin typeface="微软雅黑" panose="020B0503020204020204" pitchFamily="34" charset="-122"/>
               <a:ea typeface="微软雅黑" panose="020B0503020204020204" pitchFamily="34" charset="-122"/>
             </a:endParaRPr>
           </a:p>
           <a:p>
-            <a:pPr lvl="0"/>
-            <a:r>
-              <a:rPr lang="zh-CN" altLang="en-US" sz="1600" dirty="0" smtClean="0">
-                <a:solidFill>
-                  <a:prstClr val="white"/>
-                </a:solidFill>
+            <a:r>
+              <a:rPr lang="en-US" altLang="zh-CN" sz="2400" dirty="0" smtClean="0">
                 <a:latin typeface="微软雅黑" panose="020B0503020204020204" pitchFamily="34" charset="-122"/>
                 <a:ea typeface="微软雅黑" panose="020B0503020204020204" pitchFamily="34" charset="-122"/>
               </a:rPr>
-              <a:t>      </a:t>
-            </a:r>
-            <a:r>
-              <a:rPr lang="en-US" altLang="zh-CN" sz="1600" dirty="0" smtClean="0">
-                <a:solidFill>
-                  <a:prstClr val="white"/>
-                </a:solidFill>
+              <a:t>3.</a:t>
+            </a:r>
+            <a:r>
+              <a:rPr lang="zh-CN" altLang="en-US" sz="2400" dirty="0" smtClean="0">
                 <a:latin typeface="微软雅黑" panose="020B0503020204020204" pitchFamily="34" charset="-122"/>
                 <a:ea typeface="微软雅黑" panose="020B0503020204020204" pitchFamily="34" charset="-122"/>
               </a:rPr>
-              <a:t>(1) </a:t>
-            </a:r>
-            <a:r>
-              <a:rPr lang="zh-CN" altLang="en-US" sz="1600" dirty="0" smtClean="0">
-                <a:solidFill>
-                  <a:prstClr val="white"/>
-                </a:solidFill>
-                <a:latin typeface="微软雅黑" panose="020B0503020204020204" pitchFamily="34" charset="-122"/>
-                <a:ea typeface="微软雅黑" panose="020B0503020204020204" pitchFamily="34" charset="-122"/>
-              </a:rPr>
-              <a:t>编写一个模拟的有限状态机，状态机存在</a:t>
-            </a:r>
-            <a:r>
-              <a:rPr lang="en-US" altLang="zh-CN" sz="1600" dirty="0" smtClean="0">
-                <a:solidFill>
-                  <a:prstClr val="white"/>
-                </a:solidFill>
-                <a:latin typeface="微软雅黑" panose="020B0503020204020204" pitchFamily="34" charset="-122"/>
-                <a:ea typeface="微软雅黑" panose="020B0503020204020204" pitchFamily="34" charset="-122"/>
-              </a:rPr>
-              <a:t>4</a:t>
-            </a:r>
-            <a:r>
-              <a:rPr lang="zh-CN" altLang="en-US" sz="1600" dirty="0" smtClean="0">
-                <a:solidFill>
-                  <a:prstClr val="white"/>
-                </a:solidFill>
-                <a:latin typeface="微软雅黑" panose="020B0503020204020204" pitchFamily="34" charset="-122"/>
-                <a:ea typeface="微软雅黑" panose="020B0503020204020204" pitchFamily="34" charset="-122"/>
-              </a:rPr>
-              <a:t>种状态</a:t>
-            </a:r>
-            <a:endParaRPr lang="en-US" altLang="zh-CN" sz="1600" dirty="0" smtClean="0">
-              <a:solidFill>
-                <a:prstClr val="white"/>
-              </a:solidFill>
+              <a:t>输出结果</a:t>
+            </a:r>
+            <a:endParaRPr lang="en-US" altLang="zh-CN" sz="2400" dirty="0" smtClean="0">
               <a:latin typeface="微软雅黑" panose="020B0503020204020204" pitchFamily="34" charset="-122"/>
               <a:ea typeface="微软雅黑" panose="020B0503020204020204" pitchFamily="34" charset="-122"/>
             </a:endParaRPr>
           </a:p>
           <a:p>
-            <a:pPr lvl="0"/>
-            <a:r>
-              <a:rPr lang="zh-CN" altLang="en-US" sz="1600" dirty="0">
-                <a:solidFill>
-                  <a:prstClr val="white"/>
-                </a:solidFill>
-                <a:latin typeface="微软雅黑" panose="020B0503020204020204" pitchFamily="34" charset="-122"/>
-                <a:ea typeface="微软雅黑" panose="020B0503020204020204" pitchFamily="34" charset="-122"/>
-              </a:rPr>
-              <a:t> </a:t>
-            </a:r>
-            <a:r>
-              <a:rPr lang="zh-CN" altLang="en-US" sz="1600" dirty="0" smtClean="0">
-                <a:solidFill>
-                  <a:prstClr val="white"/>
-                </a:solidFill>
-                <a:latin typeface="微软雅黑" panose="020B0503020204020204" pitchFamily="34" charset="-122"/>
-                <a:ea typeface="微软雅黑" panose="020B0503020204020204" pitchFamily="34" charset="-122"/>
-              </a:rPr>
-              <a:t>     </a:t>
-            </a:r>
-            <a:r>
-              <a:rPr lang="en-US" altLang="zh-CN" sz="1600" dirty="0" smtClean="0">
-                <a:solidFill>
-                  <a:prstClr val="white"/>
-                </a:solidFill>
-                <a:latin typeface="微软雅黑" panose="020B0503020204020204" pitchFamily="34" charset="-122"/>
-                <a:ea typeface="微软雅黑" panose="020B0503020204020204" pitchFamily="34" charset="-122"/>
-              </a:rPr>
-              <a:t>(2) </a:t>
-            </a:r>
-            <a:r>
-              <a:rPr lang="zh-CN" altLang="en-US" sz="1600" dirty="0" smtClean="0">
-                <a:solidFill>
-                  <a:prstClr val="white"/>
-                </a:solidFill>
-                <a:latin typeface="微软雅黑" panose="020B0503020204020204" pitchFamily="34" charset="-122"/>
-                <a:ea typeface="微软雅黑" panose="020B0503020204020204" pitchFamily="34" charset="-122"/>
-              </a:rPr>
-              <a:t>状态</a:t>
-            </a:r>
-            <a:r>
-              <a:rPr lang="en-US" altLang="zh-CN" sz="1600" dirty="0" smtClean="0">
-                <a:solidFill>
-                  <a:prstClr val="white"/>
-                </a:solidFill>
-                <a:latin typeface="微软雅黑" panose="020B0503020204020204" pitchFamily="34" charset="-122"/>
-                <a:ea typeface="微软雅黑" panose="020B0503020204020204" pitchFamily="34" charset="-122"/>
-              </a:rPr>
-              <a:t>0-</a:t>
-            </a:r>
-            <a:r>
-              <a:rPr lang="zh-CN" altLang="en-US" sz="1600" dirty="0" smtClean="0">
-                <a:solidFill>
-                  <a:prstClr val="white"/>
-                </a:solidFill>
-                <a:latin typeface="微软雅黑" panose="020B0503020204020204" pitchFamily="34" charset="-122"/>
-                <a:ea typeface="微软雅黑" panose="020B0503020204020204" pitchFamily="34" charset="-122"/>
-              </a:rPr>
-              <a:t>状态</a:t>
-            </a:r>
-            <a:r>
-              <a:rPr lang="en-US" altLang="zh-CN" sz="1600" dirty="0" smtClean="0">
-                <a:solidFill>
-                  <a:prstClr val="white"/>
-                </a:solidFill>
-                <a:latin typeface="微软雅黑" panose="020B0503020204020204" pitchFamily="34" charset="-122"/>
-                <a:ea typeface="微软雅黑" panose="020B0503020204020204" pitchFamily="34" charset="-122"/>
-              </a:rPr>
-              <a:t>2</a:t>
-            </a:r>
-            <a:r>
-              <a:rPr lang="zh-CN" altLang="en-US" sz="1600" dirty="0" smtClean="0">
-                <a:solidFill>
-                  <a:prstClr val="white"/>
-                </a:solidFill>
-                <a:latin typeface="微软雅黑" panose="020B0503020204020204" pitchFamily="34" charset="-122"/>
-                <a:ea typeface="微软雅黑" panose="020B0503020204020204" pitchFamily="34" charset="-122"/>
-              </a:rPr>
-              <a:t>的名称为</a:t>
-            </a:r>
-            <a:r>
-              <a:rPr lang="en-US" altLang="zh-CN" sz="1600" dirty="0" smtClean="0">
-                <a:solidFill>
-                  <a:prstClr val="white"/>
-                </a:solidFill>
-                <a:latin typeface="微软雅黑" panose="020B0503020204020204" pitchFamily="34" charset="-122"/>
-                <a:ea typeface="微软雅黑" panose="020B0503020204020204" pitchFamily="34" charset="-122"/>
-              </a:rPr>
-              <a:t>Initialize</a:t>
-            </a:r>
-            <a:r>
-              <a:rPr lang="zh-CN" altLang="en-US" sz="1600" dirty="0" smtClean="0">
-                <a:solidFill>
-                  <a:prstClr val="white"/>
-                </a:solidFill>
-                <a:latin typeface="微软雅黑" panose="020B0503020204020204" pitchFamily="34" charset="-122"/>
-                <a:ea typeface="微软雅黑" panose="020B0503020204020204" pitchFamily="34" charset="-122"/>
-              </a:rPr>
-              <a:t>、</a:t>
-            </a:r>
-            <a:r>
-              <a:rPr lang="en-US" altLang="zh-CN" sz="1600" dirty="0" smtClean="0">
-                <a:solidFill>
-                  <a:prstClr val="white"/>
-                </a:solidFill>
-                <a:latin typeface="微软雅黑" panose="020B0503020204020204" pitchFamily="34" charset="-122"/>
-                <a:ea typeface="微软雅黑" panose="020B0503020204020204" pitchFamily="34" charset="-122"/>
-              </a:rPr>
-              <a:t>s1</a:t>
-            </a:r>
-            <a:r>
-              <a:rPr lang="zh-CN" altLang="en-US" sz="1600" dirty="0" smtClean="0">
-                <a:solidFill>
-                  <a:prstClr val="white"/>
-                </a:solidFill>
-                <a:latin typeface="微软雅黑" panose="020B0503020204020204" pitchFamily="34" charset="-122"/>
-                <a:ea typeface="微软雅黑" panose="020B0503020204020204" pitchFamily="34" charset="-122"/>
-              </a:rPr>
-              <a:t>与</a:t>
-            </a:r>
-            <a:r>
-              <a:rPr lang="en-US" altLang="zh-CN" sz="1600" dirty="0" smtClean="0">
-                <a:solidFill>
-                  <a:prstClr val="white"/>
-                </a:solidFill>
-                <a:latin typeface="微软雅黑" panose="020B0503020204020204" pitchFamily="34" charset="-122"/>
-                <a:ea typeface="微软雅黑" panose="020B0503020204020204" pitchFamily="34" charset="-122"/>
-              </a:rPr>
-              <a:t>s2</a:t>
-            </a:r>
-            <a:r>
-              <a:rPr lang="zh-CN" altLang="en-US" sz="1600" dirty="0" smtClean="0">
-                <a:solidFill>
-                  <a:prstClr val="white"/>
-                </a:solidFill>
-                <a:latin typeface="微软雅黑" panose="020B0503020204020204" pitchFamily="34" charset="-122"/>
-                <a:ea typeface="微软雅黑" panose="020B0503020204020204" pitchFamily="34" charset="-122"/>
-              </a:rPr>
-              <a:t>，它们在内部调用延时函数将</a:t>
-            </a:r>
-            <a:r>
-              <a:rPr lang="en-US" altLang="zh-CN" sz="1600" dirty="0" err="1" smtClean="0">
-                <a:solidFill>
-                  <a:prstClr val="white"/>
-                </a:solidFill>
-                <a:latin typeface="微软雅黑" panose="020B0503020204020204" pitchFamily="34" charset="-122"/>
-                <a:ea typeface="微软雅黑" panose="020B0503020204020204" pitchFamily="34" charset="-122"/>
-              </a:rPr>
-              <a:t>cnt</a:t>
-            </a:r>
-            <a:r>
-              <a:rPr lang="zh-CN" altLang="en-US" sz="1600" dirty="0" smtClean="0">
-                <a:solidFill>
-                  <a:prstClr val="white"/>
-                </a:solidFill>
-                <a:latin typeface="微软雅黑" panose="020B0503020204020204" pitchFamily="34" charset="-122"/>
-                <a:ea typeface="微软雅黑" panose="020B0503020204020204" pitchFamily="34" charset="-122"/>
-              </a:rPr>
-              <a:t>变量在</a:t>
-            </a:r>
-            <a:r>
-              <a:rPr lang="en-US" altLang="zh-CN" sz="1600" dirty="0" smtClean="0">
-                <a:solidFill>
-                  <a:prstClr val="white"/>
-                </a:solidFill>
-                <a:latin typeface="微软雅黑" panose="020B0503020204020204" pitchFamily="34" charset="-122"/>
-                <a:ea typeface="微软雅黑" panose="020B0503020204020204" pitchFamily="34" charset="-122"/>
-              </a:rPr>
-              <a:t>10s</a:t>
-            </a:r>
-            <a:r>
-              <a:rPr lang="zh-CN" altLang="en-US" sz="1600" dirty="0" smtClean="0">
-                <a:solidFill>
-                  <a:prstClr val="white"/>
-                </a:solidFill>
-                <a:latin typeface="微软雅黑" panose="020B0503020204020204" pitchFamily="34" charset="-122"/>
-                <a:ea typeface="微软雅黑" panose="020B0503020204020204" pitchFamily="34" charset="-122"/>
-              </a:rPr>
-              <a:t>内从</a:t>
-            </a:r>
-            <a:r>
-              <a:rPr lang="en-US" altLang="zh-CN" sz="1600" dirty="0" smtClean="0">
-                <a:solidFill>
-                  <a:prstClr val="white"/>
-                </a:solidFill>
-                <a:latin typeface="微软雅黑" panose="020B0503020204020204" pitchFamily="34" charset="-122"/>
-                <a:ea typeface="微软雅黑" panose="020B0503020204020204" pitchFamily="34" charset="-122"/>
-              </a:rPr>
-              <a:t>0</a:t>
-            </a:r>
-            <a:r>
-              <a:rPr lang="zh-CN" altLang="en-US" sz="1600" dirty="0" smtClean="0">
-                <a:solidFill>
-                  <a:prstClr val="white"/>
-                </a:solidFill>
-                <a:latin typeface="微软雅黑" panose="020B0503020204020204" pitchFamily="34" charset="-122"/>
-                <a:ea typeface="微软雅黑" panose="020B0503020204020204" pitchFamily="34" charset="-122"/>
-              </a:rPr>
-              <a:t>累加到</a:t>
-            </a:r>
-            <a:r>
-              <a:rPr lang="en-US" altLang="zh-CN" sz="1600" dirty="0" smtClean="0">
-                <a:solidFill>
-                  <a:prstClr val="white"/>
-                </a:solidFill>
-                <a:latin typeface="微软雅黑" panose="020B0503020204020204" pitchFamily="34" charset="-122"/>
-                <a:ea typeface="微软雅黑" panose="020B0503020204020204" pitchFamily="34" charset="-122"/>
-              </a:rPr>
-              <a:t>100</a:t>
-            </a:r>
-            <a:r>
-              <a:rPr lang="zh-CN" altLang="en-US" sz="1600" dirty="0" smtClean="0">
-                <a:solidFill>
-                  <a:prstClr val="white"/>
-                </a:solidFill>
-                <a:latin typeface="微软雅黑" panose="020B0503020204020204" pitchFamily="34" charset="-122"/>
-                <a:ea typeface="微软雅黑" panose="020B0503020204020204" pitchFamily="34" charset="-122"/>
-              </a:rPr>
-              <a:t>，并在过程中输出状态名与</a:t>
-            </a:r>
-            <a:r>
-              <a:rPr lang="en-US" altLang="zh-CN" sz="1600" dirty="0" err="1" smtClean="0">
-                <a:solidFill>
-                  <a:prstClr val="white"/>
-                </a:solidFill>
-                <a:latin typeface="微软雅黑" panose="020B0503020204020204" pitchFamily="34" charset="-122"/>
-                <a:ea typeface="微软雅黑" panose="020B0503020204020204" pitchFamily="34" charset="-122"/>
-              </a:rPr>
-              <a:t>cnt</a:t>
-            </a:r>
-            <a:r>
-              <a:rPr lang="zh-CN" altLang="en-US" sz="1600" dirty="0" smtClean="0">
-                <a:solidFill>
-                  <a:prstClr val="white"/>
-                </a:solidFill>
-                <a:latin typeface="微软雅黑" panose="020B0503020204020204" pitchFamily="34" charset="-122"/>
-                <a:ea typeface="微软雅黑" panose="020B0503020204020204" pitchFamily="34" charset="-122"/>
-              </a:rPr>
-              <a:t>的值；状态</a:t>
-            </a:r>
-            <a:r>
-              <a:rPr lang="en-US" altLang="zh-CN" sz="1600" dirty="0" smtClean="0">
-                <a:solidFill>
-                  <a:prstClr val="white"/>
-                </a:solidFill>
-                <a:latin typeface="微软雅黑" panose="020B0503020204020204" pitchFamily="34" charset="-122"/>
-                <a:ea typeface="微软雅黑" panose="020B0503020204020204" pitchFamily="34" charset="-122"/>
-              </a:rPr>
-              <a:t>3</a:t>
-            </a:r>
-            <a:r>
-              <a:rPr lang="zh-CN" altLang="en-US" sz="1600" dirty="0" smtClean="0">
-                <a:solidFill>
-                  <a:prstClr val="white"/>
-                </a:solidFill>
-                <a:latin typeface="微软雅黑" panose="020B0503020204020204" pitchFamily="34" charset="-122"/>
-                <a:ea typeface="微软雅黑" panose="020B0503020204020204" pitchFamily="34" charset="-122"/>
-              </a:rPr>
-              <a:t>的名称为</a:t>
-            </a:r>
-            <a:r>
-              <a:rPr lang="en-US" altLang="zh-CN" sz="1600" dirty="0" smtClean="0">
-                <a:solidFill>
-                  <a:prstClr val="white"/>
-                </a:solidFill>
-                <a:latin typeface="微软雅黑" panose="020B0503020204020204" pitchFamily="34" charset="-122"/>
-                <a:ea typeface="微软雅黑" panose="020B0503020204020204" pitchFamily="34" charset="-122"/>
-              </a:rPr>
-              <a:t>Quit</a:t>
-            </a:r>
-            <a:r>
-              <a:rPr lang="zh-CN" altLang="en-US" sz="1600" dirty="0" smtClean="0">
-                <a:solidFill>
-                  <a:prstClr val="white"/>
-                </a:solidFill>
-                <a:latin typeface="微软雅黑" panose="020B0503020204020204" pitchFamily="34" charset="-122"/>
-                <a:ea typeface="微软雅黑" panose="020B0503020204020204" pitchFamily="34" charset="-122"/>
-              </a:rPr>
-              <a:t>，运行状态</a:t>
-            </a:r>
-            <a:r>
-              <a:rPr lang="en-US" altLang="zh-CN" sz="1600" dirty="0" smtClean="0">
-                <a:solidFill>
-                  <a:prstClr val="white"/>
-                </a:solidFill>
-                <a:latin typeface="微软雅黑" panose="020B0503020204020204" pitchFamily="34" charset="-122"/>
-                <a:ea typeface="微软雅黑" panose="020B0503020204020204" pitchFamily="34" charset="-122"/>
-              </a:rPr>
-              <a:t>3</a:t>
-            </a:r>
-            <a:r>
-              <a:rPr lang="zh-CN" altLang="en-US" sz="1600" dirty="0" smtClean="0">
-                <a:solidFill>
-                  <a:prstClr val="white"/>
-                </a:solidFill>
-                <a:latin typeface="微软雅黑" panose="020B0503020204020204" pitchFamily="34" charset="-122"/>
-                <a:ea typeface="微软雅黑" panose="020B0503020204020204" pitchFamily="34" charset="-122"/>
-              </a:rPr>
-              <a:t>后退出程序。</a:t>
-            </a:r>
-            <a:endParaRPr lang="en-US" altLang="zh-CN" sz="1600" dirty="0" smtClean="0">
-              <a:solidFill>
-                <a:prstClr val="white"/>
-              </a:solidFill>
+            <a:endParaRPr lang="en-US" altLang="zh-CN" sz="2400" dirty="0">
               <a:latin typeface="微软雅黑" panose="020B0503020204020204" pitchFamily="34" charset="-122"/>
               <a:ea typeface="微软雅黑" panose="020B0503020204020204" pitchFamily="34" charset="-122"/>
             </a:endParaRPr>
           </a:p>
           <a:p>
-            <a:pPr lvl="0"/>
-            <a:r>
-              <a:rPr lang="en-US" altLang="zh-CN" sz="1600" dirty="0">
-                <a:solidFill>
-                  <a:prstClr val="white"/>
-                </a:solidFill>
-                <a:latin typeface="微软雅黑" panose="020B0503020204020204" pitchFamily="34" charset="-122"/>
-                <a:ea typeface="微软雅黑" panose="020B0503020204020204" pitchFamily="34" charset="-122"/>
-              </a:rPr>
-              <a:t> </a:t>
-            </a:r>
-            <a:r>
-              <a:rPr lang="en-US" altLang="zh-CN" sz="1600" dirty="0" smtClean="0">
-                <a:solidFill>
-                  <a:prstClr val="white"/>
-                </a:solidFill>
-                <a:latin typeface="微软雅黑" panose="020B0503020204020204" pitchFamily="34" charset="-122"/>
-                <a:ea typeface="微软雅黑" panose="020B0503020204020204" pitchFamily="34" charset="-122"/>
-              </a:rPr>
-              <a:t>     (3) </a:t>
-            </a:r>
-            <a:r>
-              <a:rPr lang="zh-CN" altLang="en-US" sz="1600" dirty="0" smtClean="0">
-                <a:solidFill>
-                  <a:prstClr val="white"/>
-                </a:solidFill>
-                <a:latin typeface="微软雅黑" panose="020B0503020204020204" pitchFamily="34" charset="-122"/>
-                <a:ea typeface="微软雅黑" panose="020B0503020204020204" pitchFamily="34" charset="-122"/>
-              </a:rPr>
-              <a:t>默认情况下状态机依次运行状态</a:t>
-            </a:r>
-            <a:r>
-              <a:rPr lang="en-US" altLang="zh-CN" sz="1600" dirty="0" smtClean="0">
-                <a:solidFill>
-                  <a:prstClr val="white"/>
-                </a:solidFill>
-                <a:latin typeface="微软雅黑" panose="020B0503020204020204" pitchFamily="34" charset="-122"/>
-                <a:ea typeface="微软雅黑" panose="020B0503020204020204" pitchFamily="34" charset="-122"/>
-              </a:rPr>
-              <a:t>0-3</a:t>
-            </a:r>
-            <a:r>
-              <a:rPr lang="zh-CN" altLang="en-US" sz="1600" dirty="0" smtClean="0">
-                <a:solidFill>
-                  <a:prstClr val="white"/>
-                </a:solidFill>
-                <a:latin typeface="微软雅黑" panose="020B0503020204020204" pitchFamily="34" charset="-122"/>
-                <a:ea typeface="微软雅黑" panose="020B0503020204020204" pitchFamily="34" charset="-122"/>
-              </a:rPr>
-              <a:t>，在状态</a:t>
-            </a:r>
-            <a:r>
-              <a:rPr lang="en-US" altLang="zh-CN" sz="1600" dirty="0" smtClean="0">
-                <a:solidFill>
-                  <a:prstClr val="white"/>
-                </a:solidFill>
-                <a:latin typeface="微软雅黑" panose="020B0503020204020204" pitchFamily="34" charset="-122"/>
-                <a:ea typeface="微软雅黑" panose="020B0503020204020204" pitchFamily="34" charset="-122"/>
-              </a:rPr>
-              <a:t>1</a:t>
-            </a:r>
-            <a:r>
-              <a:rPr lang="zh-CN" altLang="en-US" sz="1600" dirty="0" smtClean="0">
-                <a:solidFill>
-                  <a:prstClr val="white"/>
-                </a:solidFill>
-                <a:latin typeface="微软雅黑" panose="020B0503020204020204" pitchFamily="34" charset="-122"/>
-                <a:ea typeface="微软雅黑" panose="020B0503020204020204" pitchFamily="34" charset="-122"/>
-              </a:rPr>
-              <a:t>与</a:t>
-            </a:r>
-            <a:r>
-              <a:rPr lang="en-US" altLang="zh-CN" sz="1600" dirty="0" smtClean="0">
-                <a:solidFill>
-                  <a:prstClr val="white"/>
-                </a:solidFill>
-                <a:latin typeface="微软雅黑" panose="020B0503020204020204" pitchFamily="34" charset="-122"/>
-                <a:ea typeface="微软雅黑" panose="020B0503020204020204" pitchFamily="34" charset="-122"/>
-              </a:rPr>
-              <a:t>2</a:t>
-            </a:r>
-            <a:r>
-              <a:rPr lang="zh-CN" altLang="en-US" sz="1600" dirty="0" smtClean="0">
-                <a:solidFill>
-                  <a:prstClr val="white"/>
-                </a:solidFill>
-                <a:latin typeface="微软雅黑" panose="020B0503020204020204" pitchFamily="34" charset="-122"/>
-                <a:ea typeface="微软雅黑" panose="020B0503020204020204" pitchFamily="34" charset="-122"/>
-              </a:rPr>
-              <a:t>运行时，用户可以通过按键在状态</a:t>
-            </a:r>
-            <a:r>
-              <a:rPr lang="en-US" altLang="zh-CN" sz="1600" dirty="0" smtClean="0">
-                <a:solidFill>
-                  <a:prstClr val="white"/>
-                </a:solidFill>
-                <a:latin typeface="微软雅黑" panose="020B0503020204020204" pitchFamily="34" charset="-122"/>
-                <a:ea typeface="微软雅黑" panose="020B0503020204020204" pitchFamily="34" charset="-122"/>
-              </a:rPr>
-              <a:t>1</a:t>
-            </a:r>
-            <a:r>
-              <a:rPr lang="zh-CN" altLang="en-US" sz="1600" dirty="0" smtClean="0">
-                <a:solidFill>
-                  <a:prstClr val="white"/>
-                </a:solidFill>
-                <a:latin typeface="微软雅黑" panose="020B0503020204020204" pitchFamily="34" charset="-122"/>
-                <a:ea typeface="微软雅黑" panose="020B0503020204020204" pitchFamily="34" charset="-122"/>
-              </a:rPr>
-              <a:t>与</a:t>
-            </a:r>
-            <a:r>
-              <a:rPr lang="en-US" altLang="zh-CN" sz="1600" dirty="0" smtClean="0">
-                <a:solidFill>
-                  <a:prstClr val="white"/>
-                </a:solidFill>
-                <a:latin typeface="微软雅黑" panose="020B0503020204020204" pitchFamily="34" charset="-122"/>
-                <a:ea typeface="微软雅黑" panose="020B0503020204020204" pitchFamily="34" charset="-122"/>
-              </a:rPr>
-              <a:t>2</a:t>
-            </a:r>
-            <a:r>
-              <a:rPr lang="zh-CN" altLang="en-US" sz="1600" dirty="0" smtClean="0">
-                <a:solidFill>
-                  <a:prstClr val="white"/>
-                </a:solidFill>
-                <a:latin typeface="微软雅黑" panose="020B0503020204020204" pitchFamily="34" charset="-122"/>
-                <a:ea typeface="微软雅黑" panose="020B0503020204020204" pitchFamily="34" charset="-122"/>
-              </a:rPr>
-              <a:t>之间切换。</a:t>
-            </a:r>
-            <a:endParaRPr lang="en-US" altLang="zh-CN" sz="1600" dirty="0">
-              <a:solidFill>
-                <a:prstClr val="white"/>
-              </a:solidFill>
+            <a:endParaRPr lang="en-US" altLang="zh-CN" sz="2400" dirty="0" smtClean="0">
               <a:latin typeface="微软雅黑" panose="020B0503020204020204" pitchFamily="34" charset="-122"/>
               <a:ea typeface="微软雅黑" panose="020B0503020204020204" pitchFamily="34" charset="-122"/>
             </a:endParaRPr>
           </a:p>
           <a:p>
-            <a:r>
-              <a:rPr lang="en-US" altLang="zh-CN" sz="2000" dirty="0" smtClean="0">
-                <a:latin typeface="微软雅黑" panose="020B0503020204020204" pitchFamily="34" charset="-122"/>
-                <a:ea typeface="微软雅黑" panose="020B0503020204020204" pitchFamily="34" charset="-122"/>
-              </a:rPr>
-              <a:t>3.</a:t>
-            </a:r>
-            <a:r>
-              <a:rPr lang="zh-CN" altLang="en-US" sz="2000" dirty="0" smtClean="0">
-                <a:latin typeface="微软雅黑" panose="020B0503020204020204" pitchFamily="34" charset="-122"/>
-                <a:ea typeface="微软雅黑" panose="020B0503020204020204" pitchFamily="34" charset="-122"/>
-              </a:rPr>
-              <a:t>提示</a:t>
-            </a:r>
-            <a:endParaRPr lang="en-US" altLang="zh-CN" sz="2000" dirty="0" smtClean="0">
+            <a:endParaRPr lang="en-US" altLang="zh-CN" sz="2400" dirty="0" smtClean="0">
               <a:latin typeface="微软雅黑" panose="020B0503020204020204" pitchFamily="34" charset="-122"/>
               <a:ea typeface="微软雅黑" panose="020B0503020204020204" pitchFamily="34" charset="-122"/>
             </a:endParaRPr>
           </a:p>
           <a:p>
-            <a:r>
-              <a:rPr lang="zh-CN" altLang="en-US" sz="1600" dirty="0">
-                <a:solidFill>
-                  <a:prstClr val="white"/>
-                </a:solidFill>
-                <a:latin typeface="微软雅黑" panose="020B0503020204020204" pitchFamily="34" charset="-122"/>
-                <a:ea typeface="微软雅黑" panose="020B0503020204020204" pitchFamily="34" charset="-122"/>
-              </a:rPr>
-              <a:t> </a:t>
-            </a:r>
-            <a:r>
-              <a:rPr lang="zh-CN" altLang="en-US" sz="1600" dirty="0" smtClean="0">
-                <a:solidFill>
-                  <a:prstClr val="white"/>
-                </a:solidFill>
-                <a:latin typeface="微软雅黑" panose="020B0503020204020204" pitchFamily="34" charset="-122"/>
-                <a:ea typeface="微软雅黑" panose="020B0503020204020204" pitchFamily="34" charset="-122"/>
-              </a:rPr>
-              <a:t>     </a:t>
-            </a:r>
-            <a:r>
-              <a:rPr lang="en-US" altLang="zh-CN" sz="1600" dirty="0" smtClean="0">
-                <a:solidFill>
-                  <a:prstClr val="white"/>
-                </a:solidFill>
-                <a:latin typeface="微软雅黑" panose="020B0503020204020204" pitchFamily="34" charset="-122"/>
-                <a:ea typeface="微软雅黑" panose="020B0503020204020204" pitchFamily="34" charset="-122"/>
-              </a:rPr>
-              <a:t>(</a:t>
-            </a:r>
-            <a:r>
-              <a:rPr lang="en-US" altLang="zh-CN" sz="1600" dirty="0">
-                <a:solidFill>
-                  <a:prstClr val="white"/>
-                </a:solidFill>
-                <a:latin typeface="微软雅黑" panose="020B0503020204020204" pitchFamily="34" charset="-122"/>
-                <a:ea typeface="微软雅黑" panose="020B0503020204020204" pitchFamily="34" charset="-122"/>
-              </a:rPr>
-              <a:t>1) </a:t>
-            </a:r>
-            <a:r>
-              <a:rPr lang="zh-CN" altLang="en-US" sz="1600" dirty="0" smtClean="0">
-                <a:solidFill>
-                  <a:prstClr val="white"/>
-                </a:solidFill>
-                <a:latin typeface="微软雅黑" panose="020B0503020204020204" pitchFamily="34" charset="-122"/>
-                <a:ea typeface="微软雅黑" panose="020B0503020204020204" pitchFamily="34" charset="-122"/>
-              </a:rPr>
-              <a:t>延时</a:t>
-            </a:r>
-            <a:endParaRPr lang="en-US" altLang="zh-CN" sz="1600" dirty="0" smtClean="0">
-              <a:solidFill>
-                <a:prstClr val="white"/>
-              </a:solidFill>
+            <a:endParaRPr lang="en-US" altLang="zh-CN" sz="2400" dirty="0">
               <a:latin typeface="微软雅黑" panose="020B0503020204020204" pitchFamily="34" charset="-122"/>
               <a:ea typeface="微软雅黑" panose="020B0503020204020204" pitchFamily="34" charset="-122"/>
             </a:endParaRPr>
           </a:p>
           <a:p>
-            <a:r>
-              <a:rPr lang="en-US" altLang="zh-CN" sz="1600" dirty="0" smtClean="0">
-                <a:solidFill>
-                  <a:srgbClr val="C586C0"/>
-                </a:solidFill>
-                <a:latin typeface="Consolas" panose="020B0609020204030204" pitchFamily="49" charset="0"/>
-              </a:rPr>
-              <a:t>	import</a:t>
-            </a:r>
-            <a:r>
-              <a:rPr lang="en-US" altLang="zh-CN" sz="1600" dirty="0" smtClean="0">
-                <a:solidFill>
-                  <a:srgbClr val="D4D4D4"/>
-                </a:solidFill>
-                <a:latin typeface="Consolas" panose="020B0609020204030204" pitchFamily="49" charset="0"/>
-              </a:rPr>
-              <a:t> time</a:t>
-            </a:r>
-          </a:p>
-          <a:p>
-            <a:r>
-              <a:rPr lang="en-US" altLang="zh-CN" sz="1600" dirty="0" smtClean="0">
-                <a:solidFill>
-                  <a:srgbClr val="D4D4D4"/>
-                </a:solidFill>
-                <a:latin typeface="Consolas" panose="020B0609020204030204" pitchFamily="49" charset="0"/>
-              </a:rPr>
-              <a:t>	</a:t>
-            </a:r>
-            <a:r>
-              <a:rPr lang="en-US" altLang="zh-CN" sz="1600" dirty="0" err="1" smtClean="0">
-                <a:solidFill>
-                  <a:srgbClr val="D4D4D4"/>
-                </a:solidFill>
-                <a:latin typeface="Consolas" panose="020B0609020204030204" pitchFamily="49" charset="0"/>
-              </a:rPr>
-              <a:t>time.sleep</a:t>
-            </a:r>
-            <a:r>
-              <a:rPr lang="en-US" altLang="zh-CN" sz="1600" dirty="0" smtClean="0">
-                <a:solidFill>
-                  <a:srgbClr val="D4D4D4"/>
-                </a:solidFill>
-                <a:latin typeface="Consolas" panose="020B0609020204030204" pitchFamily="49" charset="0"/>
-              </a:rPr>
-              <a:t>(</a:t>
-            </a:r>
-            <a:r>
-              <a:rPr lang="en-US" altLang="zh-CN" sz="1600" dirty="0" smtClean="0">
-                <a:solidFill>
-                  <a:srgbClr val="B5CEA8"/>
-                </a:solidFill>
-                <a:latin typeface="Consolas" panose="020B0609020204030204" pitchFamily="49" charset="0"/>
-              </a:rPr>
-              <a:t>0.1</a:t>
-            </a:r>
-            <a:r>
-              <a:rPr lang="en-US" altLang="zh-CN" sz="1600" dirty="0">
-                <a:solidFill>
-                  <a:srgbClr val="D4D4D4"/>
-                </a:solidFill>
-                <a:latin typeface="Consolas" panose="020B0609020204030204" pitchFamily="49" charset="0"/>
-              </a:rPr>
-              <a:t>)</a:t>
-            </a:r>
-          </a:p>
-          <a:p>
-            <a:r>
-              <a:rPr lang="en-US" altLang="zh-CN" sz="1600" dirty="0" smtClean="0">
-                <a:solidFill>
-                  <a:prstClr val="white"/>
-                </a:solidFill>
-                <a:latin typeface="微软雅黑" panose="020B0503020204020204" pitchFamily="34" charset="-122"/>
-                <a:ea typeface="微软雅黑" panose="020B0503020204020204" pitchFamily="34" charset="-122"/>
-              </a:rPr>
-              <a:t>      (2) </a:t>
-            </a:r>
-            <a:r>
-              <a:rPr lang="zh-CN" altLang="en-US" sz="1600" dirty="0" smtClean="0">
-                <a:solidFill>
-                  <a:prstClr val="white"/>
-                </a:solidFill>
-                <a:latin typeface="微软雅黑" panose="020B0503020204020204" pitchFamily="34" charset="-122"/>
-                <a:ea typeface="微软雅黑" panose="020B0503020204020204" pitchFamily="34" charset="-122"/>
-              </a:rPr>
-              <a:t>检测用户按键</a:t>
-            </a:r>
-            <a:endParaRPr lang="en-US" altLang="zh-CN" sz="1600" dirty="0" smtClean="0">
-              <a:solidFill>
-                <a:prstClr val="white"/>
-              </a:solidFill>
+            <a:endParaRPr lang="en-US" altLang="zh-CN" sz="2400" dirty="0">
               <a:latin typeface="微软雅黑" panose="020B0503020204020204" pitchFamily="34" charset="-122"/>
               <a:ea typeface="微软雅黑" panose="020B0503020204020204" pitchFamily="34" charset="-122"/>
             </a:endParaRPr>
           </a:p>
           <a:p>
-            <a:r>
-              <a:rPr lang="en-US" altLang="zh-CN" sz="1600" dirty="0" smtClean="0">
-                <a:solidFill>
-                  <a:prstClr val="white"/>
-                </a:solidFill>
-                <a:latin typeface="微软雅黑" panose="020B0503020204020204" pitchFamily="34" charset="-122"/>
-                <a:ea typeface="微软雅黑" panose="020B0503020204020204" pitchFamily="34" charset="-122"/>
-              </a:rPr>
-              <a:t>	</a:t>
-            </a:r>
-            <a:r>
-              <a:rPr lang="en-US" altLang="zh-CN" sz="1600" dirty="0">
-                <a:solidFill>
-                  <a:srgbClr val="C586C0"/>
-                </a:solidFill>
-                <a:latin typeface="Consolas" panose="020B0609020204030204" pitchFamily="49" charset="0"/>
-              </a:rPr>
-              <a:t>import</a:t>
-            </a:r>
-            <a:r>
-              <a:rPr lang="en-US" altLang="zh-CN" sz="1600" dirty="0">
-                <a:solidFill>
-                  <a:srgbClr val="D4D4D4"/>
-                </a:solidFill>
-                <a:latin typeface="Consolas" panose="020B0609020204030204" pitchFamily="49" charset="0"/>
-              </a:rPr>
-              <a:t> keyboard</a:t>
-            </a:r>
-          </a:p>
-          <a:p>
-            <a:r>
-              <a:rPr lang="en-US" altLang="zh-CN" sz="1600" dirty="0" smtClean="0">
-                <a:solidFill>
-                  <a:srgbClr val="C586C0"/>
-                </a:solidFill>
-                <a:latin typeface="Consolas" panose="020B0609020204030204" pitchFamily="49" charset="0"/>
-              </a:rPr>
-              <a:t>	if</a:t>
-            </a:r>
-            <a:r>
-              <a:rPr lang="en-US" altLang="zh-CN" sz="1600" dirty="0">
-                <a:solidFill>
-                  <a:srgbClr val="D4D4D4"/>
-                </a:solidFill>
-                <a:latin typeface="Consolas" panose="020B0609020204030204" pitchFamily="49" charset="0"/>
-              </a:rPr>
-              <a:t> </a:t>
-            </a:r>
-            <a:r>
-              <a:rPr lang="en-US" altLang="zh-CN" sz="1600" dirty="0" err="1">
-                <a:solidFill>
-                  <a:srgbClr val="D4D4D4"/>
-                </a:solidFill>
-                <a:latin typeface="Consolas" panose="020B0609020204030204" pitchFamily="49" charset="0"/>
-              </a:rPr>
-              <a:t>keyboard.is_pressed</a:t>
-            </a:r>
-            <a:r>
-              <a:rPr lang="en-US" altLang="zh-CN" sz="1600" dirty="0">
-                <a:solidFill>
-                  <a:srgbClr val="D4D4D4"/>
-                </a:solidFill>
-                <a:latin typeface="Consolas" panose="020B0609020204030204" pitchFamily="49" charset="0"/>
-              </a:rPr>
-              <a:t>(</a:t>
-            </a:r>
-            <a:r>
-              <a:rPr lang="en-US" altLang="zh-CN" sz="1600" dirty="0">
-                <a:solidFill>
-                  <a:srgbClr val="CE9178"/>
-                </a:solidFill>
-                <a:latin typeface="Consolas" panose="020B0609020204030204" pitchFamily="49" charset="0"/>
-              </a:rPr>
-              <a:t>'2</a:t>
-            </a:r>
-            <a:r>
-              <a:rPr lang="en-US" altLang="zh-CN" sz="1600" dirty="0" smtClean="0">
-                <a:solidFill>
-                  <a:srgbClr val="CE9178"/>
-                </a:solidFill>
-                <a:latin typeface="Consolas" panose="020B0609020204030204" pitchFamily="49" charset="0"/>
-              </a:rPr>
-              <a:t>'</a:t>
-            </a:r>
-            <a:r>
-              <a:rPr lang="en-US" altLang="zh-CN" sz="1600" dirty="0" smtClean="0">
-                <a:solidFill>
-                  <a:srgbClr val="D4D4D4"/>
-                </a:solidFill>
-                <a:latin typeface="Consolas" panose="020B0609020204030204" pitchFamily="49" charset="0"/>
-              </a:rPr>
-              <a:t>):</a:t>
-            </a:r>
-          </a:p>
-          <a:p>
-            <a:r>
-              <a:rPr lang="en-US" altLang="zh-CN" sz="1600" dirty="0" smtClean="0">
-                <a:solidFill>
-                  <a:srgbClr val="D4D4D4"/>
-                </a:solidFill>
-                <a:latin typeface="Consolas" panose="020B0609020204030204" pitchFamily="49" charset="0"/>
-              </a:rPr>
-              <a:t>	</a:t>
-            </a:r>
-            <a:r>
-              <a:rPr lang="zh-CN" altLang="en-US" sz="1600" dirty="0" smtClean="0">
-                <a:solidFill>
-                  <a:srgbClr val="D4D4D4"/>
-                </a:solidFill>
-                <a:latin typeface="Consolas" panose="020B0609020204030204" pitchFamily="49" charset="0"/>
-              </a:rPr>
-              <a:t>如果没安装库，会有提示</a:t>
-            </a:r>
-            <a:endParaRPr lang="en-US" altLang="zh-CN" sz="1600" dirty="0">
-              <a:solidFill>
-                <a:srgbClr val="D4D4D4"/>
-              </a:solidFill>
-              <a:latin typeface="Consolas" panose="020B0609020204030204" pitchFamily="49" charset="0"/>
-            </a:endParaRPr>
-          </a:p>
-          <a:p>
-            <a:r>
-              <a:rPr lang="en-US" altLang="zh-CN" sz="1600" dirty="0" smtClean="0">
-                <a:solidFill>
-                  <a:prstClr val="white"/>
-                </a:solidFill>
-                <a:latin typeface="微软雅黑" panose="020B0503020204020204" pitchFamily="34" charset="-122"/>
-                <a:ea typeface="微软雅黑" panose="020B0503020204020204" pitchFamily="34" charset="-122"/>
-              </a:rPr>
-              <a:t>	</a:t>
-            </a:r>
-            <a:r>
-              <a:rPr lang="en-US" altLang="zh-CN" sz="1600" dirty="0" err="1" smtClean="0">
-                <a:solidFill>
-                  <a:prstClr val="white"/>
-                </a:solidFill>
-                <a:latin typeface="微软雅黑" panose="020B0503020204020204" pitchFamily="34" charset="-122"/>
-                <a:ea typeface="微软雅黑" panose="020B0503020204020204" pitchFamily="34" charset="-122"/>
-              </a:rPr>
-              <a:t>ModuleNotFoundError</a:t>
-            </a:r>
-            <a:r>
-              <a:rPr lang="en-US" altLang="zh-CN" sz="1600" dirty="0" smtClean="0">
-                <a:solidFill>
-                  <a:prstClr val="white"/>
-                </a:solidFill>
-                <a:latin typeface="微软雅黑" panose="020B0503020204020204" pitchFamily="34" charset="-122"/>
-                <a:ea typeface="微软雅黑" panose="020B0503020204020204" pitchFamily="34" charset="-122"/>
-              </a:rPr>
-              <a:t>: No module </a:t>
-            </a:r>
-            <a:r>
-              <a:rPr lang="en-US" altLang="zh-CN" sz="1600" dirty="0">
-                <a:solidFill>
-                  <a:prstClr val="white"/>
-                </a:solidFill>
-                <a:latin typeface="微软雅黑" panose="020B0503020204020204" pitchFamily="34" charset="-122"/>
-                <a:ea typeface="微软雅黑" panose="020B0503020204020204" pitchFamily="34" charset="-122"/>
-              </a:rPr>
-              <a:t>named </a:t>
-            </a:r>
-            <a:r>
-              <a:rPr lang="en-US" altLang="zh-CN" sz="1600" dirty="0" smtClean="0">
-                <a:solidFill>
-                  <a:prstClr val="white"/>
-                </a:solidFill>
-                <a:latin typeface="微软雅黑" panose="020B0503020204020204" pitchFamily="34" charset="-122"/>
-                <a:ea typeface="微软雅黑" panose="020B0503020204020204" pitchFamily="34" charset="-122"/>
-              </a:rPr>
-              <a:t>'keyboard'</a:t>
-            </a:r>
-          </a:p>
-          <a:p>
-            <a:r>
-              <a:rPr lang="en-US" altLang="zh-CN" sz="1600" dirty="0">
-                <a:solidFill>
-                  <a:prstClr val="white"/>
-                </a:solidFill>
-                <a:latin typeface="微软雅黑" panose="020B0503020204020204" pitchFamily="34" charset="-122"/>
-                <a:ea typeface="微软雅黑" panose="020B0503020204020204" pitchFamily="34" charset="-122"/>
-              </a:rPr>
-              <a:t>	</a:t>
-            </a:r>
-            <a:r>
-              <a:rPr lang="zh-CN" altLang="en-US" sz="1600" dirty="0" smtClean="0">
-                <a:solidFill>
-                  <a:srgbClr val="D4D4D4"/>
-                </a:solidFill>
-                <a:latin typeface="Consolas" panose="020B0609020204030204" pitchFamily="49" charset="0"/>
-              </a:rPr>
-              <a:t>则需要安装这个库</a:t>
-            </a:r>
-            <a:endParaRPr lang="en-US" altLang="zh-CN" sz="1600" dirty="0" smtClean="0">
-              <a:solidFill>
-                <a:srgbClr val="D4D4D4"/>
-              </a:solidFill>
-              <a:latin typeface="Consolas" panose="020B0609020204030204" pitchFamily="49" charset="0"/>
-            </a:endParaRPr>
-          </a:p>
-          <a:p>
-            <a:r>
-              <a:rPr lang="en-US" altLang="zh-CN" sz="1600" dirty="0" smtClean="0">
-                <a:solidFill>
-                  <a:prstClr val="white"/>
-                </a:solidFill>
-                <a:latin typeface="微软雅黑" panose="020B0503020204020204" pitchFamily="34" charset="-122"/>
-                <a:ea typeface="微软雅黑" panose="020B0503020204020204" pitchFamily="34" charset="-122"/>
-              </a:rPr>
-              <a:t>	pip install keyboard</a:t>
-            </a:r>
-            <a:endParaRPr lang="zh-CN" altLang="en-US" sz="1600" dirty="0">
+            <a:pPr lvl="0"/>
+            <a:endParaRPr lang="en-US" altLang="zh-CN" dirty="0">
               <a:solidFill>
                 <a:prstClr val="white"/>
               </a:solidFill>
@@ -7081,56 +6431,36 @@
           </a:p>
         </p:txBody>
       </p:sp>
-      <p:sp>
-        <p:nvSpPr>
-          <p:cNvPr id="3" name="文本框 2"/>
-          <p:cNvSpPr txBox="1"/>
+      <p:pic>
+        <p:nvPicPr>
+          <p:cNvPr id="4" name="图片 3"/>
+          <p:cNvPicPr>
+            <a:picLocks noChangeAspect="1"/>
+          </p:cNvPicPr>
           <p:nvPr/>
-        </p:nvSpPr>
+        </p:nvPicPr>
+        <p:blipFill>
+          <a:blip r:embed="rId3">
+            <a:extLst>
+              <a:ext uri="{28A0092B-C50C-407E-A947-70E740481C1C}">
+                <a14:useLocalDpi xmlns:a14="http://schemas.microsoft.com/office/drawing/2010/main" val="0"/>
+              </a:ext>
+            </a:extLst>
+          </a:blip>
+          <a:stretch>
+            <a:fillRect/>
+          </a:stretch>
+        </p:blipFill>
         <p:spPr>
           <a:xfrm>
-            <a:off x="0" y="6604084"/>
-            <a:ext cx="6128601" cy="253916"/>
+            <a:off x="4625856" y="4240114"/>
+            <a:ext cx="2613144" cy="2158045"/>
           </a:xfrm>
           <a:prstGeom prst="rect">
             <a:avLst/>
           </a:prstGeom>
-          <a:noFill/>
         </p:spPr>
-        <p:txBody>
-          <a:bodyPr wrap="none" rtlCol="0">
-            <a:spAutoFit/>
-          </a:bodyPr>
-          <a:lstStyle/>
-          <a:p>
-            <a:r>
-              <a:rPr lang="en-US" altLang="zh-CN" sz="1050" dirty="0" smtClean="0"/>
-              <a:t>[1]</a:t>
-            </a:r>
-            <a:r>
-              <a:rPr lang="zh-CN" altLang="en-US" sz="1050" b="1" dirty="0"/>
-              <a:t>嵌入式机器人开发中的有限状态机（</a:t>
-            </a:r>
-            <a:r>
-              <a:rPr lang="en-US" altLang="zh-CN" sz="1050" b="1" dirty="0"/>
-              <a:t>FSM</a:t>
-            </a:r>
-            <a:r>
-              <a:rPr lang="zh-CN" altLang="en-US" sz="1050" b="1" dirty="0" smtClean="0"/>
-              <a:t>）</a:t>
-            </a:r>
-            <a:r>
-              <a:rPr lang="en-US" altLang="zh-CN" sz="1050" b="1" dirty="0"/>
-              <a:t>https://blog.csdn.net/yuleitao/article/details/105887280</a:t>
-            </a:r>
-            <a:r>
-              <a:rPr lang="zh-CN" altLang="en-US" sz="1050" b="1" dirty="0" smtClean="0"/>
-              <a:t> </a:t>
-            </a:r>
-            <a:endParaRPr lang="zh-CN" altLang="en-US" sz="1050" dirty="0"/>
-          </a:p>
-        </p:txBody>
-      </p:sp>
+      </p:pic>
     </p:spTree>
     <p:extLst>
       <p:ext uri="{BB962C8B-B14F-4D97-AF65-F5344CB8AC3E}">
@@ -7924,6 +7254,52 @@
           </a:prstGeom>
         </p:spPr>
       </p:pic>
+      <p:sp>
+        <p:nvSpPr>
+          <p:cNvPr id="4" name="文本框 3"/>
+          <p:cNvSpPr txBox="1"/>
+          <p:nvPr/>
+        </p:nvSpPr>
+        <p:spPr>
+          <a:xfrm>
+            <a:off x="838200" y="4557983"/>
+            <a:ext cx="2654300" cy="1754326"/>
+          </a:xfrm>
+          <a:prstGeom prst="rect">
+            <a:avLst/>
+          </a:prstGeom>
+          <a:noFill/>
+        </p:spPr>
+        <p:txBody>
+          <a:bodyPr wrap="square" rtlCol="0">
+            <a:spAutoFit/>
+          </a:bodyPr>
+          <a:lstStyle/>
+          <a:p>
+            <a:r>
+              <a:rPr lang="zh-CN" altLang="en-US" dirty="0" smtClean="0">
+                <a:solidFill>
+                  <a:schemeClr val="bg1"/>
+                </a:solidFill>
+              </a:rPr>
+              <a:t>范例与练习：</a:t>
+            </a:r>
+            <a:r>
+              <a:rPr lang="en-US" altLang="zh-CN" dirty="0">
+                <a:solidFill>
+                  <a:schemeClr val="bg1"/>
+                </a:solidFill>
+              </a:rPr>
+              <a:t>https://github.com/oy-tj/RMEPCourseDemo/blob/master/02%20python%E5%9F%BA%E7%A1%80/Demo/ScoreBook.ipynb</a:t>
+            </a:r>
+            <a:endParaRPr lang="zh-CN" altLang="en-US" dirty="0">
+              <a:solidFill>
+                <a:schemeClr val="bg1"/>
+              </a:solidFill>
+            </a:endParaRPr>
+          </a:p>
+        </p:txBody>
+      </p:sp>
     </p:spTree>
     <p:extLst>
       <p:ext uri="{BB962C8B-B14F-4D97-AF65-F5344CB8AC3E}">
@@ -8572,11 +7948,6 @@
               </a:rPr>
               <a:t>4+3j</a:t>
             </a:r>
-            <a:endParaRPr lang="en-US" altLang="zh-CN" dirty="0" smtClean="0">
-              <a:solidFill>
-                <a:srgbClr val="FFFF00"/>
-              </a:solidFill>
-            </a:endParaRPr>
           </a:p>
           <a:p>
             <a:pPr marL="228600" lvl="1">
@@ -10826,7 +10197,7 @@
         </p:blipFill>
         <p:spPr>
           <a:xfrm>
-            <a:off x="1186490" y="3035117"/>
+            <a:off x="1186490" y="2679517"/>
             <a:ext cx="2609850" cy="2886075"/>
           </a:xfrm>
           <a:prstGeom prst="rect">
@@ -10849,7 +10220,7 @@
         </p:blipFill>
         <p:spPr>
           <a:xfrm>
-            <a:off x="3891188" y="3035117"/>
+            <a:off x="3891188" y="2679517"/>
             <a:ext cx="2619375" cy="2874796"/>
           </a:xfrm>
           <a:prstGeom prst="rect">
@@ -11080,6 +10451,52 @@
           </a:prstGeom>
         </p:spPr>
       </p:pic>
+      <p:sp>
+        <p:nvSpPr>
+          <p:cNvPr id="9" name="文本框 8"/>
+          <p:cNvSpPr txBox="1"/>
+          <p:nvPr/>
+        </p:nvSpPr>
+        <p:spPr>
+          <a:xfrm>
+            <a:off x="958833" y="5680754"/>
+            <a:ext cx="5469860" cy="923330"/>
+          </a:xfrm>
+          <a:prstGeom prst="rect">
+            <a:avLst/>
+          </a:prstGeom>
+          <a:noFill/>
+        </p:spPr>
+        <p:txBody>
+          <a:bodyPr wrap="square" rtlCol="0">
+            <a:spAutoFit/>
+          </a:bodyPr>
+          <a:lstStyle/>
+          <a:p>
+            <a:r>
+              <a:rPr lang="zh-CN" altLang="en-US" dirty="0" smtClean="0">
+                <a:solidFill>
+                  <a:schemeClr val="bg1"/>
+                </a:solidFill>
+              </a:rPr>
+              <a:t>范例与练习：</a:t>
+            </a:r>
+            <a:r>
+              <a:rPr lang="en-US" altLang="zh-CN" dirty="0">
+                <a:solidFill>
+                  <a:schemeClr val="bg1"/>
+                </a:solidFill>
+              </a:rPr>
+              <a:t>https://github.com/oy-tj/RMEPCourseDemo/blob/master/02%20python%E5%9F%BA%E7%A1%80/Demo/ScoreBook.ipynb</a:t>
+            </a:r>
+            <a:endParaRPr lang="zh-CN" altLang="en-US" dirty="0">
+              <a:solidFill>
+                <a:schemeClr val="bg1"/>
+              </a:solidFill>
+            </a:endParaRPr>
+          </a:p>
+        </p:txBody>
+      </p:sp>
     </p:spTree>
     <p:extLst>
       <p:ext uri="{BB962C8B-B14F-4D97-AF65-F5344CB8AC3E}">

--- a/02 python基础/02-2 Python基础.pptx
+++ b/02 python基础/02-2 Python基础.pptx
@@ -210,7 +210,7 @@
           <a:p>
             <a:fld id="{3A33E72D-B369-482C-8E75-C72865680BD7}" type="datetimeFigureOut">
               <a:rPr lang="zh-CN" altLang="en-US" smtClean="0"/>
-              <a:t>2021/9/22</a:t>
+              <a:t>2021/9/23</a:t>
             </a:fld>
             <a:endParaRPr lang="zh-CN" altLang="en-US"/>
           </a:p>
@@ -690,7 +690,7 @@
           <a:p>
             <a:fld id="{C39C68C5-D724-4B50-A561-B354F4A5D368}" type="datetimeFigureOut">
               <a:rPr lang="zh-CN" altLang="en-US" smtClean="0"/>
-              <a:t>2021/9/22</a:t>
+              <a:t>2021/9/23</a:t>
             </a:fld>
             <a:endParaRPr lang="zh-CN" altLang="en-US"/>
           </a:p>
@@ -858,7 +858,7 @@
           <a:p>
             <a:fld id="{C39C68C5-D724-4B50-A561-B354F4A5D368}" type="datetimeFigureOut">
               <a:rPr lang="zh-CN" altLang="en-US" smtClean="0"/>
-              <a:t>2021/9/22</a:t>
+              <a:t>2021/9/23</a:t>
             </a:fld>
             <a:endParaRPr lang="zh-CN" altLang="en-US"/>
           </a:p>
@@ -1036,7 +1036,7 @@
           <a:p>
             <a:fld id="{C39C68C5-D724-4B50-A561-B354F4A5D368}" type="datetimeFigureOut">
               <a:rPr lang="zh-CN" altLang="en-US" smtClean="0"/>
-              <a:t>2021/9/22</a:t>
+              <a:t>2021/9/23</a:t>
             </a:fld>
             <a:endParaRPr lang="zh-CN" altLang="en-US"/>
           </a:p>
@@ -1204,7 +1204,7 @@
           <a:p>
             <a:fld id="{C39C68C5-D724-4B50-A561-B354F4A5D368}" type="datetimeFigureOut">
               <a:rPr lang="zh-CN" altLang="en-US" smtClean="0"/>
-              <a:t>2021/9/22</a:t>
+              <a:t>2021/9/23</a:t>
             </a:fld>
             <a:endParaRPr lang="zh-CN" altLang="en-US"/>
           </a:p>
@@ -1449,7 +1449,7 @@
           <a:p>
             <a:fld id="{C39C68C5-D724-4B50-A561-B354F4A5D368}" type="datetimeFigureOut">
               <a:rPr lang="zh-CN" altLang="en-US" smtClean="0"/>
-              <a:t>2021/9/22</a:t>
+              <a:t>2021/9/23</a:t>
             </a:fld>
             <a:endParaRPr lang="zh-CN" altLang="en-US"/>
           </a:p>
@@ -1678,7 +1678,7 @@
           <a:p>
             <a:fld id="{C39C68C5-D724-4B50-A561-B354F4A5D368}" type="datetimeFigureOut">
               <a:rPr lang="zh-CN" altLang="en-US" smtClean="0"/>
-              <a:t>2021/9/22</a:t>
+              <a:t>2021/9/23</a:t>
             </a:fld>
             <a:endParaRPr lang="zh-CN" altLang="en-US"/>
           </a:p>
@@ -2042,7 +2042,7 @@
           <a:p>
             <a:fld id="{C39C68C5-D724-4B50-A561-B354F4A5D368}" type="datetimeFigureOut">
               <a:rPr lang="zh-CN" altLang="en-US" smtClean="0"/>
-              <a:t>2021/9/22</a:t>
+              <a:t>2021/9/23</a:t>
             </a:fld>
             <a:endParaRPr lang="zh-CN" altLang="en-US"/>
           </a:p>
@@ -2159,7 +2159,7 @@
           <a:p>
             <a:fld id="{C39C68C5-D724-4B50-A561-B354F4A5D368}" type="datetimeFigureOut">
               <a:rPr lang="zh-CN" altLang="en-US" smtClean="0"/>
-              <a:t>2021/9/22</a:t>
+              <a:t>2021/9/23</a:t>
             </a:fld>
             <a:endParaRPr lang="zh-CN" altLang="en-US"/>
           </a:p>
@@ -2254,7 +2254,7 @@
           <a:p>
             <a:fld id="{C39C68C5-D724-4B50-A561-B354F4A5D368}" type="datetimeFigureOut">
               <a:rPr lang="zh-CN" altLang="en-US" smtClean="0"/>
-              <a:t>2021/9/22</a:t>
+              <a:t>2021/9/23</a:t>
             </a:fld>
             <a:endParaRPr lang="zh-CN" altLang="en-US"/>
           </a:p>
@@ -2529,7 +2529,7 @@
           <a:p>
             <a:fld id="{C39C68C5-D724-4B50-A561-B354F4A5D368}" type="datetimeFigureOut">
               <a:rPr lang="zh-CN" altLang="en-US" smtClean="0"/>
-              <a:t>2021/9/22</a:t>
+              <a:t>2021/9/23</a:t>
             </a:fld>
             <a:endParaRPr lang="zh-CN" altLang="en-US"/>
           </a:p>
@@ -2781,7 +2781,7 @@
           <a:p>
             <a:fld id="{C39C68C5-D724-4B50-A561-B354F4A5D368}" type="datetimeFigureOut">
               <a:rPr lang="zh-CN" altLang="en-US" smtClean="0"/>
-              <a:t>2021/9/22</a:t>
+              <a:t>2021/9/23</a:t>
             </a:fld>
             <a:endParaRPr lang="zh-CN" altLang="en-US"/>
           </a:p>
@@ -3002,7 +3002,7 @@
           <a:p>
             <a:fld id="{C39C68C5-D724-4B50-A561-B354F4A5D368}" type="datetimeFigureOut">
               <a:rPr lang="zh-CN" altLang="en-US" smtClean="0"/>
-              <a:t>2021/9/22</a:t>
+              <a:t>2021/9/23</a:t>
             </a:fld>
             <a:endParaRPr lang="zh-CN" altLang="en-US"/>
           </a:p>
@@ -3438,7 +3438,7 @@
           <a:lstStyle/>
           <a:p>
             <a:r>
-              <a:rPr lang="en-US" altLang="zh-CN" dirty="0" smtClean="0">
+              <a:rPr lang="en-US" altLang="zh-CN" dirty="0">
                 <a:solidFill>
                   <a:schemeClr val="bg1"/>
                 </a:solidFill>
@@ -3446,18 +3446,13 @@
               <a:t>Python</a:t>
             </a:r>
             <a:r>
-              <a:rPr lang="zh-CN" altLang="en-US" dirty="0" smtClean="0">
+              <a:rPr lang="zh-CN" altLang="en-US" dirty="0">
                 <a:solidFill>
                   <a:schemeClr val="bg1"/>
                 </a:solidFill>
               </a:rPr>
               <a:t>基础</a:t>
             </a:r>
-            <a:endParaRPr lang="zh-CN" altLang="en-US" dirty="0">
-              <a:solidFill>
-                <a:schemeClr val="bg1"/>
-              </a:solidFill>
-            </a:endParaRPr>
           </a:p>
         </p:txBody>
       </p:sp>
@@ -3514,7 +3509,7 @@
           <a:lstStyle/>
           <a:p>
             <a:r>
-              <a:rPr lang="zh-CN" altLang="en-US" sz="3200" b="1" dirty="0" smtClean="0">
+              <a:rPr lang="zh-CN" altLang="en-US" sz="3200" b="1" dirty="0">
                 <a:solidFill>
                   <a:srgbClr val="0070C0"/>
                 </a:solidFill>
@@ -3524,7 +3519,7 @@
               <a:t>循环</a:t>
             </a:r>
             <a:r>
-              <a:rPr lang="en-US" altLang="zh-CN" sz="3200" b="1" dirty="0" smtClean="0">
+              <a:rPr lang="en-US" altLang="zh-CN" sz="3200" b="1" dirty="0">
                 <a:solidFill>
                   <a:srgbClr val="0070C0"/>
                 </a:solidFill>
@@ -3565,7 +3560,7 @@
           <a:lstStyle/>
           <a:p>
             <a:r>
-              <a:rPr lang="en-US" altLang="zh-CN" sz="2400" dirty="0" smtClean="0">
+              <a:rPr lang="en-US" altLang="zh-CN" sz="2400" dirty="0">
                 <a:solidFill>
                   <a:schemeClr val="bg1"/>
                 </a:solidFill>
@@ -3620,23 +3615,7 @@
                   <a:schemeClr val="bg1"/>
                 </a:solidFill>
               </a:rPr>
-              <a:t>，在</a:t>
-            </a:r>
-            <a:r>
-              <a:rPr lang="zh-CN" altLang="en-US" sz="2400" dirty="0" smtClean="0">
-                <a:solidFill>
-                  <a:schemeClr val="bg1"/>
-                </a:solidFill>
-              </a:rPr>
-              <a:t>循环执行完毕后，</a:t>
-            </a:r>
-            <a:r>
-              <a:rPr lang="zh-CN" altLang="en-US" sz="2400" dirty="0">
-                <a:solidFill>
-                  <a:schemeClr val="bg1"/>
-                </a:solidFill>
-              </a:rPr>
-              <a:t>会执行</a:t>
+              <a:t>，在循环执行完毕后，会执行</a:t>
             </a:r>
             <a:r>
               <a:rPr lang="en-US" altLang="zh-CN" sz="2400" dirty="0">
@@ -3654,7 +3633,7 @@
           </a:p>
           <a:p>
             <a:pPr lvl="1"/>
-            <a:endParaRPr lang="en-US" altLang="zh-CN" dirty="0" smtClean="0">
+            <a:endParaRPr lang="en-US" altLang="zh-CN" dirty="0">
               <a:solidFill>
                 <a:schemeClr val="bg1"/>
               </a:solidFill>
@@ -3662,7 +3641,7 @@
           </a:p>
           <a:p>
             <a:pPr lvl="1"/>
-            <a:endParaRPr lang="en-US" altLang="zh-CN" dirty="0" smtClean="0">
+            <a:endParaRPr lang="en-US" altLang="zh-CN" dirty="0">
               <a:solidFill>
                 <a:schemeClr val="bg1"/>
               </a:solidFill>
@@ -3779,20 +3758,28 @@
           <a:lstStyle/>
           <a:p>
             <a:r>
-              <a:rPr lang="zh-CN" altLang="en-US" dirty="0" smtClean="0">
-                <a:solidFill>
-                  <a:schemeClr val="bg1"/>
-                </a:solidFill>
-              </a:rPr>
-              <a:t>范例与练习：</a:t>
-            </a:r>
-            <a:r>
-              <a:rPr lang="en-US" altLang="zh-CN" dirty="0">
-                <a:solidFill>
-                  <a:schemeClr val="bg1"/>
-                </a:solidFill>
-              </a:rPr>
-              <a:t>https://github.com/oy-tj/RMEPCourseDemo/blob/master/02%20python%E5%9F%BA%E7%A1%80/Demo/ScoreBook.ipynb</a:t>
+              <a:rPr lang="zh-CN" altLang="en-US" dirty="0">
+                <a:solidFill>
+                  <a:schemeClr val="bg1"/>
+                </a:solidFill>
+              </a:rPr>
+              <a:t>范例与</a:t>
+            </a:r>
+            <a:r>
+              <a:rPr lang="zh-CN" altLang="en-US">
+                <a:solidFill>
+                  <a:schemeClr val="bg1"/>
+                </a:solidFill>
+              </a:rPr>
+              <a:t>练习：</a:t>
+            </a:r>
+            <a:r>
+              <a:rPr lang="en-US" altLang="zh-CN">
+                <a:solidFill>
+                  <a:schemeClr val="bg1"/>
+                </a:solidFill>
+              </a:rPr>
+              <a:t>https://gitee.com/oy_tj/RMEPCourseDemo/blob/master/02%20python%E5%9F%BA%E7%A1%80/Demo/ScoreBook.ipynb</a:t>
             </a:r>
             <a:endParaRPr lang="zh-CN" altLang="en-US" dirty="0">
               <a:solidFill>
@@ -3855,7 +3842,7 @@
           <a:lstStyle/>
           <a:p>
             <a:r>
-              <a:rPr lang="zh-CN" altLang="en-US" sz="3200" b="1" dirty="0" smtClean="0">
+              <a:rPr lang="zh-CN" altLang="en-US" sz="3200" b="1" dirty="0">
                 <a:solidFill>
                   <a:srgbClr val="0070C0"/>
                 </a:solidFill>
@@ -3865,7 +3852,7 @@
               <a:t>循环</a:t>
             </a:r>
             <a:r>
-              <a:rPr lang="en-US" altLang="zh-CN" sz="3200" b="1" dirty="0" smtClean="0">
+              <a:rPr lang="en-US" altLang="zh-CN" sz="3200" b="1" dirty="0">
                 <a:solidFill>
                   <a:srgbClr val="0070C0"/>
                 </a:solidFill>
@@ -3905,15 +3892,15 @@
           </a:bodyPr>
           <a:lstStyle/>
           <a:p>
-            <a:endParaRPr lang="en-US" altLang="zh-CN" sz="1200" dirty="0" smtClean="0">
-              <a:solidFill>
-                <a:schemeClr val="bg1"/>
-              </a:solidFill>
-            </a:endParaRPr>
-          </a:p>
-          <a:p>
-            <a:r>
-              <a:rPr lang="en-US" altLang="zh-CN" sz="2400" dirty="0" smtClean="0">
+            <a:endParaRPr lang="en-US" altLang="zh-CN" sz="1200" dirty="0">
+              <a:solidFill>
+                <a:schemeClr val="bg1"/>
+              </a:solidFill>
+            </a:endParaRPr>
+          </a:p>
+          <a:p>
+            <a:r>
+              <a:rPr lang="en-US" altLang="zh-CN" sz="2400" dirty="0">
                 <a:solidFill>
                   <a:schemeClr val="bg1"/>
                 </a:solidFill>
@@ -3921,7 +3908,7 @@
               <a:t>break </a:t>
             </a:r>
             <a:r>
-              <a:rPr lang="zh-CN" altLang="en-US" sz="2400" dirty="0" smtClean="0">
+              <a:rPr lang="zh-CN" altLang="en-US" sz="2400" dirty="0">
                 <a:solidFill>
                   <a:schemeClr val="bg1"/>
                 </a:solidFill>
@@ -3929,7 +3916,7 @@
               <a:t>和 </a:t>
             </a:r>
             <a:r>
-              <a:rPr lang="en-US" altLang="zh-CN" sz="2400" dirty="0" err="1" smtClean="0">
+              <a:rPr lang="en-US" altLang="zh-CN" sz="2400" dirty="0" err="1">
                 <a:solidFill>
                   <a:schemeClr val="bg1"/>
                 </a:solidFill>
@@ -3937,7 +3924,7 @@
               <a:t>coutinue</a:t>
             </a:r>
             <a:r>
-              <a:rPr lang="zh-CN" altLang="en-US" sz="2400" dirty="0" smtClean="0">
+              <a:rPr lang="zh-CN" altLang="en-US" sz="2400" dirty="0">
                 <a:solidFill>
                   <a:schemeClr val="bg1"/>
                 </a:solidFill>
@@ -3952,18 +3939,10 @@
                   <a:schemeClr val="bg1"/>
                 </a:solidFill>
               </a:rPr>
-              <a:t>while </a:t>
-            </a:r>
-            <a:r>
-              <a:rPr lang="en-US" altLang="zh-CN" sz="2400" dirty="0" smtClean="0">
-                <a:solidFill>
-                  <a:schemeClr val="bg1"/>
-                </a:solidFill>
-              </a:rPr>
-              <a:t>True: </a:t>
-            </a:r>
-            <a:r>
-              <a:rPr lang="zh-CN" altLang="en-US" sz="2400" dirty="0" smtClean="0">
+              <a:t>while True: </a:t>
+            </a:r>
+            <a:r>
+              <a:rPr lang="zh-CN" altLang="en-US" sz="2400" dirty="0">
                 <a:solidFill>
                   <a:schemeClr val="bg1"/>
                 </a:solidFill>
@@ -3978,7 +3957,7 @@
           </a:p>
           <a:p>
             <a:pPr lvl="1"/>
-            <a:endParaRPr lang="en-US" altLang="zh-CN" dirty="0" smtClean="0">
+            <a:endParaRPr lang="en-US" altLang="zh-CN" dirty="0">
               <a:solidFill>
                 <a:schemeClr val="bg1"/>
               </a:solidFill>
@@ -3986,7 +3965,7 @@
           </a:p>
           <a:p>
             <a:pPr lvl="1"/>
-            <a:endParaRPr lang="en-US" altLang="zh-CN" dirty="0" smtClean="0">
+            <a:endParaRPr lang="en-US" altLang="zh-CN" dirty="0">
               <a:solidFill>
                 <a:schemeClr val="bg1"/>
               </a:solidFill>
@@ -4070,18 +4049,13 @@
           <a:p>
             <a:pPr algn="r"/>
             <a:r>
-              <a:rPr lang="zh-CN" altLang="en-US" sz="1200" dirty="0" smtClean="0">
+              <a:rPr lang="zh-CN" altLang="en-US" sz="1200" dirty="0">
                 <a:solidFill>
                   <a:srgbClr val="FF0000"/>
                 </a:solidFill>
               </a:rPr>
               <a:t>引用</a:t>
             </a:r>
-            <a:endParaRPr lang="zh-CN" altLang="en-US" sz="1200" dirty="0">
-              <a:solidFill>
-                <a:srgbClr val="FF0000"/>
-              </a:solidFill>
-            </a:endParaRPr>
           </a:p>
         </p:txBody>
       </p:sp>
@@ -4138,7 +4112,7 @@
           <a:lstStyle/>
           <a:p>
             <a:r>
-              <a:rPr lang="zh-CN" altLang="en-US" sz="3200" b="1" dirty="0" smtClean="0">
+              <a:rPr lang="zh-CN" altLang="en-US" sz="3200" b="1" dirty="0">
                 <a:solidFill>
                   <a:srgbClr val="0070C0"/>
                 </a:solidFill>
@@ -4179,14 +4153,14 @@
           <a:lstStyle/>
           <a:p>
             <a:r>
-              <a:rPr lang="zh-CN" altLang="en-US" sz="2400" dirty="0" smtClean="0">
+              <a:rPr lang="zh-CN" altLang="en-US" sz="2400" dirty="0">
                 <a:solidFill>
                   <a:schemeClr val="bg1"/>
                 </a:solidFill>
               </a:rPr>
               <a:t>定义</a:t>
             </a:r>
-            <a:endParaRPr lang="en-US" altLang="zh-CN" sz="2400" dirty="0" smtClean="0">
+            <a:endParaRPr lang="en-US" altLang="zh-CN" sz="2400" dirty="0">
               <a:solidFill>
                 <a:schemeClr val="bg1"/>
               </a:solidFill>
@@ -4200,29 +4174,29 @@
             </a:endParaRPr>
           </a:p>
           <a:p>
-            <a:endParaRPr lang="en-US" altLang="zh-CN" sz="1200" dirty="0" smtClean="0">
-              <a:solidFill>
-                <a:schemeClr val="bg1"/>
-              </a:solidFill>
-            </a:endParaRPr>
-          </a:p>
-          <a:p>
-            <a:endParaRPr lang="en-US" altLang="zh-CN" sz="2400" dirty="0" smtClean="0">
-              <a:solidFill>
-                <a:schemeClr val="bg1"/>
-              </a:solidFill>
-            </a:endParaRPr>
-          </a:p>
-          <a:p>
-            <a:r>
-              <a:rPr lang="zh-CN" altLang="en-US" sz="2400" dirty="0" smtClean="0">
+            <a:endParaRPr lang="en-US" altLang="zh-CN" sz="1200" dirty="0">
+              <a:solidFill>
+                <a:schemeClr val="bg1"/>
+              </a:solidFill>
+            </a:endParaRPr>
+          </a:p>
+          <a:p>
+            <a:endParaRPr lang="en-US" altLang="zh-CN" sz="2400" dirty="0">
+              <a:solidFill>
+                <a:schemeClr val="bg1"/>
+              </a:solidFill>
+            </a:endParaRPr>
+          </a:p>
+          <a:p>
+            <a:r>
+              <a:rPr lang="zh-CN" altLang="en-US" sz="2400" dirty="0">
                 <a:solidFill>
                   <a:schemeClr val="bg1"/>
                 </a:solidFill>
               </a:rPr>
               <a:t>调用</a:t>
             </a:r>
-            <a:endParaRPr lang="en-US" altLang="zh-CN" sz="2400" dirty="0" smtClean="0">
+            <a:endParaRPr lang="en-US" altLang="zh-CN" sz="2400" dirty="0">
               <a:solidFill>
                 <a:schemeClr val="bg1"/>
               </a:solidFill>
@@ -4236,17 +4210,9 @@
                   <a:schemeClr val="bg1"/>
                 </a:solidFill>
               </a:rPr>
-              <a:t>参数按照定义的位置依次填写称作</a:t>
-            </a:r>
-            <a:r>
-              <a:rPr lang="zh-CN" altLang="en-US" dirty="0" smtClean="0">
-                <a:solidFill>
-                  <a:schemeClr val="bg1"/>
-                </a:solidFill>
-              </a:rPr>
-              <a:t>位置参数</a:t>
-            </a:r>
-            <a:endParaRPr lang="en-US" altLang="zh-CN" dirty="0" smtClean="0">
+              <a:t>参数按照定义的位置依次填写称作位置参数</a:t>
+            </a:r>
+            <a:endParaRPr lang="en-US" altLang="zh-CN" dirty="0">
               <a:solidFill>
                 <a:schemeClr val="bg1"/>
               </a:solidFill>
@@ -4262,7 +4228,7 @@
           </a:p>
           <a:p>
             <a:pPr lvl="1"/>
-            <a:endParaRPr lang="en-US" altLang="zh-CN" dirty="0" smtClean="0">
+            <a:endParaRPr lang="en-US" altLang="zh-CN" dirty="0">
               <a:solidFill>
                 <a:schemeClr val="bg1"/>
               </a:solidFill>
@@ -4276,17 +4242,9 @@
                   <a:schemeClr val="bg1"/>
                 </a:solidFill>
               </a:rPr>
-              <a:t>可以使用关键字参数调整参数的</a:t>
-            </a:r>
-            <a:r>
-              <a:rPr lang="zh-CN" altLang="en-US" dirty="0" smtClean="0">
-                <a:solidFill>
-                  <a:schemeClr val="bg1"/>
-                </a:solidFill>
-              </a:rPr>
-              <a:t>顺序</a:t>
-            </a:r>
-            <a:endParaRPr lang="en-US" altLang="zh-CN" dirty="0" smtClean="0">
+              <a:t>可以使用关键字参数调整参数的顺序</a:t>
+            </a:r>
+            <a:endParaRPr lang="en-US" altLang="zh-CN" dirty="0">
               <a:solidFill>
                 <a:schemeClr val="bg1"/>
               </a:solidFill>
@@ -4302,7 +4260,7 @@
           </a:p>
           <a:p>
             <a:pPr lvl="1"/>
-            <a:endParaRPr lang="en-US" altLang="zh-CN" dirty="0" smtClean="0">
+            <a:endParaRPr lang="en-US" altLang="zh-CN" dirty="0">
               <a:solidFill>
                 <a:schemeClr val="bg1"/>
               </a:solidFill>
@@ -4375,18 +4333,10 @@
                   <a:schemeClr val="bg1"/>
                 </a:solidFill>
               </a:rPr>
-              <a:t>后用</a:t>
-            </a:r>
-            <a:r>
-              <a:rPr lang="zh-CN" altLang="en-US" dirty="0" smtClean="0">
-                <a:solidFill>
-                  <a:schemeClr val="bg1"/>
-                </a:solidFill>
-              </a:rPr>
-              <a:t>‘</a:t>
-            </a:r>
-            <a:r>
-              <a:rPr lang="en-US" altLang="zh-CN" dirty="0" smtClean="0">
+              <a:t>后用‘</a:t>
+            </a:r>
+            <a:r>
+              <a:rPr lang="en-US" altLang="zh-CN" dirty="0">
                 <a:solidFill>
                   <a:schemeClr val="bg1"/>
                 </a:solidFill>
@@ -4394,20 +4344,12 @@
               <a:t>,</a:t>
             </a:r>
             <a:r>
-              <a:rPr lang="zh-CN" altLang="en-US" dirty="0" smtClean="0">
-                <a:solidFill>
-                  <a:schemeClr val="bg1"/>
-                </a:solidFill>
-              </a:rPr>
-              <a:t>’</a:t>
-            </a:r>
-            <a:r>
               <a:rPr lang="zh-CN" altLang="en-US" dirty="0">
                 <a:solidFill>
                   <a:schemeClr val="bg1"/>
                 </a:solidFill>
               </a:rPr>
-              <a:t>隔开</a:t>
+              <a:t>’隔开</a:t>
             </a:r>
             <a:endParaRPr lang="en-US" altLang="zh-CN" dirty="0">
               <a:solidFill>
@@ -4425,7 +4367,7 @@
           </a:p>
           <a:p>
             <a:pPr lvl="1"/>
-            <a:endParaRPr lang="en-US" altLang="zh-CN" dirty="0" smtClean="0">
+            <a:endParaRPr lang="en-US" altLang="zh-CN" dirty="0">
               <a:solidFill>
                 <a:schemeClr val="bg1"/>
               </a:solidFill>
@@ -4433,7 +4375,7 @@
           </a:p>
           <a:p>
             <a:pPr lvl="1"/>
-            <a:endParaRPr lang="en-US" altLang="zh-CN" dirty="0" smtClean="0">
+            <a:endParaRPr lang="en-US" altLang="zh-CN" dirty="0">
               <a:solidFill>
                 <a:schemeClr val="bg1"/>
               </a:solidFill>
@@ -4551,7 +4493,7 @@
           <a:lstStyle/>
           <a:p>
             <a:r>
-              <a:rPr lang="zh-CN" altLang="en-US" dirty="0" smtClean="0">
+              <a:rPr lang="zh-CN" altLang="en-US" dirty="0">
                 <a:solidFill>
                   <a:schemeClr val="bg1"/>
                 </a:solidFill>
@@ -4559,7 +4501,7 @@
               <a:t>更多的</a:t>
             </a:r>
             <a:r>
-              <a:rPr lang="en-US" altLang="zh-CN" dirty="0" smtClean="0">
+              <a:rPr lang="en-US" altLang="zh-CN" dirty="0">
                 <a:solidFill>
                   <a:schemeClr val="bg1"/>
                 </a:solidFill>
@@ -4567,35 +4509,27 @@
               <a:t>Python</a:t>
             </a:r>
             <a:r>
-              <a:rPr lang="zh-CN" altLang="en-US" dirty="0" smtClean="0">
+              <a:rPr lang="zh-CN" altLang="en-US" dirty="0">
                 <a:solidFill>
                   <a:schemeClr val="bg1"/>
                 </a:solidFill>
               </a:rPr>
               <a:t>知识可参考</a:t>
             </a:r>
-            <a:endParaRPr lang="en-US" altLang="zh-CN" dirty="0" smtClean="0">
-              <a:solidFill>
-                <a:schemeClr val="bg1"/>
-              </a:solidFill>
-            </a:endParaRPr>
-          </a:p>
-          <a:p>
-            <a:r>
-              <a:rPr lang="en-US" altLang="zh-CN" dirty="0" smtClean="0">
-                <a:solidFill>
-                  <a:schemeClr val="bg1"/>
-                </a:solidFill>
-              </a:rPr>
-              <a:t>https</a:t>
-            </a:r>
-            <a:r>
-              <a:rPr lang="en-US" altLang="zh-CN" dirty="0">
-                <a:solidFill>
-                  <a:schemeClr val="bg1"/>
-                </a:solidFill>
-              </a:rPr>
-              <a:t>://github.com/oy-tj/RMEPCourseDemo/tree/master/pythonBase</a:t>
+            <a:endParaRPr lang="en-US" altLang="zh-CN" dirty="0">
+              <a:solidFill>
+                <a:schemeClr val="bg1"/>
+              </a:solidFill>
+            </a:endParaRPr>
+          </a:p>
+          <a:p>
+            <a:r>
+              <a:rPr lang="en-US" altLang="zh-CN">
+                <a:solidFill>
+                  <a:schemeClr val="bg1"/>
+                </a:solidFill>
+              </a:rPr>
+              <a:t>https://gitee.com/oy_tj/RMEPCourseDemo/tree/master/pythonBase</a:t>
             </a:r>
             <a:endParaRPr lang="zh-CN" altLang="en-US" dirty="0">
               <a:solidFill>
@@ -4658,7 +4592,7 @@
           <a:lstStyle/>
           <a:p>
             <a:r>
-              <a:rPr lang="zh-CN" altLang="en-US" sz="3200" b="1" dirty="0" smtClean="0">
+              <a:rPr lang="zh-CN" altLang="en-US" sz="3200" b="1" dirty="0">
                 <a:solidFill>
                   <a:srgbClr val="0070C0"/>
                 </a:solidFill>
@@ -4699,14 +4633,14 @@
           <a:lstStyle/>
           <a:p>
             <a:r>
-              <a:rPr lang="zh-CN" altLang="en-US" sz="2400" dirty="0" smtClean="0">
+              <a:rPr lang="zh-CN" altLang="en-US" sz="2400" dirty="0">
                 <a:solidFill>
                   <a:schemeClr val="bg1"/>
                 </a:solidFill>
               </a:rPr>
               <a:t>引用库</a:t>
             </a:r>
-            <a:endParaRPr lang="en-US" altLang="zh-CN" sz="2400" dirty="0" smtClean="0">
+            <a:endParaRPr lang="en-US" altLang="zh-CN" sz="2400" dirty="0">
               <a:solidFill>
                 <a:schemeClr val="bg1"/>
               </a:solidFill>
@@ -4715,14 +4649,14 @@
           <a:p>
             <a:pPr lvl="1"/>
             <a:r>
-              <a:rPr lang="zh-CN" altLang="en-US" sz="2000" dirty="0" smtClean="0">
+              <a:rPr lang="zh-CN" altLang="en-US" sz="2000" dirty="0">
                 <a:solidFill>
                   <a:schemeClr val="bg1"/>
                 </a:solidFill>
               </a:rPr>
               <a:t>引用系统库</a:t>
             </a:r>
-            <a:endParaRPr lang="en-US" altLang="zh-CN" sz="2000" dirty="0" smtClean="0">
+            <a:endParaRPr lang="en-US" altLang="zh-CN" sz="2000" dirty="0">
               <a:solidFill>
                 <a:schemeClr val="bg1"/>
               </a:solidFill>
@@ -4731,7 +4665,7 @@
           <a:p>
             <a:pPr lvl="1"/>
             <a:r>
-              <a:rPr lang="zh-CN" altLang="en-US" sz="2000" dirty="0" smtClean="0">
+              <a:rPr lang="zh-CN" altLang="en-US" sz="2000" dirty="0">
                 <a:solidFill>
                   <a:schemeClr val="bg1"/>
                 </a:solidFill>
@@ -4739,7 +4673,7 @@
               <a:t>也可以引用自己写的</a:t>
             </a:r>
             <a:r>
-              <a:rPr lang="en-US" altLang="zh-CN" sz="2000" dirty="0" smtClean="0">
+              <a:rPr lang="en-US" altLang="zh-CN" sz="2000" dirty="0">
                 <a:solidFill>
                   <a:schemeClr val="bg1"/>
                 </a:solidFill>
@@ -4747,7 +4681,7 @@
               <a:t>.</a:t>
             </a:r>
             <a:r>
-              <a:rPr lang="en-US" altLang="zh-CN" sz="2000" dirty="0" err="1" smtClean="0">
+              <a:rPr lang="en-US" altLang="zh-CN" sz="2000" dirty="0" err="1">
                 <a:solidFill>
                   <a:schemeClr val="bg1"/>
                 </a:solidFill>
@@ -4755,29 +4689,29 @@
               <a:t>py</a:t>
             </a:r>
             <a:r>
-              <a:rPr lang="zh-CN" altLang="en-US" sz="2000" dirty="0" smtClean="0">
+              <a:rPr lang="zh-CN" altLang="en-US" sz="2000" dirty="0">
                 <a:solidFill>
                   <a:schemeClr val="bg1"/>
                 </a:solidFill>
               </a:rPr>
               <a:t>文件</a:t>
             </a:r>
-            <a:endParaRPr lang="en-US" altLang="zh-CN" sz="2000" dirty="0" smtClean="0">
-              <a:solidFill>
-                <a:schemeClr val="bg1"/>
-              </a:solidFill>
-            </a:endParaRPr>
-          </a:p>
-          <a:p>
-            <a:r>
-              <a:rPr lang="zh-CN" altLang="en-US" sz="2400" dirty="0" smtClean="0">
+            <a:endParaRPr lang="en-US" altLang="zh-CN" sz="2000" dirty="0">
+              <a:solidFill>
+                <a:schemeClr val="bg1"/>
+              </a:solidFill>
+            </a:endParaRPr>
+          </a:p>
+          <a:p>
+            <a:r>
+              <a:rPr lang="zh-CN" altLang="en-US" sz="2400" dirty="0">
                 <a:solidFill>
                   <a:schemeClr val="bg1"/>
                 </a:solidFill>
               </a:rPr>
               <a:t>代码自上而下运行</a:t>
             </a:r>
-            <a:endParaRPr lang="en-US" altLang="zh-CN" sz="2400" dirty="0" smtClean="0">
+            <a:endParaRPr lang="en-US" altLang="zh-CN" sz="2400" dirty="0">
               <a:solidFill>
                 <a:schemeClr val="bg1"/>
               </a:solidFill>
@@ -4786,14 +4720,14 @@
           <a:p>
             <a:pPr lvl="1"/>
             <a:r>
-              <a:rPr lang="zh-CN" altLang="en-US" sz="2000" dirty="0" smtClean="0">
+              <a:rPr lang="zh-CN" altLang="en-US" sz="2000" dirty="0">
                 <a:solidFill>
                   <a:schemeClr val="bg1"/>
                 </a:solidFill>
               </a:rPr>
               <a:t>遇到函数定义时不会运行函数体</a:t>
             </a:r>
-            <a:endParaRPr lang="en-US" altLang="zh-CN" sz="2000" dirty="0" smtClean="0">
+            <a:endParaRPr lang="en-US" altLang="zh-CN" sz="2000" dirty="0">
               <a:solidFill>
                 <a:schemeClr val="bg1"/>
               </a:solidFill>
@@ -4802,29 +4736,29 @@
           <a:p>
             <a:pPr lvl="1"/>
             <a:r>
-              <a:rPr lang="zh-CN" altLang="en-US" sz="2000" dirty="0" smtClean="0">
+              <a:rPr lang="zh-CN" altLang="en-US" sz="2000" dirty="0">
                 <a:solidFill>
                   <a:schemeClr val="bg1"/>
                 </a:solidFill>
               </a:rPr>
               <a:t>函数只会在调用处被运行</a:t>
             </a:r>
-            <a:endParaRPr lang="en-US" altLang="zh-CN" sz="2000" dirty="0" smtClean="0">
-              <a:solidFill>
-                <a:schemeClr val="bg1"/>
-              </a:solidFill>
-            </a:endParaRPr>
-          </a:p>
-          <a:p>
-            <a:r>
-              <a:rPr lang="zh-CN" altLang="en-US" sz="2400" dirty="0" smtClean="0">
+            <a:endParaRPr lang="en-US" altLang="zh-CN" sz="2000" dirty="0">
+              <a:solidFill>
+                <a:schemeClr val="bg1"/>
+              </a:solidFill>
+            </a:endParaRPr>
+          </a:p>
+          <a:p>
+            <a:r>
+              <a:rPr lang="zh-CN" altLang="en-US" sz="2400" dirty="0">
                 <a:solidFill>
                   <a:schemeClr val="bg1"/>
                 </a:solidFill>
               </a:rPr>
               <a:t>自定义函数</a:t>
             </a:r>
-            <a:endParaRPr lang="en-US" altLang="zh-CN" sz="2400" dirty="0" smtClean="0">
+            <a:endParaRPr lang="en-US" altLang="zh-CN" sz="2400" dirty="0">
               <a:solidFill>
                 <a:schemeClr val="bg1"/>
               </a:solidFill>
@@ -4833,7 +4767,7 @@
           <a:p>
             <a:pPr lvl="1"/>
             <a:r>
-              <a:rPr lang="zh-CN" altLang="en-US" sz="2000" dirty="0" smtClean="0">
+              <a:rPr lang="zh-CN" altLang="en-US" sz="2000" dirty="0">
                 <a:solidFill>
                   <a:schemeClr val="bg1"/>
                 </a:solidFill>
@@ -4841,7 +4775,7 @@
               <a:t>使用函数外变量时要</a:t>
             </a:r>
             <a:r>
-              <a:rPr lang="en-US" altLang="zh-CN" sz="2000" dirty="0" smtClean="0">
+              <a:rPr lang="en-US" altLang="zh-CN" sz="2000" dirty="0">
                 <a:solidFill>
                   <a:schemeClr val="bg1"/>
                 </a:solidFill>
@@ -4849,7 +4783,7 @@
               <a:t>global</a:t>
             </a:r>
             <a:r>
-              <a:rPr lang="zh-CN" altLang="en-US" sz="2000" dirty="0" smtClean="0">
+              <a:rPr lang="zh-CN" altLang="en-US" sz="2000" dirty="0">
                 <a:solidFill>
                   <a:schemeClr val="bg1"/>
                 </a:solidFill>
@@ -4896,7 +4830,7 @@
           <a:p>
             <a:pPr lvl="1"/>
             <a:r>
-              <a:rPr lang="zh-CN" altLang="en-US" sz="2000" dirty="0" smtClean="0">
+              <a:rPr lang="zh-CN" altLang="en-US" sz="2000" dirty="0">
                 <a:solidFill>
                   <a:schemeClr val="bg1"/>
                 </a:solidFill>
@@ -4904,7 +4838,7 @@
               <a:t>在其内的代码只会在这个</a:t>
             </a:r>
             <a:r>
-              <a:rPr lang="en-US" altLang="zh-CN" sz="2000" dirty="0" err="1" smtClean="0">
+              <a:rPr lang="en-US" altLang="zh-CN" sz="2000" dirty="0" err="1">
                 <a:solidFill>
                   <a:schemeClr val="bg1"/>
                 </a:solidFill>
@@ -4912,14 +4846,14 @@
               <a:t>py</a:t>
             </a:r>
             <a:r>
-              <a:rPr lang="zh-CN" altLang="en-US" sz="2000" dirty="0" smtClean="0">
+              <a:rPr lang="zh-CN" altLang="en-US" sz="2000" dirty="0">
                 <a:solidFill>
                   <a:schemeClr val="bg1"/>
                 </a:solidFill>
               </a:rPr>
               <a:t>文件做主文件时才会运行</a:t>
             </a:r>
-            <a:endParaRPr lang="en-US" altLang="zh-CN" sz="2000" dirty="0" smtClean="0">
+            <a:endParaRPr lang="en-US" altLang="zh-CN" sz="2000" dirty="0">
               <a:solidFill>
                 <a:schemeClr val="bg1"/>
               </a:solidFill>
@@ -4928,7 +4862,7 @@
           <a:p>
             <a:pPr lvl="1"/>
             <a:r>
-              <a:rPr lang="zh-CN" altLang="en-US" sz="2000" dirty="0" smtClean="0">
+              <a:rPr lang="zh-CN" altLang="en-US" sz="2000" dirty="0">
                 <a:solidFill>
                   <a:schemeClr val="bg1"/>
                 </a:solidFill>
@@ -4936,7 +4870,7 @@
               <a:t>如果这个</a:t>
             </a:r>
             <a:r>
-              <a:rPr lang="en-US" altLang="zh-CN" sz="2000" dirty="0" err="1" smtClean="0">
+              <a:rPr lang="en-US" altLang="zh-CN" sz="2000" dirty="0" err="1">
                 <a:solidFill>
                   <a:schemeClr val="bg1"/>
                 </a:solidFill>
@@ -4944,14 +4878,14 @@
               <a:t>py</a:t>
             </a:r>
             <a:r>
-              <a:rPr lang="zh-CN" altLang="en-US" sz="2000" dirty="0" smtClean="0">
+              <a:rPr lang="zh-CN" altLang="en-US" sz="2000" dirty="0">
                 <a:solidFill>
                   <a:schemeClr val="bg1"/>
                 </a:solidFill>
               </a:rPr>
               <a:t>文件是被引用的，其中的代码不会被运行</a:t>
             </a:r>
-            <a:endParaRPr lang="en-US" altLang="zh-CN" sz="2000" dirty="0" smtClean="0">
+            <a:endParaRPr lang="en-US" altLang="zh-CN" sz="2000" dirty="0">
               <a:solidFill>
                 <a:schemeClr val="bg1"/>
               </a:solidFill>
@@ -5033,15 +4967,196 @@
             </a:r>
           </a:p>
           <a:p>
-            <a:r>
+            <a:br>
               <a:rPr lang="en-US" altLang="zh-CN" dirty="0">
                 <a:solidFill>
                   <a:srgbClr val="D4D4D4"/>
                 </a:solidFill>
                 <a:latin typeface="Consolas" panose="020B0609020204030204" pitchFamily="49" charset="0"/>
               </a:rPr>
-              <a:t/>
-            </a:r>
+            </a:br>
+            <a:r>
+              <a:rPr lang="en-US" altLang="zh-CN" dirty="0" err="1">
+                <a:solidFill>
+                  <a:srgbClr val="D4D4D4"/>
+                </a:solidFill>
+                <a:latin typeface="Consolas" panose="020B0609020204030204" pitchFamily="49" charset="0"/>
+              </a:rPr>
+              <a:t>staName</a:t>
+            </a:r>
+            <a:r>
+              <a:rPr lang="en-US" altLang="zh-CN" dirty="0">
+                <a:solidFill>
+                  <a:srgbClr val="D4D4D4"/>
+                </a:solidFill>
+                <a:latin typeface="Consolas" panose="020B0609020204030204" pitchFamily="49" charset="0"/>
+              </a:rPr>
+              <a:t> = [</a:t>
+            </a:r>
+            <a:r>
+              <a:rPr lang="en-US" altLang="zh-CN" dirty="0">
+                <a:solidFill>
+                  <a:srgbClr val="CE9178"/>
+                </a:solidFill>
+                <a:latin typeface="Consolas" panose="020B0609020204030204" pitchFamily="49" charset="0"/>
+              </a:rPr>
+              <a:t>'Initialize'</a:t>
+            </a:r>
+            <a:r>
+              <a:rPr lang="en-US" altLang="zh-CN" dirty="0">
+                <a:solidFill>
+                  <a:srgbClr val="D4D4D4"/>
+                </a:solidFill>
+                <a:latin typeface="Consolas" panose="020B0609020204030204" pitchFamily="49" charset="0"/>
+              </a:rPr>
+              <a:t>, </a:t>
+            </a:r>
+            <a:r>
+              <a:rPr lang="en-US" altLang="zh-CN" dirty="0">
+                <a:solidFill>
+                  <a:srgbClr val="CE9178"/>
+                </a:solidFill>
+                <a:latin typeface="Consolas" panose="020B0609020204030204" pitchFamily="49" charset="0"/>
+              </a:rPr>
+              <a:t>'S1'</a:t>
+            </a:r>
+            <a:r>
+              <a:rPr lang="en-US" altLang="zh-CN" dirty="0">
+                <a:solidFill>
+                  <a:srgbClr val="D4D4D4"/>
+                </a:solidFill>
+                <a:latin typeface="Consolas" panose="020B0609020204030204" pitchFamily="49" charset="0"/>
+              </a:rPr>
+              <a:t>, </a:t>
+            </a:r>
+            <a:r>
+              <a:rPr lang="en-US" altLang="zh-CN" dirty="0">
+                <a:solidFill>
+                  <a:srgbClr val="CE9178"/>
+                </a:solidFill>
+                <a:latin typeface="Consolas" panose="020B0609020204030204" pitchFamily="49" charset="0"/>
+              </a:rPr>
+              <a:t>'S2'</a:t>
+            </a:r>
+            <a:r>
+              <a:rPr lang="en-US" altLang="zh-CN" dirty="0">
+                <a:solidFill>
+                  <a:srgbClr val="D4D4D4"/>
+                </a:solidFill>
+                <a:latin typeface="Consolas" panose="020B0609020204030204" pitchFamily="49" charset="0"/>
+              </a:rPr>
+              <a:t>]</a:t>
+            </a:r>
+          </a:p>
+          <a:p>
+            <a:r>
+              <a:rPr lang="en-US" altLang="zh-CN" dirty="0" err="1">
+                <a:solidFill>
+                  <a:srgbClr val="D4D4D4"/>
+                </a:solidFill>
+                <a:latin typeface="Consolas" panose="020B0609020204030204" pitchFamily="49" charset="0"/>
+              </a:rPr>
+              <a:t>sta</a:t>
+            </a:r>
+            <a:r>
+              <a:rPr lang="en-US" altLang="zh-CN" dirty="0">
+                <a:solidFill>
+                  <a:srgbClr val="D4D4D4"/>
+                </a:solidFill>
+                <a:latin typeface="Consolas" panose="020B0609020204030204" pitchFamily="49" charset="0"/>
+              </a:rPr>
+              <a:t> = </a:t>
+            </a:r>
+            <a:r>
+              <a:rPr lang="en-US" altLang="zh-CN" dirty="0">
+                <a:solidFill>
+                  <a:srgbClr val="B5CEA8"/>
+                </a:solidFill>
+                <a:latin typeface="Consolas" panose="020B0609020204030204" pitchFamily="49" charset="0"/>
+              </a:rPr>
+              <a:t>0</a:t>
+            </a:r>
+            <a:endParaRPr lang="en-US" altLang="zh-CN" dirty="0">
+              <a:solidFill>
+                <a:srgbClr val="D4D4D4"/>
+              </a:solidFill>
+              <a:latin typeface="Consolas" panose="020B0609020204030204" pitchFamily="49" charset="0"/>
+            </a:endParaRPr>
+          </a:p>
+          <a:p>
+            <a:r>
+              <a:rPr lang="en-US" altLang="zh-CN" dirty="0" err="1">
+                <a:solidFill>
+                  <a:srgbClr val="D4D4D4"/>
+                </a:solidFill>
+                <a:latin typeface="Consolas" panose="020B0609020204030204" pitchFamily="49" charset="0"/>
+              </a:rPr>
+              <a:t>cnt</a:t>
+            </a:r>
+            <a:r>
+              <a:rPr lang="en-US" altLang="zh-CN" dirty="0">
+                <a:solidFill>
+                  <a:srgbClr val="D4D4D4"/>
+                </a:solidFill>
+                <a:latin typeface="Consolas" panose="020B0609020204030204" pitchFamily="49" charset="0"/>
+              </a:rPr>
+              <a:t> = </a:t>
+            </a:r>
+            <a:r>
+              <a:rPr lang="en-US" altLang="zh-CN" dirty="0">
+                <a:solidFill>
+                  <a:srgbClr val="B5CEA8"/>
+                </a:solidFill>
+                <a:latin typeface="Consolas" panose="020B0609020204030204" pitchFamily="49" charset="0"/>
+              </a:rPr>
+              <a:t>0</a:t>
+            </a:r>
+            <a:endParaRPr lang="en-US" altLang="zh-CN" dirty="0">
+              <a:solidFill>
+                <a:srgbClr val="D4D4D4"/>
+              </a:solidFill>
+              <a:latin typeface="Consolas" panose="020B0609020204030204" pitchFamily="49" charset="0"/>
+            </a:endParaRPr>
+          </a:p>
+          <a:p>
+            <a:r>
+              <a:rPr lang="en-US" altLang="zh-CN" dirty="0">
+                <a:solidFill>
+                  <a:srgbClr val="DCDCAA"/>
+                </a:solidFill>
+                <a:latin typeface="Consolas" panose="020B0609020204030204" pitchFamily="49" charset="0"/>
+              </a:rPr>
+              <a:t>print</a:t>
+            </a:r>
+            <a:r>
+              <a:rPr lang="en-US" altLang="zh-CN" dirty="0">
+                <a:solidFill>
+                  <a:srgbClr val="D4D4D4"/>
+                </a:solidFill>
+                <a:latin typeface="Consolas" panose="020B0609020204030204" pitchFamily="49" charset="0"/>
+              </a:rPr>
+              <a:t>(</a:t>
+            </a:r>
+            <a:r>
+              <a:rPr lang="en-US" altLang="zh-CN" dirty="0">
+                <a:solidFill>
+                  <a:srgbClr val="CE9178"/>
+                </a:solidFill>
+                <a:latin typeface="Consolas" panose="020B0609020204030204" pitchFamily="49" charset="0"/>
+              </a:rPr>
+              <a:t>"out"</a:t>
+            </a:r>
+            <a:r>
+              <a:rPr lang="en-US" altLang="zh-CN" dirty="0">
+                <a:solidFill>
+                  <a:srgbClr val="D4D4D4"/>
+                </a:solidFill>
+                <a:latin typeface="Consolas" panose="020B0609020204030204" pitchFamily="49" charset="0"/>
+              </a:rPr>
+              <a:t>)</a:t>
+            </a:r>
+          </a:p>
+          <a:p>
             <a:br>
               <a:rPr lang="en-US" altLang="zh-CN" dirty="0">
                 <a:solidFill>
@@ -5053,20 +5168,562 @@
             <a:r>
               <a:rPr lang="en-US" altLang="zh-CN" dirty="0" err="1">
                 <a:solidFill>
+                  <a:srgbClr val="569CD6"/>
+                </a:solidFill>
+                <a:latin typeface="Consolas" panose="020B0609020204030204" pitchFamily="49" charset="0"/>
+              </a:rPr>
+              <a:t>def</a:t>
+            </a:r>
+            <a:r>
+              <a:rPr lang="en-US" altLang="zh-CN" dirty="0">
+                <a:solidFill>
                   <a:srgbClr val="D4D4D4"/>
                 </a:solidFill>
                 <a:latin typeface="Consolas" panose="020B0609020204030204" pitchFamily="49" charset="0"/>
               </a:rPr>
+              <a:t> </a:t>
+            </a:r>
+            <a:r>
+              <a:rPr lang="en-US" altLang="zh-CN" dirty="0" err="1">
+                <a:solidFill>
+                  <a:srgbClr val="DCDCAA"/>
+                </a:solidFill>
+                <a:latin typeface="Consolas" panose="020B0609020204030204" pitchFamily="49" charset="0"/>
+              </a:rPr>
+              <a:t>changeSta</a:t>
+            </a:r>
+            <a:r>
+              <a:rPr lang="en-US" altLang="zh-CN" dirty="0">
+                <a:solidFill>
+                  <a:srgbClr val="D4D4D4"/>
+                </a:solidFill>
+                <a:latin typeface="Consolas" panose="020B0609020204030204" pitchFamily="49" charset="0"/>
+              </a:rPr>
+              <a:t>():</a:t>
+            </a:r>
+          </a:p>
+          <a:p>
+            <a:r>
+              <a:rPr lang="en-US" altLang="zh-CN" dirty="0">
+                <a:solidFill>
+                  <a:srgbClr val="D4D4D4"/>
+                </a:solidFill>
+                <a:latin typeface="Consolas" panose="020B0609020204030204" pitchFamily="49" charset="0"/>
+              </a:rPr>
+              <a:t>    </a:t>
+            </a:r>
+            <a:r>
+              <a:rPr lang="en-US" altLang="zh-CN" dirty="0">
+                <a:solidFill>
+                  <a:srgbClr val="569CD6"/>
+                </a:solidFill>
+                <a:latin typeface="Consolas" panose="020B0609020204030204" pitchFamily="49" charset="0"/>
+              </a:rPr>
+              <a:t>global</a:t>
+            </a:r>
+            <a:r>
+              <a:rPr lang="en-US" altLang="zh-CN" dirty="0">
+                <a:solidFill>
+                  <a:srgbClr val="D4D4D4"/>
+                </a:solidFill>
+                <a:latin typeface="Consolas" panose="020B0609020204030204" pitchFamily="49" charset="0"/>
+              </a:rPr>
+              <a:t> </a:t>
+            </a:r>
+            <a:r>
+              <a:rPr lang="en-US" altLang="zh-CN" dirty="0" err="1">
+                <a:solidFill>
+                  <a:srgbClr val="D4D4D4"/>
+                </a:solidFill>
+                <a:latin typeface="Consolas" panose="020B0609020204030204" pitchFamily="49" charset="0"/>
+              </a:rPr>
+              <a:t>cnt</a:t>
+            </a:r>
+            <a:endParaRPr lang="en-US" altLang="zh-CN" dirty="0">
+              <a:solidFill>
+                <a:srgbClr val="D4D4D4"/>
+              </a:solidFill>
+              <a:latin typeface="Consolas" panose="020B0609020204030204" pitchFamily="49" charset="0"/>
+            </a:endParaRPr>
+          </a:p>
+          <a:p>
+            <a:r>
+              <a:rPr lang="en-US" altLang="zh-CN" dirty="0">
+                <a:solidFill>
+                  <a:srgbClr val="D4D4D4"/>
+                </a:solidFill>
+                <a:latin typeface="Consolas" panose="020B0609020204030204" pitchFamily="49" charset="0"/>
+              </a:rPr>
+              <a:t>    </a:t>
+            </a:r>
+            <a:r>
+              <a:rPr lang="en-US" altLang="zh-CN" dirty="0" err="1">
+                <a:solidFill>
+                  <a:srgbClr val="D4D4D4"/>
+                </a:solidFill>
+                <a:latin typeface="Consolas" panose="020B0609020204030204" pitchFamily="49" charset="0"/>
+              </a:rPr>
+              <a:t>cnt</a:t>
+            </a:r>
+            <a:r>
+              <a:rPr lang="en-US" altLang="zh-CN" dirty="0">
+                <a:solidFill>
+                  <a:srgbClr val="D4D4D4"/>
+                </a:solidFill>
+                <a:latin typeface="Consolas" panose="020B0609020204030204" pitchFamily="49" charset="0"/>
+              </a:rPr>
+              <a:t> = </a:t>
+            </a:r>
+            <a:r>
+              <a:rPr lang="en-US" altLang="zh-CN" dirty="0">
+                <a:solidFill>
+                  <a:srgbClr val="B5CEA8"/>
+                </a:solidFill>
+                <a:latin typeface="Consolas" panose="020B0609020204030204" pitchFamily="49" charset="0"/>
+              </a:rPr>
+              <a:t>0</a:t>
+            </a:r>
+            <a:endParaRPr lang="en-US" altLang="zh-CN" dirty="0">
+              <a:solidFill>
+                <a:srgbClr val="D4D4D4"/>
+              </a:solidFill>
+              <a:latin typeface="Consolas" panose="020B0609020204030204" pitchFamily="49" charset="0"/>
+            </a:endParaRPr>
+          </a:p>
+          <a:p>
+            <a:r>
+              <a:rPr lang="en-US" altLang="zh-CN" dirty="0">
+                <a:solidFill>
+                  <a:srgbClr val="D4D4D4"/>
+                </a:solidFill>
+                <a:latin typeface="Consolas" panose="020B0609020204030204" pitchFamily="49" charset="0"/>
+              </a:rPr>
+              <a:t>    </a:t>
+            </a:r>
+            <a:r>
+              <a:rPr lang="en-US" altLang="zh-CN" dirty="0">
+                <a:solidFill>
+                  <a:srgbClr val="DCDCAA"/>
+                </a:solidFill>
+                <a:latin typeface="Consolas" panose="020B0609020204030204" pitchFamily="49" charset="0"/>
+              </a:rPr>
+              <a:t>print</a:t>
+            </a:r>
+            <a:r>
+              <a:rPr lang="en-US" altLang="zh-CN" dirty="0">
+                <a:solidFill>
+                  <a:srgbClr val="D4D4D4"/>
+                </a:solidFill>
+                <a:latin typeface="Consolas" panose="020B0609020204030204" pitchFamily="49" charset="0"/>
+              </a:rPr>
+              <a:t>()</a:t>
+            </a:r>
+          </a:p>
+          <a:p>
+            <a:br>
+              <a:rPr lang="en-US" altLang="zh-CN" dirty="0">
+                <a:solidFill>
+                  <a:srgbClr val="D4D4D4"/>
+                </a:solidFill>
+                <a:latin typeface="Consolas" panose="020B0609020204030204" pitchFamily="49" charset="0"/>
+              </a:rPr>
+            </a:br>
+            <a:r>
+              <a:rPr lang="en-US" altLang="zh-CN" dirty="0">
+                <a:solidFill>
+                  <a:srgbClr val="C586C0"/>
+                </a:solidFill>
+                <a:latin typeface="Consolas" panose="020B0609020204030204" pitchFamily="49" charset="0"/>
+              </a:rPr>
+              <a:t>if</a:t>
+            </a:r>
+            <a:r>
+              <a:rPr lang="en-US" altLang="zh-CN" dirty="0">
+                <a:solidFill>
+                  <a:srgbClr val="D4D4D4"/>
+                </a:solidFill>
+                <a:latin typeface="Consolas" panose="020B0609020204030204" pitchFamily="49" charset="0"/>
+              </a:rPr>
+              <a:t> </a:t>
+            </a:r>
+            <a:r>
+              <a:rPr lang="en-US" altLang="zh-CN" dirty="0">
+                <a:solidFill>
+                  <a:srgbClr val="9CDCFE"/>
+                </a:solidFill>
+                <a:latin typeface="Consolas" panose="020B0609020204030204" pitchFamily="49" charset="0"/>
+              </a:rPr>
+              <a:t>__name__</a:t>
+            </a:r>
+            <a:r>
+              <a:rPr lang="en-US" altLang="zh-CN" dirty="0">
+                <a:solidFill>
+                  <a:srgbClr val="D4D4D4"/>
+                </a:solidFill>
+                <a:latin typeface="Consolas" panose="020B0609020204030204" pitchFamily="49" charset="0"/>
+              </a:rPr>
+              <a:t> == </a:t>
+            </a:r>
+            <a:r>
+              <a:rPr lang="en-US" altLang="zh-CN" dirty="0">
+                <a:solidFill>
+                  <a:srgbClr val="CE9178"/>
+                </a:solidFill>
+                <a:latin typeface="Consolas" panose="020B0609020204030204" pitchFamily="49" charset="0"/>
+              </a:rPr>
+              <a:t>'__main__'</a:t>
+            </a:r>
+            <a:r>
+              <a:rPr lang="en-US" altLang="zh-CN" dirty="0">
+                <a:solidFill>
+                  <a:srgbClr val="D4D4D4"/>
+                </a:solidFill>
+                <a:latin typeface="Consolas" panose="020B0609020204030204" pitchFamily="49" charset="0"/>
+              </a:rPr>
+              <a:t>:</a:t>
+            </a:r>
+          </a:p>
+          <a:p>
+            <a:r>
+              <a:rPr lang="en-US" altLang="zh-CN" dirty="0">
+                <a:solidFill>
+                  <a:srgbClr val="D4D4D4"/>
+                </a:solidFill>
+                <a:latin typeface="Consolas" panose="020B0609020204030204" pitchFamily="49" charset="0"/>
+              </a:rPr>
+              <a:t>    </a:t>
+            </a:r>
+            <a:r>
+              <a:rPr lang="en-US" altLang="zh-CN" dirty="0">
+                <a:solidFill>
+                  <a:srgbClr val="DCDCAA"/>
+                </a:solidFill>
+                <a:latin typeface="Consolas" panose="020B0609020204030204" pitchFamily="49" charset="0"/>
+              </a:rPr>
+              <a:t>print</a:t>
+            </a:r>
+            <a:r>
+              <a:rPr lang="en-US" altLang="zh-CN" dirty="0">
+                <a:solidFill>
+                  <a:srgbClr val="D4D4D4"/>
+                </a:solidFill>
+                <a:latin typeface="Consolas" panose="020B0609020204030204" pitchFamily="49" charset="0"/>
+              </a:rPr>
+              <a:t>(</a:t>
+            </a:r>
+            <a:r>
+              <a:rPr lang="en-US" altLang="zh-CN" dirty="0">
+                <a:solidFill>
+                  <a:srgbClr val="CE9178"/>
+                </a:solidFill>
+                <a:latin typeface="Consolas" panose="020B0609020204030204" pitchFamily="49" charset="0"/>
+              </a:rPr>
+              <a:t>"</a:t>
+            </a:r>
+            <a:r>
+              <a:rPr lang="zh-CN" altLang="en-US" dirty="0">
+                <a:solidFill>
+                  <a:srgbClr val="CE9178"/>
+                </a:solidFill>
+                <a:latin typeface="Consolas" panose="020B0609020204030204" pitchFamily="49" charset="0"/>
+              </a:rPr>
+              <a:t>以两种方式遍历</a:t>
+            </a:r>
+            <a:r>
+              <a:rPr lang="en-US" altLang="zh-CN" dirty="0" err="1">
+                <a:solidFill>
+                  <a:srgbClr val="CE9178"/>
+                </a:solidFill>
+                <a:latin typeface="Consolas" panose="020B0609020204030204" pitchFamily="49" charset="0"/>
+              </a:rPr>
               <a:t>staName</a:t>
             </a:r>
             <a:r>
+              <a:rPr lang="zh-CN" altLang="en-US" dirty="0">
+                <a:solidFill>
+                  <a:srgbClr val="CE9178"/>
+                </a:solidFill>
+                <a:latin typeface="Consolas" panose="020B0609020204030204" pitchFamily="49" charset="0"/>
+              </a:rPr>
+              <a:t>列表</a:t>
+            </a:r>
+            <a:r>
+              <a:rPr lang="en-US" altLang="zh-CN" dirty="0">
+                <a:solidFill>
+                  <a:srgbClr val="CE9178"/>
+                </a:solidFill>
+                <a:latin typeface="Consolas" panose="020B0609020204030204" pitchFamily="49" charset="0"/>
+              </a:rPr>
+              <a:t>"</a:t>
+            </a:r>
+            <a:r>
               <a:rPr lang="en-US" altLang="zh-CN" dirty="0">
                 <a:solidFill>
                   <a:srgbClr val="D4D4D4"/>
                 </a:solidFill>
                 <a:latin typeface="Consolas" panose="020B0609020204030204" pitchFamily="49" charset="0"/>
               </a:rPr>
-              <a:t> = [</a:t>
+              <a:t>)</a:t>
+            </a:r>
+          </a:p>
+          <a:p>
+            <a:r>
+              <a:rPr lang="en-US" altLang="zh-CN" dirty="0">
+                <a:solidFill>
+                  <a:srgbClr val="D4D4D4"/>
+                </a:solidFill>
+                <a:latin typeface="Consolas" panose="020B0609020204030204" pitchFamily="49" charset="0"/>
+              </a:rPr>
+              <a:t>    </a:t>
+            </a:r>
+            <a:r>
+              <a:rPr lang="en-US" altLang="zh-CN" dirty="0">
+                <a:solidFill>
+                  <a:srgbClr val="C586C0"/>
+                </a:solidFill>
+                <a:latin typeface="Consolas" panose="020B0609020204030204" pitchFamily="49" charset="0"/>
+              </a:rPr>
+              <a:t>for</a:t>
+            </a:r>
+            <a:r>
+              <a:rPr lang="en-US" altLang="zh-CN" dirty="0">
+                <a:solidFill>
+                  <a:srgbClr val="D4D4D4"/>
+                </a:solidFill>
+                <a:latin typeface="Consolas" panose="020B0609020204030204" pitchFamily="49" charset="0"/>
+              </a:rPr>
+              <a:t> s </a:t>
+            </a:r>
+            <a:r>
+              <a:rPr lang="en-US" altLang="zh-CN" dirty="0">
+                <a:solidFill>
+                  <a:srgbClr val="C586C0"/>
+                </a:solidFill>
+                <a:latin typeface="Consolas" panose="020B0609020204030204" pitchFamily="49" charset="0"/>
+              </a:rPr>
+              <a:t>in</a:t>
+            </a:r>
+            <a:r>
+              <a:rPr lang="en-US" altLang="zh-CN" dirty="0">
+                <a:solidFill>
+                  <a:srgbClr val="D4D4D4"/>
+                </a:solidFill>
+                <a:latin typeface="Consolas" panose="020B0609020204030204" pitchFamily="49" charset="0"/>
+              </a:rPr>
+              <a:t> </a:t>
+            </a:r>
+            <a:r>
+              <a:rPr lang="en-US" altLang="zh-CN" dirty="0" err="1">
+                <a:solidFill>
+                  <a:srgbClr val="D4D4D4"/>
+                </a:solidFill>
+                <a:latin typeface="Consolas" panose="020B0609020204030204" pitchFamily="49" charset="0"/>
+              </a:rPr>
+              <a:t>staName</a:t>
+            </a:r>
+            <a:r>
+              <a:rPr lang="en-US" altLang="zh-CN" dirty="0">
+                <a:solidFill>
+                  <a:srgbClr val="D4D4D4"/>
+                </a:solidFill>
+                <a:latin typeface="Consolas" panose="020B0609020204030204" pitchFamily="49" charset="0"/>
+              </a:rPr>
+              <a:t>:</a:t>
+            </a:r>
+          </a:p>
+          <a:p>
+            <a:r>
+              <a:rPr lang="en-US" altLang="zh-CN" dirty="0">
+                <a:solidFill>
+                  <a:srgbClr val="D4D4D4"/>
+                </a:solidFill>
+                <a:latin typeface="Consolas" panose="020B0609020204030204" pitchFamily="49" charset="0"/>
+              </a:rPr>
+              <a:t>        </a:t>
+            </a:r>
+            <a:r>
+              <a:rPr lang="en-US" altLang="zh-CN" dirty="0">
+                <a:solidFill>
+                  <a:srgbClr val="DCDCAA"/>
+                </a:solidFill>
+                <a:latin typeface="Consolas" panose="020B0609020204030204" pitchFamily="49" charset="0"/>
+              </a:rPr>
+              <a:t>print</a:t>
+            </a:r>
+            <a:r>
+              <a:rPr lang="en-US" altLang="zh-CN" dirty="0">
+                <a:solidFill>
+                  <a:srgbClr val="D4D4D4"/>
+                </a:solidFill>
+                <a:latin typeface="Consolas" panose="020B0609020204030204" pitchFamily="49" charset="0"/>
+              </a:rPr>
+              <a:t>(s)</a:t>
+            </a:r>
+          </a:p>
+          <a:p>
+            <a:r>
+              <a:rPr lang="en-US" altLang="zh-CN" dirty="0">
+                <a:solidFill>
+                  <a:srgbClr val="D4D4D4"/>
+                </a:solidFill>
+                <a:latin typeface="Consolas" panose="020B0609020204030204" pitchFamily="49" charset="0"/>
+              </a:rPr>
+              <a:t>    </a:t>
+            </a:r>
+            <a:r>
+              <a:rPr lang="en-US" altLang="zh-CN" dirty="0">
+                <a:solidFill>
+                  <a:srgbClr val="C586C0"/>
+                </a:solidFill>
+                <a:latin typeface="Consolas" panose="020B0609020204030204" pitchFamily="49" charset="0"/>
+              </a:rPr>
+              <a:t>for</a:t>
+            </a:r>
+            <a:r>
+              <a:rPr lang="en-US" altLang="zh-CN" dirty="0">
+                <a:solidFill>
+                  <a:srgbClr val="D4D4D4"/>
+                </a:solidFill>
+                <a:latin typeface="Consolas" panose="020B0609020204030204" pitchFamily="49" charset="0"/>
+              </a:rPr>
+              <a:t> </a:t>
+            </a:r>
+            <a:r>
+              <a:rPr lang="en-US" altLang="zh-CN" dirty="0" err="1">
+                <a:solidFill>
+                  <a:srgbClr val="D4D4D4"/>
+                </a:solidFill>
+                <a:latin typeface="Consolas" panose="020B0609020204030204" pitchFamily="49" charset="0"/>
+              </a:rPr>
+              <a:t>i</a:t>
+            </a:r>
+            <a:r>
+              <a:rPr lang="en-US" altLang="zh-CN" dirty="0">
+                <a:solidFill>
+                  <a:srgbClr val="D4D4D4"/>
+                </a:solidFill>
+                <a:latin typeface="Consolas" panose="020B0609020204030204" pitchFamily="49" charset="0"/>
+              </a:rPr>
+              <a:t> </a:t>
+            </a:r>
+            <a:r>
+              <a:rPr lang="en-US" altLang="zh-CN" dirty="0">
+                <a:solidFill>
+                  <a:srgbClr val="C586C0"/>
+                </a:solidFill>
+                <a:latin typeface="Consolas" panose="020B0609020204030204" pitchFamily="49" charset="0"/>
+              </a:rPr>
+              <a:t>in</a:t>
+            </a:r>
+            <a:r>
+              <a:rPr lang="en-US" altLang="zh-CN" dirty="0">
+                <a:solidFill>
+                  <a:srgbClr val="D4D4D4"/>
+                </a:solidFill>
+                <a:latin typeface="Consolas" panose="020B0609020204030204" pitchFamily="49" charset="0"/>
+              </a:rPr>
+              <a:t> </a:t>
+            </a:r>
+            <a:r>
+              <a:rPr lang="en-US" altLang="zh-CN" dirty="0">
+                <a:solidFill>
+                  <a:srgbClr val="DCDCAA"/>
+                </a:solidFill>
+                <a:latin typeface="Consolas" panose="020B0609020204030204" pitchFamily="49" charset="0"/>
+              </a:rPr>
+              <a:t>range</a:t>
+            </a:r>
+            <a:r>
+              <a:rPr lang="en-US" altLang="zh-CN" dirty="0">
+                <a:solidFill>
+                  <a:srgbClr val="D4D4D4"/>
+                </a:solidFill>
+                <a:latin typeface="Consolas" panose="020B0609020204030204" pitchFamily="49" charset="0"/>
+              </a:rPr>
+              <a:t>(</a:t>
+            </a:r>
+            <a:r>
+              <a:rPr lang="en-US" altLang="zh-CN" dirty="0" err="1">
+                <a:solidFill>
+                  <a:srgbClr val="DCDCAA"/>
+                </a:solidFill>
+                <a:latin typeface="Consolas" panose="020B0609020204030204" pitchFamily="49" charset="0"/>
+              </a:rPr>
+              <a:t>len</a:t>
+            </a:r>
+            <a:r>
+              <a:rPr lang="en-US" altLang="zh-CN" dirty="0">
+                <a:solidFill>
+                  <a:srgbClr val="D4D4D4"/>
+                </a:solidFill>
+                <a:latin typeface="Consolas" panose="020B0609020204030204" pitchFamily="49" charset="0"/>
+              </a:rPr>
+              <a:t>(</a:t>
+            </a:r>
+            <a:r>
+              <a:rPr lang="en-US" altLang="zh-CN" dirty="0" err="1">
+                <a:solidFill>
+                  <a:srgbClr val="D4D4D4"/>
+                </a:solidFill>
+                <a:latin typeface="Consolas" panose="020B0609020204030204" pitchFamily="49" charset="0"/>
+              </a:rPr>
+              <a:t>staName</a:t>
+            </a:r>
+            <a:r>
+              <a:rPr lang="en-US" altLang="zh-CN" dirty="0">
+                <a:solidFill>
+                  <a:srgbClr val="D4D4D4"/>
+                </a:solidFill>
+                <a:latin typeface="Consolas" panose="020B0609020204030204" pitchFamily="49" charset="0"/>
+              </a:rPr>
+              <a:t>)):</a:t>
+            </a:r>
+          </a:p>
+          <a:p>
+            <a:r>
+              <a:rPr lang="en-US" altLang="zh-CN" dirty="0">
+                <a:solidFill>
+                  <a:srgbClr val="D4D4D4"/>
+                </a:solidFill>
+                <a:latin typeface="Consolas" panose="020B0609020204030204" pitchFamily="49" charset="0"/>
+              </a:rPr>
+              <a:t>        </a:t>
+            </a:r>
+            <a:r>
+              <a:rPr lang="en-US" altLang="zh-CN" dirty="0">
+                <a:solidFill>
+                  <a:srgbClr val="DCDCAA"/>
+                </a:solidFill>
+                <a:latin typeface="Consolas" panose="020B0609020204030204" pitchFamily="49" charset="0"/>
+              </a:rPr>
+              <a:t>print</a:t>
+            </a:r>
+            <a:r>
+              <a:rPr lang="en-US" altLang="zh-CN" dirty="0">
+                <a:solidFill>
+                  <a:srgbClr val="D4D4D4"/>
+                </a:solidFill>
+                <a:latin typeface="Consolas" panose="020B0609020204030204" pitchFamily="49" charset="0"/>
+              </a:rPr>
+              <a:t>(</a:t>
+            </a:r>
+            <a:r>
+              <a:rPr lang="en-US" altLang="zh-CN" dirty="0" err="1">
+                <a:solidFill>
+                  <a:srgbClr val="D4D4D4"/>
+                </a:solidFill>
+                <a:latin typeface="Consolas" panose="020B0609020204030204" pitchFamily="49" charset="0"/>
+              </a:rPr>
+              <a:t>i</a:t>
+            </a:r>
+            <a:r>
+              <a:rPr lang="en-US" altLang="zh-CN" dirty="0">
+                <a:solidFill>
+                  <a:srgbClr val="D4D4D4"/>
+                </a:solidFill>
+                <a:latin typeface="Consolas" panose="020B0609020204030204" pitchFamily="49" charset="0"/>
+              </a:rPr>
+              <a:t>,</a:t>
             </a:r>
             <a:r>
               <a:rPr lang="en-US" altLang="zh-CN" dirty="0">
@@ -5075,7 +5732,7 @@
                 </a:solidFill>
                 <a:latin typeface="Consolas" panose="020B0609020204030204" pitchFamily="49" charset="0"/>
               </a:rPr>
-              <a:t>'Initialize'</a:t>
+              <a:t>':'</a:t>
             </a:r>
             <a:r>
               <a:rPr lang="en-US" altLang="zh-CN" dirty="0">
@@ -5084,16 +5741,16 @@
                 </a:solidFill>
                 <a:latin typeface="Consolas" panose="020B0609020204030204" pitchFamily="49" charset="0"/>
               </a:rPr>
-              <a:t>, </a:t>
-            </a:r>
-            <a:r>
-              <a:rPr lang="en-US" altLang="zh-CN" dirty="0">
-                <a:solidFill>
-                  <a:srgbClr val="CE9178"/>
+              <a:t>,</a:t>
+            </a:r>
+            <a:r>
+              <a:rPr lang="en-US" altLang="zh-CN" dirty="0" err="1">
+                <a:solidFill>
+                  <a:srgbClr val="D4D4D4"/>
                 </a:solidFill>
                 <a:latin typeface="Consolas" panose="020B0609020204030204" pitchFamily="49" charset="0"/>
               </a:rPr>
-              <a:t>'S1'</a:t>
+              <a:t>staName</a:t>
             </a:r>
             <a:r>
               <a:rPr lang="en-US" altLang="zh-CN" dirty="0">
@@ -5102,16 +5759,16 @@
                 </a:solidFill>
                 <a:latin typeface="Consolas" panose="020B0609020204030204" pitchFamily="49" charset="0"/>
               </a:rPr>
-              <a:t>, </a:t>
-            </a:r>
-            <a:r>
-              <a:rPr lang="en-US" altLang="zh-CN" dirty="0">
-                <a:solidFill>
-                  <a:srgbClr val="CE9178"/>
+              <a:t>[</a:t>
+            </a:r>
+            <a:r>
+              <a:rPr lang="en-US" altLang="zh-CN" dirty="0" err="1">
+                <a:solidFill>
+                  <a:srgbClr val="D4D4D4"/>
                 </a:solidFill>
                 <a:latin typeface="Consolas" panose="020B0609020204030204" pitchFamily="49" charset="0"/>
               </a:rPr>
-              <a:t>'S2'</a:t>
+              <a:t>i</a:t>
             </a:r>
             <a:r>
               <a:rPr lang="en-US" altLang="zh-CN" dirty="0">
@@ -5120,10 +5777,37 @@
                 </a:solidFill>
                 <a:latin typeface="Consolas" panose="020B0609020204030204" pitchFamily="49" charset="0"/>
               </a:rPr>
-              <a:t>]</a:t>
-            </a:r>
-          </a:p>
-          <a:p>
+              <a:t>])</a:t>
+            </a:r>
+          </a:p>
+          <a:p>
+            <a:r>
+              <a:rPr lang="en-US" altLang="zh-CN" dirty="0">
+                <a:solidFill>
+                  <a:srgbClr val="D4D4D4"/>
+                </a:solidFill>
+                <a:latin typeface="Consolas" panose="020B0609020204030204" pitchFamily="49" charset="0"/>
+              </a:rPr>
+              <a:t>    </a:t>
+            </a:r>
+            <a:r>
+              <a:rPr lang="en-US" altLang="zh-CN" dirty="0">
+                <a:solidFill>
+                  <a:srgbClr val="C586C0"/>
+                </a:solidFill>
+                <a:latin typeface="Consolas" panose="020B0609020204030204" pitchFamily="49" charset="0"/>
+              </a:rPr>
+              <a:t>while</a:t>
+            </a:r>
+            <a:r>
+              <a:rPr lang="en-US" altLang="zh-CN" dirty="0">
+                <a:solidFill>
+                  <a:srgbClr val="D4D4D4"/>
+                </a:solidFill>
+                <a:latin typeface="Consolas" panose="020B0609020204030204" pitchFamily="49" charset="0"/>
+              </a:rPr>
+              <a:t> </a:t>
+            </a:r>
             <a:r>
               <a:rPr lang="en-US" altLang="zh-CN" dirty="0" err="1">
                 <a:solidFill>
@@ -5140,7 +5824,7 @@
                 </a:solidFill>
                 <a:latin typeface="Consolas" panose="020B0609020204030204" pitchFamily="49" charset="0"/>
               </a:rPr>
-              <a:t> = </a:t>
+              <a:t> == </a:t>
             </a:r>
             <a:r>
               <a:rPr lang="en-US" altLang="zh-CN" dirty="0">
@@ -5151,14 +5835,26 @@
               </a:rPr>
               <a:t>0</a:t>
             </a:r>
-            <a:endParaRPr lang="en-US" altLang="zh-CN" dirty="0">
-              <a:solidFill>
-                <a:srgbClr val="D4D4D4"/>
-              </a:solidFill>
-              <a:latin typeface="Consolas" panose="020B0609020204030204" pitchFamily="49" charset="0"/>
-            </a:endParaRPr>
-          </a:p>
-          <a:p>
+            <a:r>
+              <a:rPr lang="en-US" altLang="zh-CN" dirty="0">
+                <a:solidFill>
+                  <a:srgbClr val="D4D4D4"/>
+                </a:solidFill>
+                <a:latin typeface="Consolas" panose="020B0609020204030204" pitchFamily="49" charset="0"/>
+              </a:rPr>
+              <a:t>:</a:t>
+            </a:r>
+          </a:p>
+          <a:p>
+            <a:r>
+              <a:rPr lang="en-US" altLang="zh-CN" dirty="0">
+                <a:solidFill>
+                  <a:srgbClr val="D4D4D4"/>
+                </a:solidFill>
+                <a:latin typeface="Consolas" panose="020B0609020204030204" pitchFamily="49" charset="0"/>
+              </a:rPr>
+              <a:t>        </a:t>
+            </a:r>
             <a:r>
               <a:rPr lang="en-US" altLang="zh-CN" dirty="0" err="1">
                 <a:solidFill>
@@ -5166,7 +5862,7 @@
                 </a:solidFill>
                 <a:latin typeface="Consolas" panose="020B0609020204030204" pitchFamily="49" charset="0"/>
               </a:rPr>
-              <a:t>cnt</a:t>
+              <a:t>printProgress</a:t>
             </a:r>
             <a:r>
               <a:rPr lang="en-US" altLang="zh-CN" dirty="0">
@@ -5175,803 +5871,8 @@
                 </a:solidFill>
                 <a:latin typeface="Consolas" panose="020B0609020204030204" pitchFamily="49" charset="0"/>
               </a:rPr>
-              <a:t> = </a:t>
-            </a:r>
-            <a:r>
-              <a:rPr lang="en-US" altLang="zh-CN" dirty="0">
-                <a:solidFill>
-                  <a:srgbClr val="B5CEA8"/>
-                </a:solidFill>
-                <a:latin typeface="Consolas" panose="020B0609020204030204" pitchFamily="49" charset="0"/>
-              </a:rPr>
-              <a:t>0</a:t>
-            </a:r>
-            <a:endParaRPr lang="en-US" altLang="zh-CN" dirty="0">
-              <a:solidFill>
-                <a:srgbClr val="D4D4D4"/>
-              </a:solidFill>
-              <a:latin typeface="Consolas" panose="020B0609020204030204" pitchFamily="49" charset="0"/>
-            </a:endParaRPr>
-          </a:p>
-          <a:p>
-            <a:r>
-              <a:rPr lang="en-US" altLang="zh-CN" dirty="0">
-                <a:solidFill>
-                  <a:srgbClr val="DCDCAA"/>
-                </a:solidFill>
-                <a:latin typeface="Consolas" panose="020B0609020204030204" pitchFamily="49" charset="0"/>
-              </a:rPr>
-              <a:t>print</a:t>
-            </a:r>
-            <a:r>
-              <a:rPr lang="en-US" altLang="zh-CN" dirty="0">
-                <a:solidFill>
-                  <a:srgbClr val="D4D4D4"/>
-                </a:solidFill>
-                <a:latin typeface="Consolas" panose="020B0609020204030204" pitchFamily="49" charset="0"/>
-              </a:rPr>
-              <a:t>(</a:t>
-            </a:r>
-            <a:r>
-              <a:rPr lang="en-US" altLang="zh-CN" dirty="0">
-                <a:solidFill>
-                  <a:srgbClr val="CE9178"/>
-                </a:solidFill>
-                <a:latin typeface="Consolas" panose="020B0609020204030204" pitchFamily="49" charset="0"/>
-              </a:rPr>
-              <a:t>"out"</a:t>
-            </a:r>
-            <a:r>
-              <a:rPr lang="en-US" altLang="zh-CN" dirty="0">
-                <a:solidFill>
-                  <a:srgbClr val="D4D4D4"/>
-                </a:solidFill>
-                <a:latin typeface="Consolas" panose="020B0609020204030204" pitchFamily="49" charset="0"/>
-              </a:rPr>
-              <a:t>)</a:t>
-            </a:r>
-          </a:p>
-          <a:p>
-            <a:r>
-              <a:rPr lang="en-US" altLang="zh-CN" dirty="0">
-                <a:solidFill>
-                  <a:srgbClr val="D4D4D4"/>
-                </a:solidFill>
-                <a:latin typeface="Consolas" panose="020B0609020204030204" pitchFamily="49" charset="0"/>
-              </a:rPr>
-              <a:t/>
-            </a:r>
-            <a:br>
-              <a:rPr lang="en-US" altLang="zh-CN" dirty="0">
-                <a:solidFill>
-                  <a:srgbClr val="D4D4D4"/>
-                </a:solidFill>
-                <a:latin typeface="Consolas" panose="020B0609020204030204" pitchFamily="49" charset="0"/>
-              </a:rPr>
-            </a:br>
-            <a:r>
-              <a:rPr lang="en-US" altLang="zh-CN" dirty="0" err="1">
-                <a:solidFill>
-                  <a:srgbClr val="569CD6"/>
-                </a:solidFill>
-                <a:latin typeface="Consolas" panose="020B0609020204030204" pitchFamily="49" charset="0"/>
-              </a:rPr>
-              <a:t>def</a:t>
-            </a:r>
-            <a:r>
-              <a:rPr lang="en-US" altLang="zh-CN" dirty="0">
-                <a:solidFill>
-                  <a:srgbClr val="D4D4D4"/>
-                </a:solidFill>
-                <a:latin typeface="Consolas" panose="020B0609020204030204" pitchFamily="49" charset="0"/>
-              </a:rPr>
-              <a:t> </a:t>
-            </a:r>
-            <a:r>
-              <a:rPr lang="en-US" altLang="zh-CN" dirty="0" err="1">
-                <a:solidFill>
-                  <a:srgbClr val="DCDCAA"/>
-                </a:solidFill>
-                <a:latin typeface="Consolas" panose="020B0609020204030204" pitchFamily="49" charset="0"/>
-              </a:rPr>
-              <a:t>changeSta</a:t>
-            </a:r>
-            <a:r>
-              <a:rPr lang="en-US" altLang="zh-CN" dirty="0">
-                <a:solidFill>
-                  <a:srgbClr val="D4D4D4"/>
-                </a:solidFill>
-                <a:latin typeface="Consolas" panose="020B0609020204030204" pitchFamily="49" charset="0"/>
-              </a:rPr>
-              <a:t>():</a:t>
-            </a:r>
-          </a:p>
-          <a:p>
-            <a:r>
-              <a:rPr lang="en-US" altLang="zh-CN" dirty="0">
-                <a:solidFill>
-                  <a:srgbClr val="D4D4D4"/>
-                </a:solidFill>
-                <a:latin typeface="Consolas" panose="020B0609020204030204" pitchFamily="49" charset="0"/>
-              </a:rPr>
-              <a:t>    </a:t>
-            </a:r>
-            <a:r>
-              <a:rPr lang="en-US" altLang="zh-CN" dirty="0">
-                <a:solidFill>
-                  <a:srgbClr val="569CD6"/>
-                </a:solidFill>
-                <a:latin typeface="Consolas" panose="020B0609020204030204" pitchFamily="49" charset="0"/>
-              </a:rPr>
-              <a:t>global</a:t>
-            </a:r>
-            <a:r>
-              <a:rPr lang="en-US" altLang="zh-CN" dirty="0">
-                <a:solidFill>
-                  <a:srgbClr val="D4D4D4"/>
-                </a:solidFill>
-                <a:latin typeface="Consolas" panose="020B0609020204030204" pitchFamily="49" charset="0"/>
-              </a:rPr>
-              <a:t> </a:t>
-            </a:r>
-            <a:r>
-              <a:rPr lang="en-US" altLang="zh-CN" dirty="0" err="1">
-                <a:solidFill>
-                  <a:srgbClr val="D4D4D4"/>
-                </a:solidFill>
-                <a:latin typeface="Consolas" panose="020B0609020204030204" pitchFamily="49" charset="0"/>
-              </a:rPr>
-              <a:t>cnt</a:t>
-            </a:r>
-            <a:endParaRPr lang="en-US" altLang="zh-CN" dirty="0">
-              <a:solidFill>
-                <a:srgbClr val="D4D4D4"/>
-              </a:solidFill>
-              <a:latin typeface="Consolas" panose="020B0609020204030204" pitchFamily="49" charset="0"/>
-            </a:endParaRPr>
-          </a:p>
-          <a:p>
-            <a:r>
-              <a:rPr lang="en-US" altLang="zh-CN" dirty="0">
-                <a:solidFill>
-                  <a:srgbClr val="D4D4D4"/>
-                </a:solidFill>
-                <a:latin typeface="Consolas" panose="020B0609020204030204" pitchFamily="49" charset="0"/>
-              </a:rPr>
-              <a:t>    </a:t>
-            </a:r>
-            <a:r>
-              <a:rPr lang="en-US" altLang="zh-CN" dirty="0" err="1">
-                <a:solidFill>
-                  <a:srgbClr val="D4D4D4"/>
-                </a:solidFill>
-                <a:latin typeface="Consolas" panose="020B0609020204030204" pitchFamily="49" charset="0"/>
-              </a:rPr>
-              <a:t>cnt</a:t>
-            </a:r>
-            <a:r>
-              <a:rPr lang="en-US" altLang="zh-CN" dirty="0">
-                <a:solidFill>
-                  <a:srgbClr val="D4D4D4"/>
-                </a:solidFill>
-                <a:latin typeface="Consolas" panose="020B0609020204030204" pitchFamily="49" charset="0"/>
-              </a:rPr>
-              <a:t> = </a:t>
-            </a:r>
-            <a:r>
-              <a:rPr lang="en-US" altLang="zh-CN" dirty="0">
-                <a:solidFill>
-                  <a:srgbClr val="B5CEA8"/>
-                </a:solidFill>
-                <a:latin typeface="Consolas" panose="020B0609020204030204" pitchFamily="49" charset="0"/>
-              </a:rPr>
-              <a:t>0</a:t>
-            </a:r>
-            <a:endParaRPr lang="en-US" altLang="zh-CN" dirty="0">
-              <a:solidFill>
-                <a:srgbClr val="D4D4D4"/>
-              </a:solidFill>
-              <a:latin typeface="Consolas" panose="020B0609020204030204" pitchFamily="49" charset="0"/>
-            </a:endParaRPr>
-          </a:p>
-          <a:p>
-            <a:r>
-              <a:rPr lang="en-US" altLang="zh-CN" dirty="0">
-                <a:solidFill>
-                  <a:srgbClr val="D4D4D4"/>
-                </a:solidFill>
-                <a:latin typeface="Consolas" panose="020B0609020204030204" pitchFamily="49" charset="0"/>
-              </a:rPr>
-              <a:t>    </a:t>
-            </a:r>
-            <a:r>
-              <a:rPr lang="en-US" altLang="zh-CN" dirty="0">
-                <a:solidFill>
-                  <a:srgbClr val="DCDCAA"/>
-                </a:solidFill>
-                <a:latin typeface="Consolas" panose="020B0609020204030204" pitchFamily="49" charset="0"/>
-              </a:rPr>
-              <a:t>print</a:t>
-            </a:r>
-            <a:r>
-              <a:rPr lang="en-US" altLang="zh-CN" dirty="0">
-                <a:solidFill>
-                  <a:srgbClr val="D4D4D4"/>
-                </a:solidFill>
-                <a:latin typeface="Consolas" panose="020B0609020204030204" pitchFamily="49" charset="0"/>
-              </a:rPr>
               <a:t>()</a:t>
             </a:r>
-          </a:p>
-          <a:p>
-            <a:r>
-              <a:rPr lang="en-US" altLang="zh-CN" dirty="0">
-                <a:solidFill>
-                  <a:srgbClr val="D4D4D4"/>
-                </a:solidFill>
-                <a:latin typeface="Consolas" panose="020B0609020204030204" pitchFamily="49" charset="0"/>
-              </a:rPr>
-              <a:t/>
-            </a:r>
-            <a:br>
-              <a:rPr lang="en-US" altLang="zh-CN" dirty="0">
-                <a:solidFill>
-                  <a:srgbClr val="D4D4D4"/>
-                </a:solidFill>
-                <a:latin typeface="Consolas" panose="020B0609020204030204" pitchFamily="49" charset="0"/>
-              </a:rPr>
-            </a:br>
-            <a:r>
-              <a:rPr lang="en-US" altLang="zh-CN" dirty="0">
-                <a:solidFill>
-                  <a:srgbClr val="C586C0"/>
-                </a:solidFill>
-                <a:latin typeface="Consolas" panose="020B0609020204030204" pitchFamily="49" charset="0"/>
-              </a:rPr>
-              <a:t>if</a:t>
-            </a:r>
-            <a:r>
-              <a:rPr lang="en-US" altLang="zh-CN" dirty="0">
-                <a:solidFill>
-                  <a:srgbClr val="D4D4D4"/>
-                </a:solidFill>
-                <a:latin typeface="Consolas" panose="020B0609020204030204" pitchFamily="49" charset="0"/>
-              </a:rPr>
-              <a:t> </a:t>
-            </a:r>
-            <a:r>
-              <a:rPr lang="en-US" altLang="zh-CN" dirty="0">
-                <a:solidFill>
-                  <a:srgbClr val="9CDCFE"/>
-                </a:solidFill>
-                <a:latin typeface="Consolas" panose="020B0609020204030204" pitchFamily="49" charset="0"/>
-              </a:rPr>
-              <a:t>__name__</a:t>
-            </a:r>
-            <a:r>
-              <a:rPr lang="en-US" altLang="zh-CN" dirty="0">
-                <a:solidFill>
-                  <a:srgbClr val="D4D4D4"/>
-                </a:solidFill>
-                <a:latin typeface="Consolas" panose="020B0609020204030204" pitchFamily="49" charset="0"/>
-              </a:rPr>
-              <a:t> == </a:t>
-            </a:r>
-            <a:r>
-              <a:rPr lang="en-US" altLang="zh-CN" dirty="0">
-                <a:solidFill>
-                  <a:srgbClr val="CE9178"/>
-                </a:solidFill>
-                <a:latin typeface="Consolas" panose="020B0609020204030204" pitchFamily="49" charset="0"/>
-              </a:rPr>
-              <a:t>'__main__'</a:t>
-            </a:r>
-            <a:r>
-              <a:rPr lang="en-US" altLang="zh-CN" dirty="0">
-                <a:solidFill>
-                  <a:srgbClr val="D4D4D4"/>
-                </a:solidFill>
-                <a:latin typeface="Consolas" panose="020B0609020204030204" pitchFamily="49" charset="0"/>
-              </a:rPr>
-              <a:t>:</a:t>
-            </a:r>
-          </a:p>
-          <a:p>
-            <a:r>
-              <a:rPr lang="en-US" altLang="zh-CN" dirty="0">
-                <a:solidFill>
-                  <a:srgbClr val="D4D4D4"/>
-                </a:solidFill>
-                <a:latin typeface="Consolas" panose="020B0609020204030204" pitchFamily="49" charset="0"/>
-              </a:rPr>
-              <a:t>    </a:t>
-            </a:r>
-            <a:r>
-              <a:rPr lang="en-US" altLang="zh-CN" dirty="0">
-                <a:solidFill>
-                  <a:srgbClr val="DCDCAA"/>
-                </a:solidFill>
-                <a:latin typeface="Consolas" panose="020B0609020204030204" pitchFamily="49" charset="0"/>
-              </a:rPr>
-              <a:t>print</a:t>
-            </a:r>
-            <a:r>
-              <a:rPr lang="en-US" altLang="zh-CN" dirty="0">
-                <a:solidFill>
-                  <a:srgbClr val="D4D4D4"/>
-                </a:solidFill>
-                <a:latin typeface="Consolas" panose="020B0609020204030204" pitchFamily="49" charset="0"/>
-              </a:rPr>
-              <a:t>(</a:t>
-            </a:r>
-            <a:r>
-              <a:rPr lang="en-US" altLang="zh-CN" dirty="0">
-                <a:solidFill>
-                  <a:srgbClr val="CE9178"/>
-                </a:solidFill>
-                <a:latin typeface="Consolas" panose="020B0609020204030204" pitchFamily="49" charset="0"/>
-              </a:rPr>
-              <a:t>"</a:t>
-            </a:r>
-            <a:r>
-              <a:rPr lang="zh-CN" altLang="en-US" dirty="0">
-                <a:solidFill>
-                  <a:srgbClr val="CE9178"/>
-                </a:solidFill>
-                <a:latin typeface="Consolas" panose="020B0609020204030204" pitchFamily="49" charset="0"/>
-              </a:rPr>
-              <a:t>以两种方式遍历</a:t>
-            </a:r>
-            <a:r>
-              <a:rPr lang="en-US" altLang="zh-CN" dirty="0" err="1">
-                <a:solidFill>
-                  <a:srgbClr val="CE9178"/>
-                </a:solidFill>
-                <a:latin typeface="Consolas" panose="020B0609020204030204" pitchFamily="49" charset="0"/>
-              </a:rPr>
-              <a:t>staName</a:t>
-            </a:r>
-            <a:r>
-              <a:rPr lang="zh-CN" altLang="en-US" dirty="0">
-                <a:solidFill>
-                  <a:srgbClr val="CE9178"/>
-                </a:solidFill>
-                <a:latin typeface="Consolas" panose="020B0609020204030204" pitchFamily="49" charset="0"/>
-              </a:rPr>
-              <a:t>列表</a:t>
-            </a:r>
-            <a:r>
-              <a:rPr lang="en-US" altLang="zh-CN" dirty="0">
-                <a:solidFill>
-                  <a:srgbClr val="CE9178"/>
-                </a:solidFill>
-                <a:latin typeface="Consolas" panose="020B0609020204030204" pitchFamily="49" charset="0"/>
-              </a:rPr>
-              <a:t>"</a:t>
-            </a:r>
-            <a:r>
-              <a:rPr lang="en-US" altLang="zh-CN" dirty="0">
-                <a:solidFill>
-                  <a:srgbClr val="D4D4D4"/>
-                </a:solidFill>
-                <a:latin typeface="Consolas" panose="020B0609020204030204" pitchFamily="49" charset="0"/>
-              </a:rPr>
-              <a:t>)</a:t>
-            </a:r>
-          </a:p>
-          <a:p>
-            <a:r>
-              <a:rPr lang="en-US" altLang="zh-CN" dirty="0">
-                <a:solidFill>
-                  <a:srgbClr val="D4D4D4"/>
-                </a:solidFill>
-                <a:latin typeface="Consolas" panose="020B0609020204030204" pitchFamily="49" charset="0"/>
-              </a:rPr>
-              <a:t>    </a:t>
-            </a:r>
-            <a:r>
-              <a:rPr lang="en-US" altLang="zh-CN" dirty="0">
-                <a:solidFill>
-                  <a:srgbClr val="C586C0"/>
-                </a:solidFill>
-                <a:latin typeface="Consolas" panose="020B0609020204030204" pitchFamily="49" charset="0"/>
-              </a:rPr>
-              <a:t>for</a:t>
-            </a:r>
-            <a:r>
-              <a:rPr lang="en-US" altLang="zh-CN" dirty="0">
-                <a:solidFill>
-                  <a:srgbClr val="D4D4D4"/>
-                </a:solidFill>
-                <a:latin typeface="Consolas" panose="020B0609020204030204" pitchFamily="49" charset="0"/>
-              </a:rPr>
-              <a:t> s </a:t>
-            </a:r>
-            <a:r>
-              <a:rPr lang="en-US" altLang="zh-CN" dirty="0">
-                <a:solidFill>
-                  <a:srgbClr val="C586C0"/>
-                </a:solidFill>
-                <a:latin typeface="Consolas" panose="020B0609020204030204" pitchFamily="49" charset="0"/>
-              </a:rPr>
-              <a:t>in</a:t>
-            </a:r>
-            <a:r>
-              <a:rPr lang="en-US" altLang="zh-CN" dirty="0">
-                <a:solidFill>
-                  <a:srgbClr val="D4D4D4"/>
-                </a:solidFill>
-                <a:latin typeface="Consolas" panose="020B0609020204030204" pitchFamily="49" charset="0"/>
-              </a:rPr>
-              <a:t> </a:t>
-            </a:r>
-            <a:r>
-              <a:rPr lang="en-US" altLang="zh-CN" dirty="0" err="1">
-                <a:solidFill>
-                  <a:srgbClr val="D4D4D4"/>
-                </a:solidFill>
-                <a:latin typeface="Consolas" panose="020B0609020204030204" pitchFamily="49" charset="0"/>
-              </a:rPr>
-              <a:t>staName</a:t>
-            </a:r>
-            <a:r>
-              <a:rPr lang="en-US" altLang="zh-CN" dirty="0">
-                <a:solidFill>
-                  <a:srgbClr val="D4D4D4"/>
-                </a:solidFill>
-                <a:latin typeface="Consolas" panose="020B0609020204030204" pitchFamily="49" charset="0"/>
-              </a:rPr>
-              <a:t>:</a:t>
-            </a:r>
-          </a:p>
-          <a:p>
-            <a:r>
-              <a:rPr lang="en-US" altLang="zh-CN" dirty="0">
-                <a:solidFill>
-                  <a:srgbClr val="D4D4D4"/>
-                </a:solidFill>
-                <a:latin typeface="Consolas" panose="020B0609020204030204" pitchFamily="49" charset="0"/>
-              </a:rPr>
-              <a:t>        </a:t>
-            </a:r>
-            <a:r>
-              <a:rPr lang="en-US" altLang="zh-CN" dirty="0">
-                <a:solidFill>
-                  <a:srgbClr val="DCDCAA"/>
-                </a:solidFill>
-                <a:latin typeface="Consolas" panose="020B0609020204030204" pitchFamily="49" charset="0"/>
-              </a:rPr>
-              <a:t>print</a:t>
-            </a:r>
-            <a:r>
-              <a:rPr lang="en-US" altLang="zh-CN" dirty="0">
-                <a:solidFill>
-                  <a:srgbClr val="D4D4D4"/>
-                </a:solidFill>
-                <a:latin typeface="Consolas" panose="020B0609020204030204" pitchFamily="49" charset="0"/>
-              </a:rPr>
-              <a:t>(s)</a:t>
-            </a:r>
-          </a:p>
-          <a:p>
-            <a:r>
-              <a:rPr lang="en-US" altLang="zh-CN" dirty="0">
-                <a:solidFill>
-                  <a:srgbClr val="D4D4D4"/>
-                </a:solidFill>
-                <a:latin typeface="Consolas" panose="020B0609020204030204" pitchFamily="49" charset="0"/>
-              </a:rPr>
-              <a:t>    </a:t>
-            </a:r>
-            <a:r>
-              <a:rPr lang="en-US" altLang="zh-CN" dirty="0">
-                <a:solidFill>
-                  <a:srgbClr val="C586C0"/>
-                </a:solidFill>
-                <a:latin typeface="Consolas" panose="020B0609020204030204" pitchFamily="49" charset="0"/>
-              </a:rPr>
-              <a:t>for</a:t>
-            </a:r>
-            <a:r>
-              <a:rPr lang="en-US" altLang="zh-CN" dirty="0">
-                <a:solidFill>
-                  <a:srgbClr val="D4D4D4"/>
-                </a:solidFill>
-                <a:latin typeface="Consolas" panose="020B0609020204030204" pitchFamily="49" charset="0"/>
-              </a:rPr>
-              <a:t> </a:t>
-            </a:r>
-            <a:r>
-              <a:rPr lang="en-US" altLang="zh-CN" dirty="0" err="1">
-                <a:solidFill>
-                  <a:srgbClr val="D4D4D4"/>
-                </a:solidFill>
-                <a:latin typeface="Consolas" panose="020B0609020204030204" pitchFamily="49" charset="0"/>
-              </a:rPr>
-              <a:t>i</a:t>
-            </a:r>
-            <a:r>
-              <a:rPr lang="en-US" altLang="zh-CN" dirty="0">
-                <a:solidFill>
-                  <a:srgbClr val="D4D4D4"/>
-                </a:solidFill>
-                <a:latin typeface="Consolas" panose="020B0609020204030204" pitchFamily="49" charset="0"/>
-              </a:rPr>
-              <a:t> </a:t>
-            </a:r>
-            <a:r>
-              <a:rPr lang="en-US" altLang="zh-CN" dirty="0">
-                <a:solidFill>
-                  <a:srgbClr val="C586C0"/>
-                </a:solidFill>
-                <a:latin typeface="Consolas" panose="020B0609020204030204" pitchFamily="49" charset="0"/>
-              </a:rPr>
-              <a:t>in</a:t>
-            </a:r>
-            <a:r>
-              <a:rPr lang="en-US" altLang="zh-CN" dirty="0">
-                <a:solidFill>
-                  <a:srgbClr val="D4D4D4"/>
-                </a:solidFill>
-                <a:latin typeface="Consolas" panose="020B0609020204030204" pitchFamily="49" charset="0"/>
-              </a:rPr>
-              <a:t> </a:t>
-            </a:r>
-            <a:r>
-              <a:rPr lang="en-US" altLang="zh-CN" dirty="0">
-                <a:solidFill>
-                  <a:srgbClr val="DCDCAA"/>
-                </a:solidFill>
-                <a:latin typeface="Consolas" panose="020B0609020204030204" pitchFamily="49" charset="0"/>
-              </a:rPr>
-              <a:t>range</a:t>
-            </a:r>
-            <a:r>
-              <a:rPr lang="en-US" altLang="zh-CN" dirty="0">
-                <a:solidFill>
-                  <a:srgbClr val="D4D4D4"/>
-                </a:solidFill>
-                <a:latin typeface="Consolas" panose="020B0609020204030204" pitchFamily="49" charset="0"/>
-              </a:rPr>
-              <a:t>(</a:t>
-            </a:r>
-            <a:r>
-              <a:rPr lang="en-US" altLang="zh-CN" dirty="0" err="1">
-                <a:solidFill>
-                  <a:srgbClr val="DCDCAA"/>
-                </a:solidFill>
-                <a:latin typeface="Consolas" panose="020B0609020204030204" pitchFamily="49" charset="0"/>
-              </a:rPr>
-              <a:t>len</a:t>
-            </a:r>
-            <a:r>
-              <a:rPr lang="en-US" altLang="zh-CN" dirty="0">
-                <a:solidFill>
-                  <a:srgbClr val="D4D4D4"/>
-                </a:solidFill>
-                <a:latin typeface="Consolas" panose="020B0609020204030204" pitchFamily="49" charset="0"/>
-              </a:rPr>
-              <a:t>(</a:t>
-            </a:r>
-            <a:r>
-              <a:rPr lang="en-US" altLang="zh-CN" dirty="0" err="1">
-                <a:solidFill>
-                  <a:srgbClr val="D4D4D4"/>
-                </a:solidFill>
-                <a:latin typeface="Consolas" panose="020B0609020204030204" pitchFamily="49" charset="0"/>
-              </a:rPr>
-              <a:t>staName</a:t>
-            </a:r>
-            <a:r>
-              <a:rPr lang="en-US" altLang="zh-CN" dirty="0">
-                <a:solidFill>
-                  <a:srgbClr val="D4D4D4"/>
-                </a:solidFill>
-                <a:latin typeface="Consolas" panose="020B0609020204030204" pitchFamily="49" charset="0"/>
-              </a:rPr>
-              <a:t>)):</a:t>
-            </a:r>
-          </a:p>
-          <a:p>
-            <a:r>
-              <a:rPr lang="en-US" altLang="zh-CN" dirty="0">
-                <a:solidFill>
-                  <a:srgbClr val="D4D4D4"/>
-                </a:solidFill>
-                <a:latin typeface="Consolas" panose="020B0609020204030204" pitchFamily="49" charset="0"/>
-              </a:rPr>
-              <a:t>        </a:t>
-            </a:r>
-            <a:r>
-              <a:rPr lang="en-US" altLang="zh-CN" dirty="0">
-                <a:solidFill>
-                  <a:srgbClr val="DCDCAA"/>
-                </a:solidFill>
-                <a:latin typeface="Consolas" panose="020B0609020204030204" pitchFamily="49" charset="0"/>
-              </a:rPr>
-              <a:t>print</a:t>
-            </a:r>
-            <a:r>
-              <a:rPr lang="en-US" altLang="zh-CN" dirty="0">
-                <a:solidFill>
-                  <a:srgbClr val="D4D4D4"/>
-                </a:solidFill>
-                <a:latin typeface="Consolas" panose="020B0609020204030204" pitchFamily="49" charset="0"/>
-              </a:rPr>
-              <a:t>(</a:t>
-            </a:r>
-            <a:r>
-              <a:rPr lang="en-US" altLang="zh-CN" dirty="0" err="1">
-                <a:solidFill>
-                  <a:srgbClr val="D4D4D4"/>
-                </a:solidFill>
-                <a:latin typeface="Consolas" panose="020B0609020204030204" pitchFamily="49" charset="0"/>
-              </a:rPr>
-              <a:t>i</a:t>
-            </a:r>
-            <a:r>
-              <a:rPr lang="en-US" altLang="zh-CN" dirty="0">
-                <a:solidFill>
-                  <a:srgbClr val="D4D4D4"/>
-                </a:solidFill>
-                <a:latin typeface="Consolas" panose="020B0609020204030204" pitchFamily="49" charset="0"/>
-              </a:rPr>
-              <a:t>,</a:t>
-            </a:r>
-            <a:r>
-              <a:rPr lang="en-US" altLang="zh-CN" dirty="0">
-                <a:solidFill>
-                  <a:srgbClr val="CE9178"/>
-                </a:solidFill>
-                <a:latin typeface="Consolas" panose="020B0609020204030204" pitchFamily="49" charset="0"/>
-              </a:rPr>
-              <a:t>':'</a:t>
-            </a:r>
-            <a:r>
-              <a:rPr lang="en-US" altLang="zh-CN" dirty="0">
-                <a:solidFill>
-                  <a:srgbClr val="D4D4D4"/>
-                </a:solidFill>
-                <a:latin typeface="Consolas" panose="020B0609020204030204" pitchFamily="49" charset="0"/>
-              </a:rPr>
-              <a:t>,</a:t>
-            </a:r>
-            <a:r>
-              <a:rPr lang="en-US" altLang="zh-CN" dirty="0" err="1">
-                <a:solidFill>
-                  <a:srgbClr val="D4D4D4"/>
-                </a:solidFill>
-                <a:latin typeface="Consolas" panose="020B0609020204030204" pitchFamily="49" charset="0"/>
-              </a:rPr>
-              <a:t>staName</a:t>
-            </a:r>
-            <a:r>
-              <a:rPr lang="en-US" altLang="zh-CN" dirty="0">
-                <a:solidFill>
-                  <a:srgbClr val="D4D4D4"/>
-                </a:solidFill>
-                <a:latin typeface="Consolas" panose="020B0609020204030204" pitchFamily="49" charset="0"/>
-              </a:rPr>
-              <a:t>[</a:t>
-            </a:r>
-            <a:r>
-              <a:rPr lang="en-US" altLang="zh-CN" dirty="0" err="1">
-                <a:solidFill>
-                  <a:srgbClr val="D4D4D4"/>
-                </a:solidFill>
-                <a:latin typeface="Consolas" panose="020B0609020204030204" pitchFamily="49" charset="0"/>
-              </a:rPr>
-              <a:t>i</a:t>
-            </a:r>
-            <a:r>
-              <a:rPr lang="en-US" altLang="zh-CN" dirty="0">
-                <a:solidFill>
-                  <a:srgbClr val="D4D4D4"/>
-                </a:solidFill>
-                <a:latin typeface="Consolas" panose="020B0609020204030204" pitchFamily="49" charset="0"/>
-              </a:rPr>
-              <a:t>])</a:t>
-            </a:r>
-          </a:p>
-          <a:p>
-            <a:r>
-              <a:rPr lang="en-US" altLang="zh-CN" dirty="0">
-                <a:solidFill>
-                  <a:srgbClr val="D4D4D4"/>
-                </a:solidFill>
-                <a:latin typeface="Consolas" panose="020B0609020204030204" pitchFamily="49" charset="0"/>
-              </a:rPr>
-              <a:t>    </a:t>
-            </a:r>
-            <a:r>
-              <a:rPr lang="en-US" altLang="zh-CN" dirty="0">
-                <a:solidFill>
-                  <a:srgbClr val="C586C0"/>
-                </a:solidFill>
-                <a:latin typeface="Consolas" panose="020B0609020204030204" pitchFamily="49" charset="0"/>
-              </a:rPr>
-              <a:t>while</a:t>
-            </a:r>
-            <a:r>
-              <a:rPr lang="en-US" altLang="zh-CN" dirty="0">
-                <a:solidFill>
-                  <a:srgbClr val="D4D4D4"/>
-                </a:solidFill>
-                <a:latin typeface="Consolas" panose="020B0609020204030204" pitchFamily="49" charset="0"/>
-              </a:rPr>
-              <a:t> </a:t>
-            </a:r>
-            <a:r>
-              <a:rPr lang="en-US" altLang="zh-CN" dirty="0" err="1">
-                <a:solidFill>
-                  <a:srgbClr val="D4D4D4"/>
-                </a:solidFill>
-                <a:latin typeface="Consolas" panose="020B0609020204030204" pitchFamily="49" charset="0"/>
-              </a:rPr>
-              <a:t>sta</a:t>
-            </a:r>
-            <a:r>
-              <a:rPr lang="en-US" altLang="zh-CN" dirty="0">
-                <a:solidFill>
-                  <a:srgbClr val="D4D4D4"/>
-                </a:solidFill>
-                <a:latin typeface="Consolas" panose="020B0609020204030204" pitchFamily="49" charset="0"/>
-              </a:rPr>
-              <a:t> == </a:t>
-            </a:r>
-            <a:r>
-              <a:rPr lang="en-US" altLang="zh-CN" dirty="0">
-                <a:solidFill>
-                  <a:srgbClr val="B5CEA8"/>
-                </a:solidFill>
-                <a:latin typeface="Consolas" panose="020B0609020204030204" pitchFamily="49" charset="0"/>
-              </a:rPr>
-              <a:t>0</a:t>
-            </a:r>
-            <a:r>
-              <a:rPr lang="en-US" altLang="zh-CN" dirty="0">
-                <a:solidFill>
-                  <a:srgbClr val="D4D4D4"/>
-                </a:solidFill>
-                <a:latin typeface="Consolas" panose="020B0609020204030204" pitchFamily="49" charset="0"/>
-              </a:rPr>
-              <a:t>:</a:t>
-            </a:r>
-          </a:p>
-          <a:p>
-            <a:r>
-              <a:rPr lang="en-US" altLang="zh-CN" dirty="0">
-                <a:solidFill>
-                  <a:srgbClr val="D4D4D4"/>
-                </a:solidFill>
-                <a:latin typeface="Consolas" panose="020B0609020204030204" pitchFamily="49" charset="0"/>
-              </a:rPr>
-              <a:t>        </a:t>
-            </a:r>
-            <a:r>
-              <a:rPr lang="en-US" altLang="zh-CN" dirty="0" err="1">
-                <a:solidFill>
-                  <a:srgbClr val="D4D4D4"/>
-                </a:solidFill>
-                <a:latin typeface="Consolas" panose="020B0609020204030204" pitchFamily="49" charset="0"/>
-              </a:rPr>
-              <a:t>printProgress</a:t>
-            </a:r>
-            <a:r>
-              <a:rPr lang="en-US" altLang="zh-CN" dirty="0" smtClean="0">
-                <a:solidFill>
-                  <a:srgbClr val="D4D4D4"/>
-                </a:solidFill>
-                <a:latin typeface="Consolas" panose="020B0609020204030204" pitchFamily="49" charset="0"/>
-              </a:rPr>
-              <a:t>()</a:t>
-            </a:r>
-            <a:endParaRPr lang="en-US" altLang="zh-CN" dirty="0">
-              <a:solidFill>
-                <a:srgbClr val="D4D4D4"/>
-              </a:solidFill>
-              <a:latin typeface="Consolas" panose="020B0609020204030204" pitchFamily="49" charset="0"/>
-            </a:endParaRPr>
           </a:p>
         </p:txBody>
       </p:sp>
@@ -6028,7 +5929,7 @@
           <a:lstStyle/>
           <a:p>
             <a:r>
-              <a:rPr lang="zh-CN" altLang="en-US" sz="3200" b="1" dirty="0" smtClean="0">
+              <a:rPr lang="zh-CN" altLang="en-US" sz="3200" b="1" dirty="0">
                 <a:solidFill>
                   <a:srgbClr val="0070C0"/>
                 </a:solidFill>
@@ -6037,13 +5938,6 @@
               </a:rPr>
               <a:t>作业</a:t>
             </a:r>
-            <a:endParaRPr lang="zh-CN" altLang="en-US" sz="3200" b="1" dirty="0">
-              <a:solidFill>
-                <a:srgbClr val="0070C0"/>
-              </a:solidFill>
-              <a:latin typeface="微软雅黑" panose="020B0503020204020204" pitchFamily="34" charset="-122"/>
-              <a:ea typeface="微软雅黑" panose="020B0503020204020204" pitchFamily="34" charset="-122"/>
-            </a:endParaRPr>
           </a:p>
         </p:txBody>
       </p:sp>
@@ -6094,315 +5988,295 @@
           <a:p>
             <a:pPr algn="ctr"/>
             <a:r>
-              <a:rPr lang="zh-CN" altLang="en-US" sz="2800" dirty="0" smtClean="0">
+              <a:rPr lang="zh-CN" altLang="en-US" sz="2800" dirty="0">
                 <a:latin typeface="微软雅黑" panose="020B0503020204020204" pitchFamily="34" charset="-122"/>
                 <a:ea typeface="微软雅黑" panose="020B0503020204020204" pitchFamily="34" charset="-122"/>
               </a:rPr>
               <a:t>自动登分册</a:t>
             </a:r>
-            <a:endParaRPr lang="en-US" altLang="zh-CN" sz="2800" dirty="0" smtClean="0">
+            <a:endParaRPr lang="en-US" altLang="zh-CN" sz="2800" dirty="0">
               <a:latin typeface="微软雅黑" panose="020B0503020204020204" pitchFamily="34" charset="-122"/>
               <a:ea typeface="微软雅黑" panose="020B0503020204020204" pitchFamily="34" charset="-122"/>
             </a:endParaRPr>
           </a:p>
           <a:p>
             <a:r>
-              <a:rPr lang="en-US" altLang="zh-CN" sz="2400" dirty="0" smtClean="0">
+              <a:rPr lang="en-US" altLang="zh-CN" sz="2400" dirty="0">
                 <a:latin typeface="微软雅黑" panose="020B0503020204020204" pitchFamily="34" charset="-122"/>
                 <a:ea typeface="微软雅黑" panose="020B0503020204020204" pitchFamily="34" charset="-122"/>
               </a:rPr>
               <a:t>1.</a:t>
             </a:r>
             <a:r>
-              <a:rPr lang="zh-CN" altLang="en-US" sz="2400" dirty="0" smtClean="0">
+              <a:rPr lang="zh-CN" altLang="en-US" sz="2400" dirty="0">
                 <a:latin typeface="微软雅黑" panose="020B0503020204020204" pitchFamily="34" charset="-122"/>
                 <a:ea typeface="微软雅黑" panose="020B0503020204020204" pitchFamily="34" charset="-122"/>
               </a:rPr>
               <a:t>背景</a:t>
             </a:r>
-            <a:endParaRPr lang="en-US" altLang="zh-CN" sz="2400" dirty="0" smtClean="0">
-              <a:latin typeface="微软雅黑" panose="020B0503020204020204" pitchFamily="34" charset="-122"/>
-              <a:ea typeface="微软雅黑" panose="020B0503020204020204" pitchFamily="34" charset="-122"/>
-            </a:endParaRPr>
-          </a:p>
-          <a:p>
-            <a:r>
-              <a:rPr lang="en-US" altLang="zh-CN" sz="2400" dirty="0" smtClean="0">
-                <a:latin typeface="微软雅黑" panose="020B0503020204020204" pitchFamily="34" charset="-122"/>
-                <a:ea typeface="微软雅黑" panose="020B0503020204020204" pitchFamily="34" charset="-122"/>
-              </a:rPr>
-              <a:t>     </a:t>
-            </a:r>
-            <a:r>
-              <a:rPr lang="zh-CN" altLang="en-US" dirty="0" smtClean="0">
-                <a:latin typeface="微软雅黑" panose="020B0503020204020204" pitchFamily="34" charset="-122"/>
-                <a:ea typeface="微软雅黑" panose="020B0503020204020204" pitchFamily="34" charset="-122"/>
-              </a:rPr>
-              <a:t>某班级学生名单存储在列表</a:t>
-            </a:r>
-            <a:r>
-              <a:rPr lang="en-US" altLang="zh-CN" dirty="0" smtClean="0">
-                <a:latin typeface="微软雅黑" panose="020B0503020204020204" pitchFamily="34" charset="-122"/>
-                <a:ea typeface="微软雅黑" panose="020B0503020204020204" pitchFamily="34" charset="-122"/>
-              </a:rPr>
-              <a:t>names</a:t>
-            </a:r>
-            <a:r>
-              <a:rPr lang="zh-CN" altLang="en-US" dirty="0" smtClean="0">
-                <a:latin typeface="微软雅黑" panose="020B0503020204020204" pitchFamily="34" charset="-122"/>
-                <a:ea typeface="微软雅黑" panose="020B0503020204020204" pitchFamily="34" charset="-122"/>
-              </a:rPr>
-              <a:t>中，制作一个自动登分册，登分册接受老师登记分数，并将登记的分数自动转换为优秀、及格、不及格三个等次，分数登记完毕后，自动打印所有同学的分数与等次</a:t>
-            </a:r>
-            <a:endParaRPr lang="en-US" altLang="zh-CN" dirty="0" smtClean="0">
-              <a:latin typeface="微软雅黑" panose="020B0503020204020204" pitchFamily="34" charset="-122"/>
-              <a:ea typeface="微软雅黑" panose="020B0503020204020204" pitchFamily="34" charset="-122"/>
-            </a:endParaRPr>
-          </a:p>
-          <a:p>
-            <a:r>
-              <a:rPr lang="en-US" altLang="zh-CN" sz="2400" dirty="0" smtClean="0">
-                <a:latin typeface="微软雅黑" panose="020B0503020204020204" pitchFamily="34" charset="-122"/>
-                <a:ea typeface="微软雅黑" panose="020B0503020204020204" pitchFamily="34" charset="-122"/>
-              </a:rPr>
-              <a:t>2.</a:t>
-            </a:r>
-            <a:r>
-              <a:rPr lang="zh-CN" altLang="en-US" sz="2400" dirty="0" smtClean="0">
-                <a:latin typeface="微软雅黑" panose="020B0503020204020204" pitchFamily="34" charset="-122"/>
-                <a:ea typeface="微软雅黑" panose="020B0503020204020204" pitchFamily="34" charset="-122"/>
-              </a:rPr>
-              <a:t>要求</a:t>
-            </a:r>
-            <a:endParaRPr lang="en-US" altLang="zh-CN" sz="2400" dirty="0" smtClean="0">
-              <a:latin typeface="微软雅黑" panose="020B0503020204020204" pitchFamily="34" charset="-122"/>
-              <a:ea typeface="微软雅黑" panose="020B0503020204020204" pitchFamily="34" charset="-122"/>
-            </a:endParaRPr>
-          </a:p>
-          <a:p>
-            <a:pPr lvl="0"/>
-            <a:r>
-              <a:rPr lang="zh-CN" altLang="en-US" dirty="0" smtClean="0">
-                <a:solidFill>
-                  <a:prstClr val="white"/>
-                </a:solidFill>
-                <a:latin typeface="微软雅黑" panose="020B0503020204020204" pitchFamily="34" charset="-122"/>
-                <a:ea typeface="微软雅黑" panose="020B0503020204020204" pitchFamily="34" charset="-122"/>
-              </a:rPr>
-              <a:t>      </a:t>
-            </a:r>
-            <a:r>
-              <a:rPr lang="en-US" altLang="zh-CN" dirty="0" smtClean="0">
-                <a:solidFill>
-                  <a:prstClr val="white"/>
-                </a:solidFill>
-                <a:latin typeface="微软雅黑" panose="020B0503020204020204" pitchFamily="34" charset="-122"/>
-                <a:ea typeface="微软雅黑" panose="020B0503020204020204" pitchFamily="34" charset="-122"/>
-              </a:rPr>
-              <a:t>(1) </a:t>
-            </a:r>
-            <a:r>
-              <a:rPr lang="zh-CN" altLang="en-US" dirty="0" smtClean="0">
-                <a:solidFill>
-                  <a:prstClr val="white"/>
-                </a:solidFill>
-                <a:latin typeface="微软雅黑" panose="020B0503020204020204" pitchFamily="34" charset="-122"/>
-                <a:ea typeface="微软雅黑" panose="020B0503020204020204" pitchFamily="34" charset="-122"/>
-              </a:rPr>
-              <a:t>程序运行时要求老师逐个登记分数</a:t>
-            </a:r>
-            <a:endParaRPr lang="en-US" altLang="zh-CN" dirty="0" smtClean="0">
-              <a:solidFill>
-                <a:prstClr val="white"/>
-              </a:solidFill>
-              <a:latin typeface="微软雅黑" panose="020B0503020204020204" pitchFamily="34" charset="-122"/>
-              <a:ea typeface="微软雅黑" panose="020B0503020204020204" pitchFamily="34" charset="-122"/>
-            </a:endParaRPr>
-          </a:p>
-          <a:p>
-            <a:pPr lvl="0"/>
-            <a:r>
-              <a:rPr lang="zh-CN" altLang="en-US" dirty="0">
-                <a:solidFill>
-                  <a:prstClr val="white"/>
-                </a:solidFill>
-                <a:latin typeface="微软雅黑" panose="020B0503020204020204" pitchFamily="34" charset="-122"/>
-                <a:ea typeface="微软雅黑" panose="020B0503020204020204" pitchFamily="34" charset="-122"/>
-              </a:rPr>
-              <a:t> </a:t>
-            </a:r>
-            <a:r>
-              <a:rPr lang="zh-CN" altLang="en-US" dirty="0" smtClean="0">
-                <a:solidFill>
-                  <a:prstClr val="white"/>
-                </a:solidFill>
-                <a:latin typeface="微软雅黑" panose="020B0503020204020204" pitchFamily="34" charset="-122"/>
-                <a:ea typeface="微软雅黑" panose="020B0503020204020204" pitchFamily="34" charset="-122"/>
-              </a:rPr>
-              <a:t>     </a:t>
-            </a:r>
-            <a:r>
-              <a:rPr lang="en-US" altLang="zh-CN" dirty="0" smtClean="0">
-                <a:solidFill>
-                  <a:prstClr val="white"/>
-                </a:solidFill>
-                <a:latin typeface="微软雅黑" panose="020B0503020204020204" pitchFamily="34" charset="-122"/>
-                <a:ea typeface="微软雅黑" panose="020B0503020204020204" pitchFamily="34" charset="-122"/>
-              </a:rPr>
-              <a:t>(2) </a:t>
-            </a:r>
-            <a:r>
-              <a:rPr lang="zh-CN" altLang="en-US" dirty="0" smtClean="0">
-                <a:solidFill>
-                  <a:prstClr val="white"/>
-                </a:solidFill>
-                <a:latin typeface="微软雅黑" panose="020B0503020204020204" pitchFamily="34" charset="-122"/>
-                <a:ea typeface="微软雅黑" panose="020B0503020204020204" pitchFamily="34" charset="-122"/>
-              </a:rPr>
-              <a:t>登记的分数要转换为等次，</a:t>
-            </a:r>
-            <a:r>
-              <a:rPr lang="en-US" altLang="zh-CN" dirty="0" smtClean="0">
-                <a:solidFill>
-                  <a:prstClr val="white"/>
-                </a:solidFill>
-                <a:latin typeface="微软雅黑" panose="020B0503020204020204" pitchFamily="34" charset="-122"/>
-                <a:ea typeface="微软雅黑" panose="020B0503020204020204" pitchFamily="34" charset="-122"/>
-              </a:rPr>
-              <a:t>8-10</a:t>
-            </a:r>
-            <a:r>
-              <a:rPr lang="zh-CN" altLang="en-US" dirty="0" smtClean="0">
-                <a:solidFill>
-                  <a:prstClr val="white"/>
-                </a:solidFill>
-                <a:latin typeface="微软雅黑" panose="020B0503020204020204" pitchFamily="34" charset="-122"/>
-                <a:ea typeface="微软雅黑" panose="020B0503020204020204" pitchFamily="34" charset="-122"/>
-              </a:rPr>
-              <a:t>分优秀，</a:t>
-            </a:r>
-            <a:r>
-              <a:rPr lang="en-US" altLang="zh-CN" dirty="0" smtClean="0">
-                <a:solidFill>
-                  <a:prstClr val="white"/>
-                </a:solidFill>
-                <a:latin typeface="微软雅黑" panose="020B0503020204020204" pitchFamily="34" charset="-122"/>
-                <a:ea typeface="微软雅黑" panose="020B0503020204020204" pitchFamily="34" charset="-122"/>
-              </a:rPr>
-              <a:t>6-8</a:t>
-            </a:r>
-            <a:r>
-              <a:rPr lang="zh-CN" altLang="en-US" dirty="0" smtClean="0">
-                <a:solidFill>
-                  <a:prstClr val="white"/>
-                </a:solidFill>
-                <a:latin typeface="微软雅黑" panose="020B0503020204020204" pitchFamily="34" charset="-122"/>
-                <a:ea typeface="微软雅黑" panose="020B0503020204020204" pitchFamily="34" charset="-122"/>
-              </a:rPr>
-              <a:t>分及格，</a:t>
-            </a:r>
-            <a:r>
-              <a:rPr lang="en-US" altLang="zh-CN" dirty="0" smtClean="0">
-                <a:solidFill>
-                  <a:prstClr val="white"/>
-                </a:solidFill>
-                <a:latin typeface="微软雅黑" panose="020B0503020204020204" pitchFamily="34" charset="-122"/>
-                <a:ea typeface="微软雅黑" panose="020B0503020204020204" pitchFamily="34" charset="-122"/>
-              </a:rPr>
-              <a:t>6</a:t>
-            </a:r>
-            <a:r>
-              <a:rPr lang="zh-CN" altLang="en-US" dirty="0" smtClean="0">
-                <a:solidFill>
-                  <a:prstClr val="white"/>
-                </a:solidFill>
-                <a:latin typeface="微软雅黑" panose="020B0503020204020204" pitchFamily="34" charset="-122"/>
-                <a:ea typeface="微软雅黑" panose="020B0503020204020204" pitchFamily="34" charset="-122"/>
-              </a:rPr>
-              <a:t>分以下不及格。分数和等次分别存储在两个列表中</a:t>
-            </a:r>
-            <a:endParaRPr lang="en-US" altLang="zh-CN" dirty="0" smtClean="0">
-              <a:solidFill>
-                <a:prstClr val="white"/>
-              </a:solidFill>
-              <a:latin typeface="微软雅黑" panose="020B0503020204020204" pitchFamily="34" charset="-122"/>
-              <a:ea typeface="微软雅黑" panose="020B0503020204020204" pitchFamily="34" charset="-122"/>
-            </a:endParaRPr>
-          </a:p>
-          <a:p>
-            <a:pPr lvl="0"/>
-            <a:r>
-              <a:rPr lang="en-US" altLang="zh-CN" dirty="0" smtClean="0">
-                <a:solidFill>
-                  <a:prstClr val="white"/>
-                </a:solidFill>
-                <a:latin typeface="微软雅黑" panose="020B0503020204020204" pitchFamily="34" charset="-122"/>
-                <a:ea typeface="微软雅黑" panose="020B0503020204020204" pitchFamily="34" charset="-122"/>
-              </a:rPr>
-              <a:t>      </a:t>
-            </a:r>
-            <a:r>
-              <a:rPr lang="en-US" altLang="zh-CN" dirty="0" smtClean="0">
-                <a:solidFill>
-                  <a:prstClr val="white"/>
-                </a:solidFill>
-                <a:latin typeface="微软雅黑" panose="020B0503020204020204" pitchFamily="34" charset="-122"/>
-                <a:ea typeface="微软雅黑" panose="020B0503020204020204" pitchFamily="34" charset="-122"/>
-              </a:rPr>
-              <a:t>(3) </a:t>
-            </a:r>
-            <a:r>
-              <a:rPr lang="zh-CN" altLang="en-US" dirty="0" smtClean="0">
-                <a:solidFill>
-                  <a:prstClr val="white"/>
-                </a:solidFill>
-                <a:latin typeface="微软雅黑" panose="020B0503020204020204" pitchFamily="34" charset="-122"/>
-                <a:ea typeface="微软雅黑" panose="020B0503020204020204" pitchFamily="34" charset="-122"/>
-              </a:rPr>
-              <a:t>所有分数登记完毕后自动打印出所有同学的分数与等次</a:t>
-            </a:r>
-            <a:endParaRPr lang="en-US" altLang="zh-CN" dirty="0" smtClean="0">
-              <a:solidFill>
-                <a:prstClr val="white"/>
-              </a:solidFill>
-              <a:latin typeface="微软雅黑" panose="020B0503020204020204" pitchFamily="34" charset="-122"/>
-              <a:ea typeface="微软雅黑" panose="020B0503020204020204" pitchFamily="34" charset="-122"/>
-            </a:endParaRPr>
-          </a:p>
-          <a:p>
-            <a:r>
-              <a:rPr lang="en-US" altLang="zh-CN" sz="2400" dirty="0" smtClean="0">
-                <a:latin typeface="微软雅黑" panose="020B0503020204020204" pitchFamily="34" charset="-122"/>
-                <a:ea typeface="微软雅黑" panose="020B0503020204020204" pitchFamily="34" charset="-122"/>
-              </a:rPr>
-              <a:t>3.</a:t>
-            </a:r>
-            <a:r>
-              <a:rPr lang="zh-CN" altLang="en-US" sz="2400" dirty="0" smtClean="0">
-                <a:latin typeface="微软雅黑" panose="020B0503020204020204" pitchFamily="34" charset="-122"/>
-                <a:ea typeface="微软雅黑" panose="020B0503020204020204" pitchFamily="34" charset="-122"/>
-              </a:rPr>
-              <a:t>输出结果</a:t>
-            </a:r>
-            <a:endParaRPr lang="en-US" altLang="zh-CN" sz="2400" dirty="0" smtClean="0">
-              <a:latin typeface="微软雅黑" panose="020B0503020204020204" pitchFamily="34" charset="-122"/>
-              <a:ea typeface="微软雅黑" panose="020B0503020204020204" pitchFamily="34" charset="-122"/>
-            </a:endParaRPr>
-          </a:p>
-          <a:p>
             <a:endParaRPr lang="en-US" altLang="zh-CN" sz="2400" dirty="0">
               <a:latin typeface="微软雅黑" panose="020B0503020204020204" pitchFamily="34" charset="-122"/>
               <a:ea typeface="微软雅黑" panose="020B0503020204020204" pitchFamily="34" charset="-122"/>
             </a:endParaRPr>
           </a:p>
           <a:p>
-            <a:endParaRPr lang="en-US" altLang="zh-CN" sz="2400" dirty="0" smtClean="0">
+            <a:r>
+              <a:rPr lang="en-US" altLang="zh-CN" sz="2400" dirty="0">
+                <a:latin typeface="微软雅黑" panose="020B0503020204020204" pitchFamily="34" charset="-122"/>
+                <a:ea typeface="微软雅黑" panose="020B0503020204020204" pitchFamily="34" charset="-122"/>
+              </a:rPr>
+              <a:t>     </a:t>
+            </a:r>
+            <a:r>
+              <a:rPr lang="zh-CN" altLang="en-US" dirty="0">
+                <a:latin typeface="微软雅黑" panose="020B0503020204020204" pitchFamily="34" charset="-122"/>
+                <a:ea typeface="微软雅黑" panose="020B0503020204020204" pitchFamily="34" charset="-122"/>
+              </a:rPr>
+              <a:t>某班级学生名单存储在列表</a:t>
+            </a:r>
+            <a:r>
+              <a:rPr lang="en-US" altLang="zh-CN" dirty="0">
+                <a:latin typeface="微软雅黑" panose="020B0503020204020204" pitchFamily="34" charset="-122"/>
+                <a:ea typeface="微软雅黑" panose="020B0503020204020204" pitchFamily="34" charset="-122"/>
+              </a:rPr>
+              <a:t>names</a:t>
+            </a:r>
+            <a:r>
+              <a:rPr lang="zh-CN" altLang="en-US" dirty="0">
+                <a:latin typeface="微软雅黑" panose="020B0503020204020204" pitchFamily="34" charset="-122"/>
+                <a:ea typeface="微软雅黑" panose="020B0503020204020204" pitchFamily="34" charset="-122"/>
+              </a:rPr>
+              <a:t>中，制作一个自动登分册，登分册接受老师登记分数，并将登记的分数自动转换为优秀、及格、不及格三个等次，分数登记完毕后，自动打印所有同学的分数与等次</a:t>
+            </a:r>
+            <a:endParaRPr lang="en-US" altLang="zh-CN" dirty="0">
               <a:latin typeface="微软雅黑" panose="020B0503020204020204" pitchFamily="34" charset="-122"/>
               <a:ea typeface="微软雅黑" panose="020B0503020204020204" pitchFamily="34" charset="-122"/>
             </a:endParaRPr>
           </a:p>
           <a:p>
-            <a:endParaRPr lang="en-US" altLang="zh-CN" sz="2400" dirty="0" smtClean="0">
+            <a:r>
+              <a:rPr lang="en-US" altLang="zh-CN" sz="2400" dirty="0">
+                <a:latin typeface="微软雅黑" panose="020B0503020204020204" pitchFamily="34" charset="-122"/>
+                <a:ea typeface="微软雅黑" panose="020B0503020204020204" pitchFamily="34" charset="-122"/>
+              </a:rPr>
+              <a:t>2.</a:t>
+            </a:r>
+            <a:r>
+              <a:rPr lang="zh-CN" altLang="en-US" sz="2400" dirty="0">
+                <a:latin typeface="微软雅黑" panose="020B0503020204020204" pitchFamily="34" charset="-122"/>
+                <a:ea typeface="微软雅黑" panose="020B0503020204020204" pitchFamily="34" charset="-122"/>
+              </a:rPr>
+              <a:t>要求</a:t>
+            </a:r>
+            <a:endParaRPr lang="en-US" altLang="zh-CN" sz="2400" dirty="0">
+              <a:latin typeface="微软雅黑" panose="020B0503020204020204" pitchFamily="34" charset="-122"/>
+              <a:ea typeface="微软雅黑" panose="020B0503020204020204" pitchFamily="34" charset="-122"/>
+            </a:endParaRPr>
+          </a:p>
+          <a:p>
+            <a:pPr lvl="0"/>
+            <a:r>
+              <a:rPr lang="zh-CN" altLang="en-US" dirty="0">
+                <a:solidFill>
+                  <a:prstClr val="white"/>
+                </a:solidFill>
+                <a:latin typeface="微软雅黑" panose="020B0503020204020204" pitchFamily="34" charset="-122"/>
+                <a:ea typeface="微软雅黑" panose="020B0503020204020204" pitchFamily="34" charset="-122"/>
+              </a:rPr>
+              <a:t>      </a:t>
+            </a:r>
+            <a:r>
+              <a:rPr lang="en-US" altLang="zh-CN" dirty="0">
+                <a:solidFill>
+                  <a:prstClr val="white"/>
+                </a:solidFill>
+                <a:latin typeface="微软雅黑" panose="020B0503020204020204" pitchFamily="34" charset="-122"/>
+                <a:ea typeface="微软雅黑" panose="020B0503020204020204" pitchFamily="34" charset="-122"/>
+              </a:rPr>
+              <a:t>(1) </a:t>
+            </a:r>
+            <a:r>
+              <a:rPr lang="zh-CN" altLang="en-US" dirty="0">
+                <a:solidFill>
+                  <a:prstClr val="white"/>
+                </a:solidFill>
+                <a:latin typeface="微软雅黑" panose="020B0503020204020204" pitchFamily="34" charset="-122"/>
+                <a:ea typeface="微软雅黑" panose="020B0503020204020204" pitchFamily="34" charset="-122"/>
+              </a:rPr>
+              <a:t>程序运行时要求老师逐个登记分数</a:t>
+            </a:r>
+            <a:endParaRPr lang="en-US" altLang="zh-CN" dirty="0">
+              <a:solidFill>
+                <a:prstClr val="white"/>
+              </a:solidFill>
+              <a:latin typeface="微软雅黑" panose="020B0503020204020204" pitchFamily="34" charset="-122"/>
+              <a:ea typeface="微软雅黑" panose="020B0503020204020204" pitchFamily="34" charset="-122"/>
+            </a:endParaRPr>
+          </a:p>
+          <a:p>
+            <a:pPr lvl="0"/>
+            <a:r>
+              <a:rPr lang="zh-CN" altLang="en-US" dirty="0">
+                <a:solidFill>
+                  <a:prstClr val="white"/>
+                </a:solidFill>
+                <a:latin typeface="微软雅黑" panose="020B0503020204020204" pitchFamily="34" charset="-122"/>
+                <a:ea typeface="微软雅黑" panose="020B0503020204020204" pitchFamily="34" charset="-122"/>
+              </a:rPr>
+              <a:t>      </a:t>
+            </a:r>
+            <a:r>
+              <a:rPr lang="en-US" altLang="zh-CN" dirty="0">
+                <a:solidFill>
+                  <a:prstClr val="white"/>
+                </a:solidFill>
+                <a:latin typeface="微软雅黑" panose="020B0503020204020204" pitchFamily="34" charset="-122"/>
+                <a:ea typeface="微软雅黑" panose="020B0503020204020204" pitchFamily="34" charset="-122"/>
+              </a:rPr>
+              <a:t>(2) </a:t>
+            </a:r>
+            <a:r>
+              <a:rPr lang="zh-CN" altLang="en-US" dirty="0">
+                <a:solidFill>
+                  <a:prstClr val="white"/>
+                </a:solidFill>
+                <a:latin typeface="微软雅黑" panose="020B0503020204020204" pitchFamily="34" charset="-122"/>
+                <a:ea typeface="微软雅黑" panose="020B0503020204020204" pitchFamily="34" charset="-122"/>
+              </a:rPr>
+              <a:t>登记的分数要转换为等次，</a:t>
+            </a:r>
+            <a:r>
+              <a:rPr lang="en-US" altLang="zh-CN" dirty="0">
+                <a:solidFill>
+                  <a:prstClr val="white"/>
+                </a:solidFill>
+                <a:latin typeface="微软雅黑" panose="020B0503020204020204" pitchFamily="34" charset="-122"/>
+                <a:ea typeface="微软雅黑" panose="020B0503020204020204" pitchFamily="34" charset="-122"/>
+              </a:rPr>
+              <a:t>8-10</a:t>
+            </a:r>
+            <a:r>
+              <a:rPr lang="zh-CN" altLang="en-US" dirty="0">
+                <a:solidFill>
+                  <a:prstClr val="white"/>
+                </a:solidFill>
+                <a:latin typeface="微软雅黑" panose="020B0503020204020204" pitchFamily="34" charset="-122"/>
+                <a:ea typeface="微软雅黑" panose="020B0503020204020204" pitchFamily="34" charset="-122"/>
+              </a:rPr>
+              <a:t>分优秀，</a:t>
+            </a:r>
+            <a:r>
+              <a:rPr lang="en-US" altLang="zh-CN" dirty="0">
+                <a:solidFill>
+                  <a:prstClr val="white"/>
+                </a:solidFill>
+                <a:latin typeface="微软雅黑" panose="020B0503020204020204" pitchFamily="34" charset="-122"/>
+                <a:ea typeface="微软雅黑" panose="020B0503020204020204" pitchFamily="34" charset="-122"/>
+              </a:rPr>
+              <a:t>6-8</a:t>
+            </a:r>
+            <a:r>
+              <a:rPr lang="zh-CN" altLang="en-US" dirty="0">
+                <a:solidFill>
+                  <a:prstClr val="white"/>
+                </a:solidFill>
+                <a:latin typeface="微软雅黑" panose="020B0503020204020204" pitchFamily="34" charset="-122"/>
+                <a:ea typeface="微软雅黑" panose="020B0503020204020204" pitchFamily="34" charset="-122"/>
+              </a:rPr>
+              <a:t>分及格，</a:t>
+            </a:r>
+            <a:r>
+              <a:rPr lang="en-US" altLang="zh-CN" dirty="0">
+                <a:solidFill>
+                  <a:prstClr val="white"/>
+                </a:solidFill>
+                <a:latin typeface="微软雅黑" panose="020B0503020204020204" pitchFamily="34" charset="-122"/>
+                <a:ea typeface="微软雅黑" panose="020B0503020204020204" pitchFamily="34" charset="-122"/>
+              </a:rPr>
+              <a:t>6</a:t>
+            </a:r>
+            <a:r>
+              <a:rPr lang="zh-CN" altLang="en-US" dirty="0">
+                <a:solidFill>
+                  <a:prstClr val="white"/>
+                </a:solidFill>
+                <a:latin typeface="微软雅黑" panose="020B0503020204020204" pitchFamily="34" charset="-122"/>
+                <a:ea typeface="微软雅黑" panose="020B0503020204020204" pitchFamily="34" charset="-122"/>
+              </a:rPr>
+              <a:t>分以下不及格。分数和等次分别存储在两个列表中</a:t>
+            </a:r>
+            <a:endParaRPr lang="en-US" altLang="zh-CN" dirty="0">
+              <a:solidFill>
+                <a:prstClr val="white"/>
+              </a:solidFill>
+              <a:latin typeface="微软雅黑" panose="020B0503020204020204" pitchFamily="34" charset="-122"/>
+              <a:ea typeface="微软雅黑" panose="020B0503020204020204" pitchFamily="34" charset="-122"/>
+            </a:endParaRPr>
+          </a:p>
+          <a:p>
+            <a:pPr lvl="0"/>
+            <a:r>
+              <a:rPr lang="en-US" altLang="zh-CN" dirty="0">
+                <a:solidFill>
+                  <a:prstClr val="white"/>
+                </a:solidFill>
+                <a:latin typeface="微软雅黑" panose="020B0503020204020204" pitchFamily="34" charset="-122"/>
+                <a:ea typeface="微软雅黑" panose="020B0503020204020204" pitchFamily="34" charset="-122"/>
+              </a:rPr>
+              <a:t>      (3) </a:t>
+            </a:r>
+            <a:r>
+              <a:rPr lang="zh-CN" altLang="en-US" dirty="0">
+                <a:solidFill>
+                  <a:prstClr val="white"/>
+                </a:solidFill>
+                <a:latin typeface="微软雅黑" panose="020B0503020204020204" pitchFamily="34" charset="-122"/>
+                <a:ea typeface="微软雅黑" panose="020B0503020204020204" pitchFamily="34" charset="-122"/>
+              </a:rPr>
+              <a:t>所有分数登记完毕后自动打印出所有同学的分数与等次</a:t>
+            </a:r>
+            <a:endParaRPr lang="en-US" altLang="zh-CN" dirty="0">
+              <a:solidFill>
+                <a:prstClr val="white"/>
+              </a:solidFill>
+              <a:latin typeface="微软雅黑" panose="020B0503020204020204" pitchFamily="34" charset="-122"/>
+              <a:ea typeface="微软雅黑" panose="020B0503020204020204" pitchFamily="34" charset="-122"/>
+            </a:endParaRPr>
+          </a:p>
+          <a:p>
+            <a:r>
+              <a:rPr lang="en-US" altLang="zh-CN" sz="2400" dirty="0">
+                <a:latin typeface="微软雅黑" panose="020B0503020204020204" pitchFamily="34" charset="-122"/>
+                <a:ea typeface="微软雅黑" panose="020B0503020204020204" pitchFamily="34" charset="-122"/>
+              </a:rPr>
+              <a:t>3.</a:t>
+            </a:r>
+            <a:r>
+              <a:rPr lang="zh-CN" altLang="en-US" sz="2400" dirty="0">
+                <a:latin typeface="微软雅黑" panose="020B0503020204020204" pitchFamily="34" charset="-122"/>
+                <a:ea typeface="微软雅黑" panose="020B0503020204020204" pitchFamily="34" charset="-122"/>
+              </a:rPr>
+              <a:t>输出结果</a:t>
+            </a:r>
+            <a:endParaRPr lang="en-US" altLang="zh-CN" sz="2400" dirty="0">
+              <a:latin typeface="微软雅黑" panose="020B0503020204020204" pitchFamily="34" charset="-122"/>
+              <a:ea typeface="微软雅黑" panose="020B0503020204020204" pitchFamily="34" charset="-122"/>
+            </a:endParaRPr>
+          </a:p>
+          <a:p>
+            <a:endParaRPr lang="en-US" altLang="zh-CN" sz="2400" dirty="0">
+              <a:latin typeface="微软雅黑" panose="020B0503020204020204" pitchFamily="34" charset="-122"/>
+              <a:ea typeface="微软雅黑" panose="020B0503020204020204" pitchFamily="34" charset="-122"/>
+            </a:endParaRPr>
+          </a:p>
+          <a:p>
+            <a:endParaRPr lang="en-US" altLang="zh-CN" sz="2400" dirty="0">
+              <a:latin typeface="微软雅黑" panose="020B0503020204020204" pitchFamily="34" charset="-122"/>
+              <a:ea typeface="微软雅黑" panose="020B0503020204020204" pitchFamily="34" charset="-122"/>
+            </a:endParaRPr>
+          </a:p>
+          <a:p>
+            <a:endParaRPr lang="en-US" altLang="zh-CN" sz="2400" dirty="0">
               <a:latin typeface="微软雅黑" panose="020B0503020204020204" pitchFamily="34" charset="-122"/>
               <a:ea typeface="微软雅黑" panose="020B0503020204020204" pitchFamily="34" charset="-122"/>
             </a:endParaRPr>
@@ -6514,7 +6388,7 @@
           <a:lstStyle/>
           <a:p>
             <a:r>
-              <a:rPr lang="zh-CN" altLang="en-US" sz="3200" b="1" dirty="0" smtClean="0">
+              <a:rPr lang="zh-CN" altLang="en-US" sz="3200" b="1" dirty="0">
                 <a:solidFill>
                   <a:srgbClr val="0070C0"/>
                 </a:solidFill>
@@ -6524,7 +6398,7 @@
               <a:t>入门</a:t>
             </a:r>
             <a:r>
-              <a:rPr lang="en-US" altLang="zh-CN" sz="3200" b="1" dirty="0" smtClean="0">
+              <a:rPr lang="en-US" altLang="zh-CN" sz="3200" b="1" dirty="0">
                 <a:solidFill>
                   <a:srgbClr val="0070C0"/>
                 </a:solidFill>
@@ -6534,7 +6408,7 @@
               <a:t>-Print</a:t>
             </a:r>
             <a:r>
-              <a:rPr lang="zh-CN" altLang="en-US" sz="3200" b="1" dirty="0" smtClean="0">
+              <a:rPr lang="zh-CN" altLang="en-US" sz="3200" b="1" dirty="0">
                 <a:solidFill>
                   <a:srgbClr val="0070C0"/>
                 </a:solidFill>
@@ -6572,15 +6446,15 @@
           <a:bodyPr/>
           <a:lstStyle/>
           <a:p>
-            <a:endParaRPr lang="en-US" altLang="zh-CN" sz="1400" dirty="0" smtClean="0">
-              <a:solidFill>
-                <a:schemeClr val="bg1"/>
-              </a:solidFill>
-            </a:endParaRPr>
-          </a:p>
-          <a:p>
-            <a:r>
-              <a:rPr lang="zh-CN" altLang="en-US" dirty="0" smtClean="0">
+            <a:endParaRPr lang="en-US" altLang="zh-CN" sz="1400" dirty="0">
+              <a:solidFill>
+                <a:schemeClr val="bg1"/>
+              </a:solidFill>
+            </a:endParaRPr>
+          </a:p>
+          <a:p>
+            <a:r>
+              <a:rPr lang="zh-CN" altLang="en-US" dirty="0">
                 <a:solidFill>
                   <a:schemeClr val="bg1"/>
                 </a:solidFill>
@@ -6588,7 +6462,7 @@
               <a:t>输出函数</a:t>
             </a:r>
             <a:r>
-              <a:rPr lang="en-US" altLang="zh-CN" dirty="0" smtClean="0">
+              <a:rPr lang="en-US" altLang="zh-CN" dirty="0">
                 <a:solidFill>
                   <a:schemeClr val="bg1"/>
                 </a:solidFill>
@@ -6606,7 +6480,7 @@
           </a:p>
           <a:p>
             <a:pPr lvl="1"/>
-            <a:endParaRPr lang="en-US" altLang="zh-CN" dirty="0" smtClean="0">
+            <a:endParaRPr lang="en-US" altLang="zh-CN" dirty="0">
               <a:solidFill>
                 <a:schemeClr val="bg1"/>
               </a:solidFill>
@@ -6614,7 +6488,7 @@
           </a:p>
           <a:p>
             <a:pPr lvl="1"/>
-            <a:endParaRPr lang="en-US" altLang="zh-CN" dirty="0" smtClean="0">
+            <a:endParaRPr lang="en-US" altLang="zh-CN" dirty="0">
               <a:solidFill>
                 <a:schemeClr val="bg1"/>
               </a:solidFill>
@@ -6623,7 +6497,7 @@
           <a:p>
             <a:pPr lvl="1"/>
             <a:r>
-              <a:rPr lang="en-US" altLang="zh-CN" dirty="0" smtClean="0">
+              <a:rPr lang="en-US" altLang="zh-CN" dirty="0">
                 <a:solidFill>
                   <a:schemeClr val="bg1"/>
                 </a:solidFill>
@@ -6631,7 +6505,7 @@
               <a:t>print</a:t>
             </a:r>
             <a:r>
-              <a:rPr lang="zh-CN" altLang="en-US" dirty="0" smtClean="0">
+              <a:rPr lang="zh-CN" altLang="en-US" dirty="0">
                 <a:solidFill>
                   <a:schemeClr val="bg1"/>
                 </a:solidFill>
@@ -6647,14 +6521,14 @@
           <a:p>
             <a:pPr lvl="1"/>
             <a:r>
-              <a:rPr lang="zh-CN" altLang="en-US" dirty="0" smtClean="0">
+              <a:rPr lang="zh-CN" altLang="en-US" dirty="0">
                 <a:solidFill>
                   <a:schemeClr val="bg1"/>
                 </a:solidFill>
               </a:rPr>
               <a:t>字符串</a:t>
             </a:r>
-            <a:endParaRPr lang="en-US" altLang="zh-CN" dirty="0" smtClean="0">
+            <a:endParaRPr lang="en-US" altLang="zh-CN" dirty="0">
               <a:solidFill>
                 <a:schemeClr val="bg1"/>
               </a:solidFill>
@@ -6666,31 +6540,15 @@
               <a:buAutoNum type="arabicPeriod"/>
             </a:pPr>
             <a:r>
-              <a:rPr lang="zh-CN" altLang="en-US" dirty="0" smtClean="0">
-                <a:solidFill>
-                  <a:schemeClr val="bg1"/>
-                </a:solidFill>
-              </a:rPr>
-              <a:t>字符串</a:t>
-            </a:r>
-            <a:r>
               <a:rPr lang="zh-CN" altLang="en-US" dirty="0">
                 <a:solidFill>
                   <a:schemeClr val="bg1"/>
                 </a:solidFill>
               </a:rPr>
-              <a:t>可以用</a:t>
-            </a:r>
-            <a:r>
-              <a:rPr lang="zh-CN" altLang="en-US" dirty="0" smtClean="0">
-                <a:solidFill>
-                  <a:schemeClr val="bg1"/>
-                </a:solidFill>
-              </a:rPr>
-              <a:t>单引号</a:t>
-            </a:r>
-            <a:r>
-              <a:rPr lang="en-US" altLang="zh-CN" dirty="0" smtClean="0">
+              <a:t>字符串可以用单引号</a:t>
+            </a:r>
+            <a:r>
+              <a:rPr lang="en-US" altLang="zh-CN" dirty="0">
                 <a:solidFill>
                   <a:schemeClr val="bg1"/>
                 </a:solidFill>
@@ -6698,7 +6556,7 @@
               <a:t>’</a:t>
             </a:r>
             <a:r>
-              <a:rPr lang="en-US" altLang="zh-CN" dirty="0" err="1" smtClean="0">
+              <a:rPr lang="en-US" altLang="zh-CN" dirty="0" err="1">
                 <a:solidFill>
                   <a:schemeClr val="bg1"/>
                 </a:solidFill>
@@ -6706,7 +6564,7 @@
               <a:t>str</a:t>
             </a:r>
             <a:r>
-              <a:rPr lang="en-US" altLang="zh-CN" dirty="0" smtClean="0">
+              <a:rPr lang="en-US" altLang="zh-CN" dirty="0">
                 <a:solidFill>
                   <a:schemeClr val="bg1"/>
                 </a:solidFill>
@@ -6714,7 +6572,7 @@
               <a:t>’</a:t>
             </a:r>
             <a:r>
-              <a:rPr lang="zh-CN" altLang="en-US" dirty="0" smtClean="0">
+              <a:rPr lang="zh-CN" altLang="en-US" dirty="0">
                 <a:solidFill>
                   <a:schemeClr val="bg1"/>
                 </a:solidFill>
@@ -6722,7 +6580,7 @@
               <a:t>或双引号</a:t>
             </a:r>
             <a:r>
-              <a:rPr lang="en-US" altLang="zh-CN" dirty="0" smtClean="0">
+              <a:rPr lang="en-US" altLang="zh-CN" dirty="0">
                 <a:solidFill>
                   <a:schemeClr val="bg1"/>
                 </a:solidFill>
@@ -6730,7 +6588,7 @@
               <a:t>”</a:t>
             </a:r>
             <a:r>
-              <a:rPr lang="en-US" altLang="zh-CN" dirty="0" err="1" smtClean="0">
+              <a:rPr lang="en-US" altLang="zh-CN" dirty="0" err="1">
                 <a:solidFill>
                   <a:schemeClr val="bg1"/>
                 </a:solidFill>
@@ -6738,7 +6596,7 @@
               <a:t>str</a:t>
             </a:r>
             <a:r>
-              <a:rPr lang="en-US" altLang="zh-CN" dirty="0" smtClean="0">
+              <a:rPr lang="en-US" altLang="zh-CN" dirty="0">
                 <a:solidFill>
                   <a:schemeClr val="bg1"/>
                 </a:solidFill>
@@ -6746,14 +6604,14 @@
               <a:t>”</a:t>
             </a:r>
             <a:r>
-              <a:rPr lang="zh-CN" altLang="en-US" dirty="0" smtClean="0">
+              <a:rPr lang="zh-CN" altLang="en-US" dirty="0">
                 <a:solidFill>
                   <a:schemeClr val="bg1"/>
                 </a:solidFill>
               </a:rPr>
               <a:t>包括</a:t>
             </a:r>
-            <a:endParaRPr lang="en-US" altLang="zh-CN" dirty="0" smtClean="0">
+            <a:endParaRPr lang="en-US" altLang="zh-CN" dirty="0">
               <a:solidFill>
                 <a:schemeClr val="bg1"/>
               </a:solidFill>
@@ -6765,20 +6623,12 @@
               <a:buAutoNum type="arabicPeriod"/>
             </a:pPr>
             <a:r>
-              <a:rPr lang="zh-CN" altLang="en-US" dirty="0" smtClean="0">
-                <a:solidFill>
-                  <a:schemeClr val="bg1"/>
-                </a:solidFill>
-              </a:rPr>
-              <a:t>转义字符</a:t>
-            </a:r>
-            <a:r>
               <a:rPr lang="zh-CN" altLang="en-US" dirty="0">
                 <a:solidFill>
                   <a:schemeClr val="bg1"/>
                 </a:solidFill>
               </a:rPr>
-              <a:t>与</a:t>
+              <a:t>转义字符与</a:t>
             </a:r>
             <a:r>
               <a:rPr lang="en-US" altLang="zh-CN" dirty="0">
@@ -6789,7 +6639,7 @@
               <a:t>C</a:t>
             </a:r>
             <a:r>
-              <a:rPr lang="zh-CN" altLang="en-US" dirty="0" smtClean="0">
+              <a:rPr lang="zh-CN" altLang="en-US" dirty="0">
                 <a:solidFill>
                   <a:schemeClr val="bg1"/>
                 </a:solidFill>
@@ -6797,7 +6647,7 @@
               <a:t>相同 </a:t>
             </a:r>
             <a:r>
-              <a:rPr lang="en-US" altLang="zh-CN" dirty="0" smtClean="0">
+              <a:rPr lang="en-US" altLang="zh-CN" dirty="0">
                 <a:solidFill>
                   <a:schemeClr val="bg1"/>
                 </a:solidFill>
@@ -6805,14 +6655,14 @@
               <a:t>\r \n</a:t>
             </a:r>
             <a:r>
-              <a:rPr lang="zh-CN" altLang="en-US" dirty="0" smtClean="0">
+              <a:rPr lang="zh-CN" altLang="en-US" dirty="0">
                 <a:solidFill>
                   <a:schemeClr val="bg1"/>
                 </a:solidFill>
               </a:rPr>
               <a:t> </a:t>
             </a:r>
-            <a:endParaRPr lang="en-US" altLang="zh-CN" dirty="0" smtClean="0">
+            <a:endParaRPr lang="en-US" altLang="zh-CN" dirty="0">
               <a:solidFill>
                 <a:schemeClr val="bg1"/>
               </a:solidFill>
@@ -6824,31 +6674,15 @@
               <a:buAutoNum type="arabicPeriod"/>
             </a:pPr>
             <a:r>
-              <a:rPr lang="zh-CN" altLang="en-US" dirty="0" smtClean="0">
-                <a:solidFill>
-                  <a:schemeClr val="bg1"/>
-                </a:solidFill>
-              </a:rPr>
-              <a:t>合理</a:t>
-            </a:r>
-            <a:r>
               <a:rPr lang="zh-CN" altLang="en-US" dirty="0">
                 <a:solidFill>
                   <a:schemeClr val="bg1"/>
                 </a:solidFill>
               </a:rPr>
-              <a:t>使用单引号和双引号可以避免使用一些</a:t>
-            </a:r>
-            <a:r>
-              <a:rPr lang="zh-CN" altLang="en-US" dirty="0" smtClean="0">
-                <a:solidFill>
-                  <a:schemeClr val="bg1"/>
-                </a:solidFill>
-              </a:rPr>
-              <a:t>转义字符，例如 </a:t>
-            </a:r>
-            <a:r>
-              <a:rPr lang="en-US" altLang="zh-CN" dirty="0" smtClean="0">
+              <a:t>合理使用单引号和双引号可以避免使用一些转义字符，例如 </a:t>
+            </a:r>
+            <a:r>
+              <a:rPr lang="en-US" altLang="zh-CN" dirty="0">
                 <a:solidFill>
                   <a:schemeClr val="bg1"/>
                 </a:solidFill>
@@ -6856,7 +6690,7 @@
               <a:t>’</a:t>
             </a:r>
             <a:r>
-              <a:rPr lang="zh-CN" altLang="en-US" dirty="0" smtClean="0">
+              <a:rPr lang="zh-CN" altLang="en-US" dirty="0">
                 <a:solidFill>
                   <a:schemeClr val="bg1"/>
                 </a:solidFill>
@@ -6864,7 +6698,7 @@
               <a:t>使用</a:t>
             </a:r>
             <a:r>
-              <a:rPr lang="en-US" altLang="zh-CN" dirty="0" smtClean="0">
+              <a:rPr lang="en-US" altLang="zh-CN" dirty="0">
                 <a:solidFill>
                   <a:schemeClr val="bg1"/>
                 </a:solidFill>
@@ -6872,7 +6706,7 @@
               <a:t>”</a:t>
             </a:r>
             <a:r>
-              <a:rPr lang="zh-CN" altLang="en-US" dirty="0" smtClean="0">
+              <a:rPr lang="zh-CN" altLang="en-US" dirty="0">
                 <a:solidFill>
                   <a:schemeClr val="bg1"/>
                 </a:solidFill>
@@ -6880,38 +6714,33 @@
               <a:t>双引号</a:t>
             </a:r>
             <a:r>
-              <a:rPr lang="en-US" altLang="zh-CN" dirty="0" smtClean="0">
+              <a:rPr lang="en-US" altLang="zh-CN" dirty="0">
                 <a:solidFill>
                   <a:schemeClr val="bg1"/>
                 </a:solidFill>
               </a:rPr>
               <a:t>” ’</a:t>
             </a:r>
+          </a:p>
+          <a:p>
+            <a:pPr lvl="1"/>
+            <a:r>
+              <a:rPr lang="en-US" altLang="zh-CN" dirty="0">
+                <a:solidFill>
+                  <a:schemeClr val="bg1"/>
+                </a:solidFill>
+              </a:rPr>
+              <a:t>print</a:t>
+            </a:r>
+            <a:r>
+              <a:rPr lang="zh-CN" altLang="en-US" dirty="0">
+                <a:solidFill>
+                  <a:schemeClr val="bg1"/>
+                </a:solidFill>
+              </a:rPr>
+              <a:t>参数中的变量无论是字符串、数字、还是列表，都可以直接把值打印出来</a:t>
+            </a:r>
             <a:endParaRPr lang="en-US" altLang="zh-CN" dirty="0">
-              <a:solidFill>
-                <a:schemeClr val="bg1"/>
-              </a:solidFill>
-            </a:endParaRPr>
-          </a:p>
-          <a:p>
-            <a:pPr lvl="1"/>
-            <a:r>
-              <a:rPr lang="en-US" altLang="zh-CN" dirty="0" smtClean="0">
-                <a:solidFill>
-                  <a:schemeClr val="bg1"/>
-                </a:solidFill>
-              </a:rPr>
-              <a:t>print</a:t>
-            </a:r>
-            <a:r>
-              <a:rPr lang="zh-CN" altLang="en-US" dirty="0" smtClean="0">
-                <a:solidFill>
-                  <a:schemeClr val="bg1"/>
-                </a:solidFill>
-              </a:rPr>
-              <a:t>参数中的变量无论是字符串、数字、还是列表，都可以直接把值打印出来</a:t>
-            </a:r>
-            <a:endParaRPr lang="en-US" altLang="zh-CN" dirty="0" smtClean="0">
               <a:solidFill>
                 <a:schemeClr val="bg1"/>
               </a:solidFill>
@@ -6999,7 +6828,7 @@
           <a:lstStyle/>
           <a:p>
             <a:r>
-              <a:rPr lang="zh-CN" altLang="en-US" sz="3200" b="1" dirty="0" smtClean="0">
+              <a:rPr lang="zh-CN" altLang="en-US" sz="3200" b="1" dirty="0">
                 <a:solidFill>
                   <a:srgbClr val="0070C0"/>
                 </a:solidFill>
@@ -7009,7 +6838,7 @@
               <a:t>入门</a:t>
             </a:r>
             <a:r>
-              <a:rPr lang="en-US" altLang="zh-CN" sz="3200" b="1" dirty="0" smtClean="0">
+              <a:rPr lang="en-US" altLang="zh-CN" sz="3200" b="1" dirty="0">
                 <a:solidFill>
                   <a:srgbClr val="0070C0"/>
                 </a:solidFill>
@@ -7019,7 +6848,7 @@
               <a:t>-</a:t>
             </a:r>
             <a:r>
-              <a:rPr lang="zh-CN" altLang="en-US" sz="3200" b="1" dirty="0" smtClean="0">
+              <a:rPr lang="zh-CN" altLang="en-US" sz="3200" b="1" dirty="0">
                 <a:solidFill>
                   <a:srgbClr val="0070C0"/>
                 </a:solidFill>
@@ -7059,22 +6888,22 @@
           </a:bodyPr>
           <a:lstStyle/>
           <a:p>
-            <a:endParaRPr lang="en-US" altLang="zh-CN" sz="1400" dirty="0" smtClean="0">
-              <a:solidFill>
-                <a:schemeClr val="bg1"/>
-              </a:solidFill>
-            </a:endParaRPr>
-          </a:p>
-          <a:p>
-            <a:r>
-              <a:rPr lang="zh-CN" altLang="en-US" dirty="0" smtClean="0">
+            <a:endParaRPr lang="en-US" altLang="zh-CN" sz="1400" dirty="0">
+              <a:solidFill>
+                <a:schemeClr val="bg1"/>
+              </a:solidFill>
+            </a:endParaRPr>
+          </a:p>
+          <a:p>
+            <a:r>
+              <a:rPr lang="zh-CN" altLang="en-US" dirty="0">
                 <a:solidFill>
                   <a:schemeClr val="bg1"/>
                 </a:solidFill>
               </a:rPr>
               <a:t>变量</a:t>
             </a:r>
-            <a:endParaRPr lang="en-US" altLang="zh-CN" dirty="0" smtClean="0">
+            <a:endParaRPr lang="en-US" altLang="zh-CN" dirty="0">
               <a:solidFill>
                 <a:schemeClr val="bg1"/>
               </a:solidFill>
@@ -7104,17 +6933,9 @@
                   <a:schemeClr val="bg1"/>
                 </a:solidFill>
               </a:rPr>
-              <a:t>变量不用提前</a:t>
-            </a:r>
-            <a:r>
-              <a:rPr lang="zh-CN" altLang="en-US" dirty="0" smtClean="0">
-                <a:solidFill>
-                  <a:schemeClr val="bg1"/>
-                </a:solidFill>
-              </a:rPr>
-              <a:t>定义</a:t>
-            </a:r>
-            <a:endParaRPr lang="en-US" altLang="zh-CN" dirty="0" smtClean="0">
+              <a:t>变量不用提前定义</a:t>
+            </a:r>
+            <a:endParaRPr lang="en-US" altLang="zh-CN" dirty="0">
               <a:solidFill>
                 <a:schemeClr val="bg1"/>
               </a:solidFill>
@@ -7122,7 +6943,7 @@
           </a:p>
           <a:p>
             <a:pPr lvl="1"/>
-            <a:endParaRPr lang="en-US" altLang="zh-CN" dirty="0" smtClean="0">
+            <a:endParaRPr lang="en-US" altLang="zh-CN" dirty="0">
               <a:solidFill>
                 <a:schemeClr val="bg1"/>
               </a:solidFill>
@@ -7130,7 +6951,7 @@
           </a:p>
           <a:p>
             <a:pPr lvl="1"/>
-            <a:endParaRPr lang="en-US" altLang="zh-CN" dirty="0" smtClean="0">
+            <a:endParaRPr lang="en-US" altLang="zh-CN" dirty="0">
               <a:solidFill>
                 <a:schemeClr val="bg1"/>
               </a:solidFill>
@@ -7146,7 +6967,7 @@
               </a:spcBef>
             </a:pPr>
             <a:r>
-              <a:rPr lang="zh-CN" altLang="en-US" sz="2800" dirty="0" smtClean="0">
+              <a:rPr lang="zh-CN" altLang="en-US" sz="2800" dirty="0">
                 <a:solidFill>
                   <a:schemeClr val="bg1"/>
                 </a:solidFill>
@@ -7154,14 +6975,6 @@
               <a:t>格式化字符串</a:t>
             </a:r>
             <a:endParaRPr lang="en-US" altLang="zh-CN" sz="2800" dirty="0">
-              <a:solidFill>
-                <a:schemeClr val="bg1"/>
-              </a:solidFill>
-            </a:endParaRPr>
-          </a:p>
-          <a:p>
-            <a:pPr lvl="1"/>
-            <a:endParaRPr lang="en-US" altLang="zh-CN" dirty="0" smtClean="0">
               <a:solidFill>
                 <a:schemeClr val="bg1"/>
               </a:solidFill>
@@ -7177,7 +6990,7 @@
           </a:p>
           <a:p>
             <a:pPr lvl="1"/>
-            <a:endParaRPr lang="en-US" altLang="zh-CN" dirty="0" smtClean="0">
+            <a:endParaRPr lang="en-US" altLang="zh-CN" dirty="0">
               <a:solidFill>
                 <a:schemeClr val="bg1"/>
               </a:solidFill>
@@ -7185,7 +6998,15 @@
           </a:p>
           <a:p>
             <a:pPr lvl="1"/>
-            <a:endParaRPr lang="en-US" altLang="zh-CN" dirty="0" smtClean="0">
+            <a:endParaRPr lang="en-US" altLang="zh-CN" dirty="0">
+              <a:solidFill>
+                <a:schemeClr val="bg1"/>
+              </a:solidFill>
+            </a:endParaRPr>
+          </a:p>
+          <a:p>
+            <a:pPr lvl="1"/>
+            <a:endParaRPr lang="en-US" altLang="zh-CN" dirty="0">
               <a:solidFill>
                 <a:schemeClr val="bg1"/>
               </a:solidFill>
@@ -7277,20 +7098,28 @@
           <a:lstStyle/>
           <a:p>
             <a:r>
-              <a:rPr lang="zh-CN" altLang="en-US" dirty="0" smtClean="0">
-                <a:solidFill>
-                  <a:schemeClr val="bg1"/>
-                </a:solidFill>
-              </a:rPr>
-              <a:t>范例与练习：</a:t>
-            </a:r>
-            <a:r>
-              <a:rPr lang="en-US" altLang="zh-CN" dirty="0">
-                <a:solidFill>
-                  <a:schemeClr val="bg1"/>
-                </a:solidFill>
-              </a:rPr>
-              <a:t>https://github.com/oy-tj/RMEPCourseDemo/blob/master/02%20python%E5%9F%BA%E7%A1%80/Demo/ScoreBook.ipynb</a:t>
+              <a:rPr lang="zh-CN" altLang="en-US" dirty="0">
+                <a:solidFill>
+                  <a:schemeClr val="bg1"/>
+                </a:solidFill>
+              </a:rPr>
+              <a:t>范例与</a:t>
+            </a:r>
+            <a:r>
+              <a:rPr lang="zh-CN" altLang="en-US">
+                <a:solidFill>
+                  <a:schemeClr val="bg1"/>
+                </a:solidFill>
+              </a:rPr>
+              <a:t>练习：</a:t>
+            </a:r>
+            <a:r>
+              <a:rPr lang="en-US" altLang="zh-CN">
+                <a:solidFill>
+                  <a:schemeClr val="bg1"/>
+                </a:solidFill>
+              </a:rPr>
+              <a:t>https://gitee.com/oy_tj/RMEPCourseDemo/blob/master/02%20python%E5%9F%BA%E7%A1%80/Demo/ScoreBook.ipynb</a:t>
             </a:r>
             <a:endParaRPr lang="zh-CN" altLang="en-US" dirty="0">
               <a:solidFill>
@@ -7353,7 +7182,7 @@
           <a:lstStyle/>
           <a:p>
             <a:r>
-              <a:rPr lang="zh-CN" altLang="en-US" sz="3200" b="1" dirty="0" smtClean="0">
+              <a:rPr lang="zh-CN" altLang="en-US" sz="3200" b="1" dirty="0">
                 <a:solidFill>
                   <a:srgbClr val="0070C0"/>
                 </a:solidFill>
@@ -7393,22 +7222,22 @@
           </a:bodyPr>
           <a:lstStyle/>
           <a:p>
-            <a:endParaRPr lang="en-US" altLang="zh-CN" sz="1400" dirty="0" smtClean="0">
-              <a:solidFill>
-                <a:schemeClr val="bg1"/>
-              </a:solidFill>
-            </a:endParaRPr>
-          </a:p>
-          <a:p>
-            <a:r>
-              <a:rPr lang="zh-CN" altLang="en-US" dirty="0" smtClean="0">
+            <a:endParaRPr lang="en-US" altLang="zh-CN" sz="1400" dirty="0">
+              <a:solidFill>
+                <a:schemeClr val="bg1"/>
+              </a:solidFill>
+            </a:endParaRPr>
+          </a:p>
+          <a:p>
+            <a:r>
+              <a:rPr lang="zh-CN" altLang="en-US" dirty="0">
                 <a:solidFill>
                   <a:schemeClr val="bg1"/>
                 </a:solidFill>
               </a:rPr>
               <a:t>变量类型</a:t>
             </a:r>
-            <a:endParaRPr lang="en-US" altLang="zh-CN" dirty="0" smtClean="0">
+            <a:endParaRPr lang="en-US" altLang="zh-CN" dirty="0">
               <a:solidFill>
                 <a:schemeClr val="bg1"/>
               </a:solidFill>
@@ -7425,7 +7254,7 @@
               <a:t>字符串 </a:t>
             </a:r>
             <a:r>
-              <a:rPr lang="en-US" altLang="zh-CN" b="1" dirty="0" err="1" smtClean="0">
+              <a:rPr lang="en-US" altLang="zh-CN" b="1" dirty="0" err="1">
                 <a:solidFill>
                   <a:schemeClr val="bg1"/>
                 </a:solidFill>
@@ -7462,15 +7291,18 @@
                   <a:schemeClr val="bg1"/>
                 </a:solidFill>
               </a:rPr>
-              <a:t> float </a:t>
-            </a:r>
-            <a:r>
-              <a:rPr lang="en-US" altLang="zh-CN" b="1" dirty="0" smtClean="0">
-                <a:solidFill>
-                  <a:schemeClr val="bg1"/>
-                </a:solidFill>
-              </a:rPr>
-              <a:t>bool </a:t>
+              <a:t> float bool ……</a:t>
+            </a:r>
+          </a:p>
+          <a:p>
+            <a:pPr lvl="1"/>
+            <a:r>
+              <a:rPr lang="zh-CN" altLang="en-US" b="1" dirty="0">
+                <a:solidFill>
+                  <a:schemeClr val="bg1"/>
+                </a:solidFill>
+              </a:rPr>
+              <a:t>列表 </a:t>
             </a:r>
             <a:r>
               <a:rPr lang="en-US" altLang="zh-CN" b="1" dirty="0">
@@ -7478,31 +7310,26 @@
                   <a:schemeClr val="bg1"/>
                 </a:solidFill>
               </a:rPr>
-              <a:t>……</a:t>
-            </a:r>
-            <a:endParaRPr lang="en-US" altLang="zh-CN" b="1" dirty="0" smtClean="0">
-              <a:solidFill>
-                <a:schemeClr val="bg1"/>
-              </a:solidFill>
-            </a:endParaRPr>
+              <a:t>list</a:t>
+            </a:r>
           </a:p>
           <a:p>
             <a:pPr lvl="1"/>
             <a:r>
-              <a:rPr lang="zh-CN" altLang="en-US" b="1" dirty="0">
-                <a:solidFill>
-                  <a:schemeClr val="bg1"/>
-                </a:solidFill>
-              </a:rPr>
-              <a:t>列表 </a:t>
-            </a:r>
-            <a:r>
-              <a:rPr lang="en-US" altLang="zh-CN" b="1" dirty="0" smtClean="0">
-                <a:solidFill>
-                  <a:schemeClr val="bg1"/>
-                </a:solidFill>
-              </a:rPr>
-              <a:t>list</a:t>
+              <a:rPr lang="zh-CN" altLang="en-US" dirty="0">
+                <a:solidFill>
+                  <a:schemeClr val="bg1"/>
+                </a:solidFill>
+              </a:rPr>
+              <a:t>元组 </a:t>
+            </a:r>
+            <a:r>
+              <a:rPr lang="en-US" altLang="zh-CN" dirty="0">
+                <a:solidFill>
+                  <a:schemeClr val="bg1"/>
+                </a:solidFill>
+              </a:rPr>
+              <a:t>tuple</a:t>
             </a:r>
           </a:p>
           <a:p>
@@ -7513,41 +7340,17 @@
                   <a:schemeClr val="bg1"/>
                 </a:solidFill>
               </a:rPr>
-              <a:t>元组 </a:t>
-            </a:r>
-            <a:r>
-              <a:rPr lang="en-US" altLang="zh-CN" dirty="0">
-                <a:solidFill>
-                  <a:schemeClr val="bg1"/>
-                </a:solidFill>
-              </a:rPr>
-              <a:t>tuple</a:t>
-            </a:r>
-            <a:endParaRPr lang="en-US" altLang="zh-CN" dirty="0" smtClean="0">
-              <a:solidFill>
-                <a:schemeClr val="bg1"/>
-              </a:solidFill>
-            </a:endParaRPr>
-          </a:p>
-          <a:p>
-            <a:pPr lvl="1"/>
-            <a:r>
-              <a:rPr lang="zh-CN" altLang="en-US" dirty="0">
-                <a:solidFill>
-                  <a:schemeClr val="bg1"/>
-                </a:solidFill>
-              </a:rPr>
               <a:t>字典 </a:t>
             </a:r>
             <a:r>
-              <a:rPr lang="en-US" altLang="zh-CN" dirty="0" err="1" smtClean="0">
+              <a:rPr lang="en-US" altLang="zh-CN" dirty="0" err="1">
                 <a:solidFill>
                   <a:schemeClr val="bg1"/>
                 </a:solidFill>
               </a:rPr>
               <a:t>dict</a:t>
             </a:r>
-            <a:endParaRPr lang="en-US" altLang="zh-CN" dirty="0" smtClean="0">
+            <a:endParaRPr lang="en-US" altLang="zh-CN" dirty="0">
               <a:solidFill>
                 <a:schemeClr val="bg1"/>
               </a:solidFill>
@@ -7558,7 +7361,7 @@
               <a:buNone/>
             </a:pPr>
             <a:r>
-              <a:rPr lang="en-US" altLang="zh-CN" dirty="0" smtClean="0">
+              <a:rPr lang="en-US" altLang="zh-CN" dirty="0">
                 <a:solidFill>
                   <a:schemeClr val="bg1"/>
                 </a:solidFill>
@@ -7568,7 +7371,7 @@
           </a:p>
           <a:p>
             <a:pPr lvl="1"/>
-            <a:endParaRPr lang="en-US" altLang="zh-CN" dirty="0" smtClean="0">
+            <a:endParaRPr lang="en-US" altLang="zh-CN" dirty="0">
               <a:solidFill>
                 <a:schemeClr val="bg1"/>
               </a:solidFill>
@@ -7576,7 +7379,7 @@
           </a:p>
           <a:p>
             <a:pPr lvl="1"/>
-            <a:endParaRPr lang="en-US" altLang="zh-CN" dirty="0" smtClean="0">
+            <a:endParaRPr lang="en-US" altLang="zh-CN" dirty="0">
               <a:solidFill>
                 <a:schemeClr val="bg1"/>
               </a:solidFill>
@@ -7597,17 +7400,9 @@
                   <a:schemeClr val="bg1"/>
                 </a:solidFill>
               </a:rPr>
-              <a:t>一个变量名的类型是可变</a:t>
-            </a:r>
-            <a:r>
-              <a:rPr lang="zh-CN" altLang="en-US" sz="2800" dirty="0" smtClean="0">
-                <a:solidFill>
-                  <a:schemeClr val="bg1"/>
-                </a:solidFill>
-              </a:rPr>
-              <a:t>的</a:t>
-            </a:r>
-            <a:endParaRPr lang="en-US" altLang="zh-CN" sz="2800" dirty="0" smtClean="0">
+              <a:t>一个变量名的类型是可变的</a:t>
+            </a:r>
+            <a:endParaRPr lang="en-US" altLang="zh-CN" sz="2800" dirty="0">
               <a:solidFill>
                 <a:schemeClr val="bg1"/>
               </a:solidFill>
@@ -7623,7 +7418,7 @@
               </a:spcBef>
             </a:pPr>
             <a:r>
-              <a:rPr lang="zh-CN" altLang="en-US" sz="2800" dirty="0" smtClean="0">
+              <a:rPr lang="zh-CN" altLang="en-US" sz="2800" dirty="0">
                 <a:solidFill>
                   <a:schemeClr val="bg1"/>
                 </a:solidFill>
@@ -7631,7 +7426,7 @@
               <a:t>变量的命名规范与</a:t>
             </a:r>
             <a:r>
-              <a:rPr lang="en-US" altLang="zh-CN" sz="2800" dirty="0" smtClean="0">
+              <a:rPr lang="en-US" altLang="zh-CN" sz="2800" dirty="0">
                 <a:solidFill>
                   <a:schemeClr val="bg1"/>
                 </a:solidFill>
@@ -7639,7 +7434,7 @@
               <a:t>C</a:t>
             </a:r>
             <a:r>
-              <a:rPr lang="zh-CN" altLang="en-US" sz="2800" dirty="0" smtClean="0">
+              <a:rPr lang="zh-CN" altLang="en-US" sz="2800" dirty="0">
                 <a:solidFill>
                   <a:schemeClr val="bg1"/>
                 </a:solidFill>
@@ -7647,14 +7442,6 @@
               <a:t>语言相同</a:t>
             </a:r>
             <a:endParaRPr lang="en-US" altLang="zh-CN" sz="2800" dirty="0">
-              <a:solidFill>
-                <a:schemeClr val="bg1"/>
-              </a:solidFill>
-            </a:endParaRPr>
-          </a:p>
-          <a:p>
-            <a:pPr lvl="1"/>
-            <a:endParaRPr lang="en-US" altLang="zh-CN" dirty="0" smtClean="0">
               <a:solidFill>
                 <a:schemeClr val="bg1"/>
               </a:solidFill>
@@ -7670,7 +7457,7 @@
           </a:p>
           <a:p>
             <a:pPr lvl="1"/>
-            <a:endParaRPr lang="en-US" altLang="zh-CN" dirty="0" smtClean="0">
+            <a:endParaRPr lang="en-US" altLang="zh-CN" dirty="0">
               <a:solidFill>
                 <a:schemeClr val="bg1"/>
               </a:solidFill>
@@ -7678,7 +7465,15 @@
           </a:p>
           <a:p>
             <a:pPr lvl="1"/>
-            <a:endParaRPr lang="en-US" altLang="zh-CN" dirty="0" smtClean="0">
+            <a:endParaRPr lang="en-US" altLang="zh-CN" dirty="0">
+              <a:solidFill>
+                <a:schemeClr val="bg1"/>
+              </a:solidFill>
+            </a:endParaRPr>
+          </a:p>
+          <a:p>
+            <a:pPr lvl="1"/>
+            <a:endParaRPr lang="en-US" altLang="zh-CN" dirty="0">
               <a:solidFill>
                 <a:schemeClr val="bg1"/>
               </a:solidFill>
@@ -7772,7 +7567,7 @@
           <a:lstStyle/>
           <a:p>
             <a:r>
-              <a:rPr lang="zh-CN" altLang="en-US" sz="3200" b="1" dirty="0" smtClean="0">
+              <a:rPr lang="zh-CN" altLang="en-US" sz="3200" b="1" dirty="0">
                 <a:solidFill>
                   <a:srgbClr val="0070C0"/>
                 </a:solidFill>
@@ -7812,22 +7607,22 @@
           </a:bodyPr>
           <a:lstStyle/>
           <a:p>
-            <a:endParaRPr lang="en-US" altLang="zh-CN" sz="1400" dirty="0" smtClean="0">
-              <a:solidFill>
-                <a:schemeClr val="bg1"/>
-              </a:solidFill>
-            </a:endParaRPr>
-          </a:p>
-          <a:p>
-            <a:r>
-              <a:rPr lang="zh-CN" altLang="en-US" dirty="0" smtClean="0">
+            <a:endParaRPr lang="en-US" altLang="zh-CN" sz="1400" dirty="0">
+              <a:solidFill>
+                <a:schemeClr val="bg1"/>
+              </a:solidFill>
+            </a:endParaRPr>
+          </a:p>
+          <a:p>
+            <a:r>
+              <a:rPr lang="zh-CN" altLang="en-US" dirty="0">
                 <a:solidFill>
                   <a:schemeClr val="bg1"/>
                 </a:solidFill>
               </a:rPr>
               <a:t>数据类型</a:t>
             </a:r>
-            <a:endParaRPr lang="en-US" altLang="zh-CN" dirty="0" smtClean="0">
+            <a:endParaRPr lang="en-US" altLang="zh-CN" dirty="0">
               <a:solidFill>
                 <a:schemeClr val="bg1"/>
               </a:solidFill>
@@ -7836,7 +7631,7 @@
           <a:p>
             <a:pPr lvl="1"/>
             <a:r>
-              <a:rPr lang="zh-CN" altLang="en-US" dirty="0" smtClean="0">
+              <a:rPr lang="zh-CN" altLang="en-US" dirty="0">
                 <a:solidFill>
                   <a:schemeClr val="bg1"/>
                 </a:solidFill>
@@ -7844,7 +7639,7 @@
               <a:t>整数 </a:t>
             </a:r>
             <a:r>
-              <a:rPr lang="en-US" altLang="zh-CN" dirty="0" err="1" smtClean="0">
+              <a:rPr lang="en-US" altLang="zh-CN" dirty="0" err="1">
                 <a:solidFill>
                   <a:schemeClr val="bg1"/>
                 </a:solidFill>
@@ -7852,7 +7647,7 @@
               <a:t>int</a:t>
             </a:r>
             <a:r>
-              <a:rPr lang="en-US" altLang="zh-CN" dirty="0" smtClean="0">
+              <a:rPr lang="en-US" altLang="zh-CN" dirty="0">
                 <a:solidFill>
                   <a:schemeClr val="bg1"/>
                 </a:solidFill>
@@ -7860,7 +7655,7 @@
               <a:t> </a:t>
             </a:r>
             <a:r>
-              <a:rPr lang="en-US" altLang="zh-CN" dirty="0" smtClean="0">
+              <a:rPr lang="en-US" altLang="zh-CN" dirty="0">
                 <a:solidFill>
                   <a:srgbClr val="FFFF00"/>
                 </a:solidFill>
@@ -7871,7 +7666,7 @@
           <a:p>
             <a:pPr lvl="1"/>
             <a:r>
-              <a:rPr lang="zh-CN" altLang="en-US" dirty="0" smtClean="0">
+              <a:rPr lang="zh-CN" altLang="en-US" dirty="0">
                 <a:solidFill>
                   <a:schemeClr val="bg1"/>
                 </a:solidFill>
@@ -7879,7 +7674,7 @@
               <a:t>浮点 </a:t>
             </a:r>
             <a:r>
-              <a:rPr lang="en-US" altLang="zh-CN" dirty="0" smtClean="0">
+              <a:rPr lang="en-US" altLang="zh-CN" dirty="0">
                 <a:solidFill>
                   <a:schemeClr val="bg1"/>
                 </a:solidFill>
@@ -7887,7 +7682,7 @@
               <a:t>float </a:t>
             </a:r>
             <a:r>
-              <a:rPr lang="en-US" altLang="zh-CN" dirty="0" smtClean="0">
+              <a:rPr lang="en-US" altLang="zh-CN" dirty="0">
                 <a:solidFill>
                   <a:srgbClr val="FFFF00"/>
                 </a:solidFill>
@@ -7898,7 +7693,7 @@
           <a:p>
             <a:pPr lvl="1"/>
             <a:r>
-              <a:rPr lang="zh-CN" altLang="en-US" dirty="0" smtClean="0">
+              <a:rPr lang="zh-CN" altLang="en-US" dirty="0">
                 <a:solidFill>
                   <a:schemeClr val="bg1"/>
                 </a:solidFill>
@@ -7906,7 +7701,7 @@
               <a:t>布尔 </a:t>
             </a:r>
             <a:r>
-              <a:rPr lang="en-US" altLang="zh-CN" dirty="0" smtClean="0">
+              <a:rPr lang="en-US" altLang="zh-CN" dirty="0">
                 <a:solidFill>
                   <a:schemeClr val="bg1"/>
                 </a:solidFill>
@@ -7914,7 +7709,7 @@
               <a:t>bool </a:t>
             </a:r>
             <a:r>
-              <a:rPr lang="en-US" altLang="zh-CN" dirty="0" smtClean="0">
+              <a:rPr lang="en-US" altLang="zh-CN" dirty="0">
                 <a:solidFill>
                   <a:srgbClr val="FFFF00"/>
                 </a:solidFill>
@@ -7925,7 +7720,7 @@
           <a:p>
             <a:pPr lvl="1"/>
             <a:r>
-              <a:rPr lang="zh-CN" altLang="en-US" dirty="0" smtClean="0">
+              <a:rPr lang="zh-CN" altLang="en-US" dirty="0">
                 <a:solidFill>
                   <a:schemeClr val="bg1"/>
                 </a:solidFill>
@@ -7933,7 +7728,7 @@
               <a:t>复数 </a:t>
             </a:r>
             <a:r>
-              <a:rPr lang="en-US" altLang="zh-CN" dirty="0" smtClean="0">
+              <a:rPr lang="en-US" altLang="zh-CN" dirty="0">
                 <a:solidFill>
                   <a:schemeClr val="bg1"/>
                 </a:solidFill>
@@ -7941,7 +7736,7 @@
               <a:t>complex </a:t>
             </a:r>
             <a:r>
-              <a:rPr lang="en-US" altLang="zh-CN" dirty="0" smtClean="0">
+              <a:rPr lang="en-US" altLang="zh-CN" dirty="0">
                 <a:solidFill>
                   <a:srgbClr val="FFFF00"/>
                 </a:solidFill>
@@ -7956,14 +7751,14 @@
               </a:spcBef>
             </a:pPr>
             <a:r>
-              <a:rPr lang="zh-CN" altLang="en-US" sz="2800" dirty="0" smtClean="0">
+              <a:rPr lang="zh-CN" altLang="en-US" sz="2800" dirty="0">
                 <a:solidFill>
                   <a:schemeClr val="bg1"/>
                 </a:solidFill>
               </a:rPr>
               <a:t>基本运算</a:t>
             </a:r>
-            <a:endParaRPr lang="en-US" altLang="zh-CN" sz="2800" dirty="0" smtClean="0">
+            <a:endParaRPr lang="en-US" altLang="zh-CN" sz="2800" dirty="0">
               <a:solidFill>
                 <a:schemeClr val="bg1"/>
               </a:solidFill>
@@ -7976,18 +7771,13 @@
               </a:spcBef>
             </a:pPr>
             <a:r>
-              <a:rPr lang="en-US" altLang="zh-CN" dirty="0" smtClean="0">
+              <a:rPr lang="en-US" altLang="zh-CN" dirty="0">
                 <a:solidFill>
                   <a:schemeClr val="bg1"/>
                 </a:solidFill>
               </a:rPr>
               <a:t>+ - * /</a:t>
             </a:r>
-            <a:endParaRPr lang="en-US" altLang="zh-CN" dirty="0">
-              <a:solidFill>
-                <a:schemeClr val="bg1"/>
-              </a:solidFill>
-            </a:endParaRPr>
           </a:p>
           <a:p>
             <a:pPr lvl="1"/>
@@ -7999,7 +7789,7 @@
           </a:p>
           <a:p>
             <a:pPr lvl="1"/>
-            <a:endParaRPr lang="en-US" altLang="zh-CN" dirty="0" smtClean="0">
+            <a:endParaRPr lang="en-US" altLang="zh-CN" dirty="0">
               <a:solidFill>
                 <a:schemeClr val="bg1"/>
               </a:solidFill>
@@ -8007,7 +7797,7 @@
           </a:p>
           <a:p>
             <a:pPr lvl="1"/>
-            <a:endParaRPr lang="en-US" altLang="zh-CN" dirty="0" smtClean="0">
+            <a:endParaRPr lang="en-US" altLang="zh-CN" dirty="0">
               <a:solidFill>
                 <a:schemeClr val="bg1"/>
               </a:solidFill>
@@ -8233,15 +8023,15 @@
             </a:lvl9pPr>
           </a:lstStyle>
           <a:p>
-            <a:endParaRPr lang="en-US" altLang="zh-CN" sz="1400" dirty="0" smtClean="0">
-              <a:solidFill>
-                <a:schemeClr val="bg1"/>
-              </a:solidFill>
-            </a:endParaRPr>
-          </a:p>
-          <a:p>
-            <a:r>
-              <a:rPr lang="en-US" altLang="zh-CN" dirty="0" smtClean="0">
+            <a:endParaRPr lang="en-US" altLang="zh-CN" sz="1400" dirty="0">
+              <a:solidFill>
+                <a:schemeClr val="bg1"/>
+              </a:solidFill>
+            </a:endParaRPr>
+          </a:p>
+          <a:p>
+            <a:r>
+              <a:rPr lang="en-US" altLang="zh-CN" dirty="0">
                 <a:solidFill>
                   <a:schemeClr val="bg1"/>
                 </a:solidFill>
@@ -8249,26 +8039,14 @@
               <a:t>Math</a:t>
             </a:r>
             <a:r>
-              <a:rPr lang="zh-CN" altLang="en-US" dirty="0" smtClean="0">
+              <a:rPr lang="zh-CN" altLang="en-US" dirty="0">
                 <a:solidFill>
                   <a:schemeClr val="bg1"/>
                 </a:solidFill>
               </a:rPr>
               <a:t>库</a:t>
             </a:r>
-            <a:endParaRPr lang="en-US" altLang="zh-CN" dirty="0" smtClean="0">
-              <a:solidFill>
-                <a:schemeClr val="bg1"/>
-              </a:solidFill>
-            </a:endParaRPr>
-          </a:p>
-          <a:p>
-            <a:pPr marL="228600" lvl="1">
-              <a:spcBef>
-                <a:spcPts val="1000"/>
-              </a:spcBef>
-            </a:pPr>
-            <a:endParaRPr lang="en-US" altLang="zh-CN" sz="2800" dirty="0" smtClean="0">
+            <a:endParaRPr lang="en-US" altLang="zh-CN" dirty="0">
               <a:solidFill>
                 <a:schemeClr val="bg1"/>
               </a:solidFill>
@@ -8292,7 +8070,7 @@
                 <a:spcPts val="1000"/>
               </a:spcBef>
             </a:pPr>
-            <a:endParaRPr lang="en-US" altLang="zh-CN" sz="2800" dirty="0" smtClean="0">
+            <a:endParaRPr lang="en-US" altLang="zh-CN" sz="2800" dirty="0">
               <a:solidFill>
                 <a:schemeClr val="bg1"/>
               </a:solidFill>
@@ -8304,7 +8082,7 @@
                 <a:spcPts val="1000"/>
               </a:spcBef>
             </a:pPr>
-            <a:endParaRPr lang="en-US" altLang="zh-CN" sz="2800" dirty="0" smtClean="0">
+            <a:endParaRPr lang="en-US" altLang="zh-CN" sz="2800" dirty="0">
               <a:solidFill>
                 <a:schemeClr val="bg1"/>
               </a:solidFill>
@@ -8316,15 +8094,27 @@
                 <a:spcPts val="1000"/>
               </a:spcBef>
             </a:pPr>
-            <a:r>
-              <a:rPr lang="zh-CN" altLang="en-US" sz="2800" dirty="0" smtClean="0">
+            <a:endParaRPr lang="en-US" altLang="zh-CN" sz="2800" dirty="0">
+              <a:solidFill>
+                <a:schemeClr val="bg1"/>
+              </a:solidFill>
+            </a:endParaRPr>
+          </a:p>
+          <a:p>
+            <a:pPr marL="228600" lvl="1">
+              <a:spcBef>
+                <a:spcPts val="1000"/>
+              </a:spcBef>
+            </a:pPr>
+            <a:r>
+              <a:rPr lang="zh-CN" altLang="en-US" sz="2800" dirty="0">
                 <a:solidFill>
                   <a:schemeClr val="bg1"/>
                 </a:solidFill>
               </a:rPr>
               <a:t>计算顺序</a:t>
             </a:r>
-            <a:endParaRPr lang="en-US" altLang="zh-CN" sz="2800" dirty="0" smtClean="0">
+            <a:endParaRPr lang="en-US" altLang="zh-CN" sz="2800" dirty="0">
               <a:solidFill>
                 <a:schemeClr val="bg1"/>
               </a:solidFill>
@@ -8337,14 +8127,14 @@
               </a:spcBef>
             </a:pPr>
             <a:r>
-              <a:rPr lang="zh-CN" altLang="en-US" dirty="0" smtClean="0">
+              <a:rPr lang="zh-CN" altLang="en-US" dirty="0">
                 <a:solidFill>
                   <a:schemeClr val="bg1"/>
                 </a:solidFill>
               </a:rPr>
               <a:t>乘法优先</a:t>
             </a:r>
-            <a:endParaRPr lang="en-US" altLang="zh-CN" dirty="0" smtClean="0">
+            <a:endParaRPr lang="en-US" altLang="zh-CN" dirty="0">
               <a:solidFill>
                 <a:schemeClr val="bg1"/>
               </a:solidFill>
@@ -8352,7 +8142,7 @@
           </a:p>
           <a:p>
             <a:pPr lvl="1"/>
-            <a:endParaRPr lang="en-US" altLang="zh-CN" dirty="0" smtClean="0">
+            <a:endParaRPr lang="en-US" altLang="zh-CN" dirty="0">
               <a:solidFill>
                 <a:schemeClr val="bg1"/>
               </a:solidFill>
@@ -8360,7 +8150,7 @@
           </a:p>
           <a:p>
             <a:pPr lvl="1"/>
-            <a:endParaRPr lang="en-US" altLang="zh-CN" dirty="0" smtClean="0">
+            <a:endParaRPr lang="en-US" altLang="zh-CN" dirty="0">
               <a:solidFill>
                 <a:schemeClr val="bg1"/>
               </a:solidFill>
@@ -8368,7 +8158,7 @@
           </a:p>
           <a:p>
             <a:pPr lvl="1"/>
-            <a:endParaRPr lang="en-US" altLang="zh-CN" dirty="0" smtClean="0">
+            <a:endParaRPr lang="en-US" altLang="zh-CN" dirty="0">
               <a:solidFill>
                 <a:schemeClr val="bg1"/>
               </a:solidFill>
@@ -8480,7 +8270,7 @@
           <a:lstStyle/>
           <a:p>
             <a:r>
-              <a:rPr lang="zh-CN" altLang="en-US" sz="3200" b="1" dirty="0" smtClean="0">
+              <a:rPr lang="zh-CN" altLang="en-US" sz="3200" b="1" dirty="0">
                 <a:solidFill>
                   <a:srgbClr val="0070C0"/>
                 </a:solidFill>
@@ -8520,15 +8310,15 @@
           </a:bodyPr>
           <a:lstStyle/>
           <a:p>
-            <a:endParaRPr lang="en-US" altLang="zh-CN" sz="1400" dirty="0" smtClean="0">
-              <a:solidFill>
-                <a:schemeClr val="bg1"/>
-              </a:solidFill>
-            </a:endParaRPr>
-          </a:p>
-          <a:p>
-            <a:r>
-              <a:rPr lang="zh-CN" altLang="en-US" dirty="0" smtClean="0">
+            <a:endParaRPr lang="en-US" altLang="zh-CN" sz="1400" dirty="0">
+              <a:solidFill>
+                <a:schemeClr val="bg1"/>
+              </a:solidFill>
+            </a:endParaRPr>
+          </a:p>
+          <a:p>
+            <a:r>
+              <a:rPr lang="zh-CN" altLang="en-US" dirty="0">
                 <a:solidFill>
                   <a:schemeClr val="bg1"/>
                 </a:solidFill>
@@ -8536,37 +8326,13 @@
               <a:t>与或非 </a:t>
             </a:r>
             <a:r>
-              <a:rPr lang="en-US" altLang="zh-CN" dirty="0" smtClean="0">
+              <a:rPr lang="en-US" altLang="zh-CN" dirty="0">
                 <a:solidFill>
                   <a:schemeClr val="bg1"/>
                 </a:solidFill>
               </a:rPr>
               <a:t>and or not</a:t>
             </a:r>
-          </a:p>
-          <a:p>
-            <a:pPr lvl="1"/>
-            <a:endParaRPr lang="en-US" altLang="zh-CN" dirty="0" smtClean="0">
-              <a:solidFill>
-                <a:schemeClr val="bg1"/>
-              </a:solidFill>
-            </a:endParaRPr>
-          </a:p>
-          <a:p>
-            <a:pPr lvl="1"/>
-            <a:endParaRPr lang="en-US" altLang="zh-CN" dirty="0" smtClean="0">
-              <a:solidFill>
-                <a:schemeClr val="bg1"/>
-              </a:solidFill>
-            </a:endParaRPr>
-          </a:p>
-          <a:p>
-            <a:pPr lvl="1"/>
-            <a:endParaRPr lang="en-US" altLang="zh-CN" dirty="0" smtClean="0">
-              <a:solidFill>
-                <a:schemeClr val="bg1"/>
-              </a:solidFill>
-            </a:endParaRPr>
           </a:p>
           <a:p>
             <a:pPr lvl="1"/>
@@ -8578,7 +8344,7 @@
           </a:p>
           <a:p>
             <a:pPr lvl="1"/>
-            <a:endParaRPr lang="en-US" altLang="zh-CN" dirty="0" smtClean="0">
+            <a:endParaRPr lang="en-US" altLang="zh-CN" dirty="0">
               <a:solidFill>
                 <a:schemeClr val="bg1"/>
               </a:solidFill>
@@ -8586,7 +8352,31 @@
           </a:p>
           <a:p>
             <a:pPr lvl="1"/>
-            <a:endParaRPr lang="en-US" altLang="zh-CN" dirty="0" smtClean="0">
+            <a:endParaRPr lang="en-US" altLang="zh-CN" dirty="0">
+              <a:solidFill>
+                <a:schemeClr val="bg1"/>
+              </a:solidFill>
+            </a:endParaRPr>
+          </a:p>
+          <a:p>
+            <a:pPr lvl="1"/>
+            <a:endParaRPr lang="en-US" altLang="zh-CN" dirty="0">
+              <a:solidFill>
+                <a:schemeClr val="bg1"/>
+              </a:solidFill>
+            </a:endParaRPr>
+          </a:p>
+          <a:p>
+            <a:pPr lvl="1"/>
+            <a:endParaRPr lang="en-US" altLang="zh-CN" dirty="0">
+              <a:solidFill>
+                <a:schemeClr val="bg1"/>
+              </a:solidFill>
+            </a:endParaRPr>
+          </a:p>
+          <a:p>
+            <a:pPr lvl="1"/>
+            <a:endParaRPr lang="en-US" altLang="zh-CN" dirty="0">
               <a:solidFill>
                 <a:schemeClr val="bg1"/>
               </a:solidFill>
@@ -8714,7 +8504,7 @@
           <a:lstStyle/>
           <a:p>
             <a:r>
-              <a:rPr lang="zh-CN" altLang="en-US" sz="3200" b="1" dirty="0" smtClean="0">
+              <a:rPr lang="zh-CN" altLang="en-US" sz="3200" b="1" dirty="0">
                 <a:solidFill>
                   <a:srgbClr val="0070C0"/>
                 </a:solidFill>
@@ -8755,7 +8545,7 @@
           <a:lstStyle/>
           <a:p>
             <a:r>
-              <a:rPr lang="en-US" altLang="zh-CN" sz="2400" dirty="0" smtClean="0">
+              <a:rPr lang="en-US" altLang="zh-CN" sz="2400" dirty="0">
                 <a:solidFill>
                   <a:schemeClr val="bg1"/>
                 </a:solidFill>
@@ -8816,25 +8606,17 @@
                   <a:schemeClr val="bg1"/>
                 </a:solidFill>
               </a:rPr>
-              <a:t>转义</a:t>
-            </a:r>
-            <a:r>
-              <a:rPr lang="zh-CN" altLang="en-US" sz="2400" dirty="0" smtClean="0">
-                <a:solidFill>
-                  <a:schemeClr val="bg1"/>
-                </a:solidFill>
-              </a:rPr>
-              <a:t>特殊字符</a:t>
-            </a:r>
-            <a:r>
-              <a:rPr lang="en-US" altLang="zh-CN" sz="2400" baseline="30000" dirty="0" smtClean="0">
+              <a:t>转义特殊字符</a:t>
+            </a:r>
+            <a:r>
+              <a:rPr lang="en-US" altLang="zh-CN" sz="2400" baseline="30000" dirty="0">
                 <a:solidFill>
                   <a:schemeClr val="bg1"/>
                 </a:solidFill>
               </a:rPr>
               <a:t>[1]</a:t>
             </a:r>
-            <a:endParaRPr lang="en-US" altLang="zh-CN" sz="2400" dirty="0" smtClean="0">
+            <a:endParaRPr lang="en-US" altLang="zh-CN" sz="2400" dirty="0">
               <a:solidFill>
                 <a:schemeClr val="bg1"/>
               </a:solidFill>
@@ -8847,32 +8629,24 @@
                   <a:schemeClr val="bg1"/>
                 </a:solidFill>
               </a:rPr>
-              <a:t>字符串是不可变类型，不能直接修改内部</a:t>
-            </a:r>
-            <a:r>
-              <a:rPr lang="zh-CN" altLang="en-US" sz="2400" b="1" dirty="0" smtClean="0">
-                <a:solidFill>
-                  <a:schemeClr val="bg1"/>
-                </a:solidFill>
-              </a:rPr>
-              <a:t>元素</a:t>
-            </a:r>
-            <a:endParaRPr lang="en-US" altLang="zh-CN" sz="2400" b="1" dirty="0" smtClean="0">
-              <a:solidFill>
-                <a:schemeClr val="bg1"/>
-              </a:solidFill>
-            </a:endParaRPr>
-          </a:p>
-          <a:p>
-            <a:r>
-              <a:rPr lang="zh-CN" altLang="en-US" sz="2400" b="1" dirty="0" smtClean="0">
+              <a:t>字符串是不可变类型，不能直接修改内部元素</a:t>
+            </a:r>
+            <a:endParaRPr lang="en-US" altLang="zh-CN" sz="2400" b="1" dirty="0">
+              <a:solidFill>
+                <a:schemeClr val="bg1"/>
+              </a:solidFill>
+            </a:endParaRPr>
+          </a:p>
+          <a:p>
+            <a:r>
+              <a:rPr lang="zh-CN" altLang="en-US" sz="2400" b="1" dirty="0">
                 <a:solidFill>
                   <a:schemeClr val="bg1"/>
                 </a:solidFill>
               </a:rPr>
               <a:t>索引</a:t>
             </a:r>
-            <a:endParaRPr lang="en-US" altLang="zh-CN" sz="2400" b="1" dirty="0" smtClean="0">
+            <a:endParaRPr lang="en-US" altLang="zh-CN" sz="2400" b="1" dirty="0">
               <a:solidFill>
                 <a:schemeClr val="bg1"/>
               </a:solidFill>
@@ -8886,7 +8660,7 @@
             </a:endParaRPr>
           </a:p>
           <a:p>
-            <a:endParaRPr lang="en-US" altLang="zh-CN" sz="1800" b="1" dirty="0" smtClean="0">
+            <a:endParaRPr lang="en-US" altLang="zh-CN" sz="1800" b="1" dirty="0">
               <a:solidFill>
                 <a:schemeClr val="bg1"/>
               </a:solidFill>
@@ -8900,22 +8674,22 @@
             </a:endParaRPr>
           </a:p>
           <a:p>
-            <a:endParaRPr lang="en-US" altLang="zh-CN" sz="2400" b="1" dirty="0" smtClean="0">
-              <a:solidFill>
-                <a:schemeClr val="bg1"/>
-              </a:solidFill>
-            </a:endParaRPr>
-          </a:p>
-          <a:p>
-            <a:r>
-              <a:rPr lang="zh-CN" altLang="en-US" sz="2400" b="1" dirty="0" smtClean="0">
+            <a:endParaRPr lang="en-US" altLang="zh-CN" sz="2400" b="1" dirty="0">
+              <a:solidFill>
+                <a:schemeClr val="bg1"/>
+              </a:solidFill>
+            </a:endParaRPr>
+          </a:p>
+          <a:p>
+            <a:r>
+              <a:rPr lang="zh-CN" altLang="en-US" sz="2400" b="1" dirty="0">
                 <a:solidFill>
                   <a:schemeClr val="bg1"/>
                 </a:solidFill>
               </a:rPr>
               <a:t>操作</a:t>
             </a:r>
-            <a:endParaRPr lang="en-US" altLang="zh-CN" sz="2400" b="1" dirty="0" smtClean="0">
+            <a:endParaRPr lang="en-US" altLang="zh-CN" sz="2400" b="1" dirty="0">
               <a:solidFill>
                 <a:schemeClr val="bg1"/>
               </a:solidFill>
@@ -8929,14 +8703,14 @@
             </a:endParaRPr>
           </a:p>
           <a:p>
-            <a:endParaRPr lang="en-US" altLang="zh-CN" sz="2400" b="1" dirty="0" smtClean="0">
-              <a:solidFill>
-                <a:schemeClr val="bg1"/>
-              </a:solidFill>
-            </a:endParaRPr>
-          </a:p>
-          <a:p>
-            <a:endParaRPr lang="en-US" altLang="zh-CN" sz="2400" b="1" dirty="0" smtClean="0">
+            <a:endParaRPr lang="en-US" altLang="zh-CN" sz="2400" b="1" dirty="0">
+              <a:solidFill>
+                <a:schemeClr val="bg1"/>
+              </a:solidFill>
+            </a:endParaRPr>
+          </a:p>
+          <a:p>
+            <a:endParaRPr lang="en-US" altLang="zh-CN" sz="2400" b="1" dirty="0">
               <a:solidFill>
                 <a:schemeClr val="bg1"/>
               </a:solidFill>
@@ -8954,7 +8728,7 @@
               <a:buNone/>
             </a:pPr>
             <a:r>
-              <a:rPr lang="zh-CN" altLang="en-US" sz="1050" b="1" dirty="0" smtClean="0">
+              <a:rPr lang="zh-CN" altLang="en-US" sz="1050" b="1" dirty="0">
                 <a:solidFill>
                   <a:schemeClr val="bg1"/>
                 </a:solidFill>
@@ -8969,7 +8743,7 @@
               </a:rPr>
               <a:t>[1]</a:t>
             </a:r>
-            <a:endParaRPr lang="en-US" altLang="zh-CN" sz="1100" dirty="0" smtClean="0">
+            <a:endParaRPr lang="en-US" altLang="zh-CN" sz="1100" dirty="0">
               <a:solidFill>
                 <a:schemeClr val="bg1"/>
               </a:solidFill>
@@ -9065,7 +8839,7 @@
               <a:t> </a:t>
             </a:r>
             <a:r>
-              <a:rPr lang="en-US" altLang="zh-CN" sz="1400" dirty="0" smtClean="0">
+              <a:rPr lang="en-US" altLang="zh-CN" sz="1400" dirty="0">
                 <a:solidFill>
                   <a:srgbClr val="AA1111"/>
                 </a:solidFill>
@@ -9074,7 +8848,7 @@
               <a:t>‘</a:t>
             </a:r>
             <a:r>
-              <a:rPr lang="en-US" altLang="zh-CN" sz="1400" dirty="0" err="1" smtClean="0">
+              <a:rPr lang="en-US" altLang="zh-CN" sz="1400" dirty="0" err="1">
                 <a:solidFill>
                   <a:srgbClr val="AA1111"/>
                 </a:solidFill>
@@ -9083,25 +8857,17 @@
               <a:t>Runoob</a:t>
             </a:r>
             <a:r>
-              <a:rPr lang="en-US" altLang="zh-CN" sz="1400" dirty="0" smtClean="0">
+              <a:rPr lang="en-US" altLang="zh-CN" sz="1400" dirty="0">
                 <a:solidFill>
                   <a:srgbClr val="AA1111"/>
                 </a:solidFill>
                 <a:latin typeface="Menlo"/>
               </a:rPr>
               <a:t>’</a:t>
-            </a:r>
-            <a:r>
-              <a:rPr lang="en-US" altLang="zh-CN" sz="1400" dirty="0"/>
-              <a:t/>
             </a:r>
             <a:br>
               <a:rPr lang="en-US" altLang="zh-CN" sz="1400" dirty="0"/>
             </a:br>
-            <a:r>
-              <a:rPr lang="en-US" altLang="zh-CN" sz="1400" dirty="0"/>
-              <a:t/>
-            </a:r>
             <a:br>
               <a:rPr lang="en-US" altLang="zh-CN" sz="1400" dirty="0"/>
             </a:br>
@@ -9175,38 +8941,25 @@
                 </a:solidFill>
                 <a:latin typeface="Menlo"/>
               </a:rPr>
-              <a:t>输出</a:t>
-            </a:r>
-            <a:r>
-              <a:rPr lang="zh-CN" altLang="en-US" sz="1400" dirty="0" smtClean="0">
+              <a:t>输出字符串 </a:t>
+            </a:r>
+            <a:r>
+              <a:rPr lang="zh-CN" altLang="zh-CN" sz="1400" b="1" dirty="0">
+                <a:solidFill>
+                  <a:srgbClr val="FFFF00"/>
+                </a:solidFill>
+                <a:latin typeface="Menlo"/>
+              </a:rPr>
+              <a:t>Runoob</a:t>
+            </a:r>
+            <a:r>
+              <a:rPr lang="zh-CN" altLang="en-US" sz="1400" dirty="0">
                 <a:solidFill>
                   <a:srgbClr val="AA5500"/>
                 </a:solidFill>
                 <a:latin typeface="Menlo"/>
               </a:rPr>
-              <a:t>字符串 </a:t>
-            </a:r>
-            <a:r>
-              <a:rPr lang="zh-CN" altLang="zh-CN" sz="1400" b="1" dirty="0">
-                <a:solidFill>
-                  <a:srgbClr val="FFFF00"/>
-                </a:solidFill>
-                <a:latin typeface="Menlo"/>
-              </a:rPr>
-              <a:t>Runoob</a:t>
-            </a:r>
-            <a:r>
-              <a:rPr lang="zh-CN" altLang="en-US" sz="1400" dirty="0" smtClean="0">
-                <a:solidFill>
-                  <a:srgbClr val="AA5500"/>
-                </a:solidFill>
-                <a:latin typeface="Menlo"/>
-              </a:rPr>
               <a:t>                             </a:t>
-            </a:r>
-            <a:r>
-              <a:rPr lang="zh-CN" altLang="en-US" sz="1400" dirty="0"/>
-              <a:t/>
             </a:r>
             <a:br>
               <a:rPr lang="zh-CN" altLang="en-US" sz="1400" dirty="0"/>
@@ -9317,29 +9070,16 @@
                 </a:solidFill>
                 <a:latin typeface="Menlo"/>
               </a:rPr>
-              <a:t>输出第一个到倒数第二个的所有</a:t>
-            </a:r>
-            <a:r>
-              <a:rPr lang="zh-CN" altLang="en-US" sz="1400" dirty="0" smtClean="0">
-                <a:solidFill>
-                  <a:srgbClr val="AA5500"/>
+              <a:t>输出第一个到倒数第二个的所有字符 </a:t>
+            </a:r>
+            <a:r>
+              <a:rPr lang="zh-CN" altLang="zh-CN" sz="1400" b="1" dirty="0">
+                <a:solidFill>
+                  <a:srgbClr val="FFFF00"/>
                 </a:solidFill>
                 <a:latin typeface="Menlo"/>
               </a:rPr>
-              <a:t>字符 </a:t>
-            </a:r>
-            <a:r>
-              <a:rPr lang="zh-CN" altLang="zh-CN" sz="1400" b="1" dirty="0">
-                <a:solidFill>
-                  <a:srgbClr val="FFFF00"/>
-                </a:solidFill>
-                <a:latin typeface="Menlo"/>
-              </a:rPr>
               <a:t>Runoo</a:t>
-            </a:r>
-            <a:r>
-              <a:rPr lang="zh-CN" altLang="en-US" sz="1400" dirty="0"/>
-              <a:t/>
             </a:r>
             <a:br>
               <a:rPr lang="zh-CN" altLang="en-US" sz="1400" dirty="0"/>
@@ -9432,29 +9172,16 @@
                 </a:solidFill>
                 <a:latin typeface="Menlo"/>
               </a:rPr>
-              <a:t>输出字符串第一个</a:t>
-            </a:r>
-            <a:r>
-              <a:rPr lang="zh-CN" altLang="en-US" sz="1400" dirty="0" smtClean="0">
-                <a:solidFill>
-                  <a:srgbClr val="AA5500"/>
+              <a:t>输出字符串第一个字符 </a:t>
+            </a:r>
+            <a:r>
+              <a:rPr lang="zh-CN" altLang="zh-CN" sz="1400" b="1" dirty="0">
+                <a:solidFill>
+                  <a:srgbClr val="FFFF00"/>
                 </a:solidFill>
                 <a:latin typeface="Menlo"/>
               </a:rPr>
-              <a:t>字符 </a:t>
-            </a:r>
-            <a:r>
-              <a:rPr lang="zh-CN" altLang="zh-CN" sz="1400" b="1" dirty="0">
-                <a:solidFill>
-                  <a:srgbClr val="FFFF00"/>
-                </a:solidFill>
-                <a:latin typeface="Menlo"/>
-              </a:rPr>
               <a:t>R</a:t>
-            </a:r>
-            <a:r>
-              <a:rPr lang="zh-CN" altLang="en-US" sz="1400" dirty="0"/>
-              <a:t/>
             </a:r>
             <a:br>
               <a:rPr lang="zh-CN" altLang="en-US" sz="1400" dirty="0"/>
@@ -9565,29 +9292,16 @@
                 </a:solidFill>
                 <a:latin typeface="Menlo"/>
               </a:rPr>
-              <a:t>输出从第三个开始到第五个的</a:t>
-            </a:r>
-            <a:r>
-              <a:rPr lang="zh-CN" altLang="en-US" sz="1400" dirty="0" smtClean="0">
-                <a:solidFill>
-                  <a:srgbClr val="AA5500"/>
+              <a:t>输出从第三个开始到第五个的字符 </a:t>
+            </a:r>
+            <a:r>
+              <a:rPr lang="zh-CN" altLang="zh-CN" sz="1400" b="1" dirty="0">
+                <a:solidFill>
+                  <a:srgbClr val="FFFF00"/>
                 </a:solidFill>
                 <a:latin typeface="Menlo"/>
               </a:rPr>
-              <a:t>字符 </a:t>
-            </a:r>
-            <a:r>
-              <a:rPr lang="zh-CN" altLang="zh-CN" sz="1400" b="1" dirty="0">
-                <a:solidFill>
-                  <a:srgbClr val="FFFF00"/>
-                </a:solidFill>
-                <a:latin typeface="Menlo"/>
-              </a:rPr>
               <a:t>noo</a:t>
-            </a:r>
-            <a:r>
-              <a:rPr lang="zh-CN" altLang="en-US" sz="1400" dirty="0"/>
-              <a:t/>
             </a:r>
             <a:br>
               <a:rPr lang="zh-CN" altLang="en-US" sz="1400" dirty="0"/>
@@ -9689,29 +9403,16 @@
                 </a:solidFill>
                 <a:latin typeface="Menlo"/>
               </a:rPr>
-              <a:t>输出从第三个开始的后的所有</a:t>
-            </a:r>
-            <a:r>
-              <a:rPr lang="zh-CN" altLang="en-US" sz="1400" dirty="0" smtClean="0">
-                <a:solidFill>
-                  <a:srgbClr val="AA5500"/>
+              <a:t>输出从第三个开始的后的所有字符 </a:t>
+            </a:r>
+            <a:r>
+              <a:rPr lang="zh-CN" altLang="zh-CN" sz="1400" b="1" dirty="0">
+                <a:solidFill>
+                  <a:srgbClr val="FFFF00"/>
                 </a:solidFill>
                 <a:latin typeface="Menlo"/>
               </a:rPr>
-              <a:t>字符 </a:t>
-            </a:r>
-            <a:r>
-              <a:rPr lang="zh-CN" altLang="zh-CN" sz="1400" b="1" dirty="0">
-                <a:solidFill>
-                  <a:srgbClr val="FFFF00"/>
-                </a:solidFill>
-                <a:latin typeface="Menlo"/>
-              </a:rPr>
               <a:t>noob</a:t>
-            </a:r>
-            <a:r>
-              <a:rPr lang="zh-CN" altLang="en-US" sz="1400" dirty="0"/>
-              <a:t/>
             </a:r>
             <a:br>
               <a:rPr lang="zh-CN" altLang="en-US" sz="1400" dirty="0"/>
@@ -9825,7 +9526,7 @@
               <a:t>str</a:t>
             </a:r>
             <a:r>
-              <a:rPr lang="en-US" altLang="zh-CN" sz="1400" dirty="0" smtClean="0">
+              <a:rPr lang="en-US" altLang="zh-CN" sz="1400" dirty="0">
                 <a:solidFill>
                   <a:srgbClr val="AA5500"/>
                 </a:solidFill>
@@ -9841,10 +9542,6 @@
                 <a:latin typeface="Menlo"/>
               </a:rPr>
               <a:t>RunoobRunoob</a:t>
-            </a:r>
-            <a:r>
-              <a:rPr lang="en-US" altLang="zh-CN" sz="1400" dirty="0"/>
-              <a:t/>
             </a:r>
             <a:br>
               <a:rPr lang="en-US" altLang="zh-CN" sz="1400" dirty="0"/>
@@ -9895,7 +9592,7 @@
               <a:t> + </a:t>
             </a:r>
             <a:r>
-              <a:rPr lang="en-US" altLang="zh-CN" sz="1400" dirty="0" smtClean="0">
+              <a:rPr lang="en-US" altLang="zh-CN" sz="1400" dirty="0">
                 <a:solidFill>
                   <a:srgbClr val="AA1111"/>
                 </a:solidFill>
@@ -9904,7 +9601,7 @@
               <a:t>“TEST”</a:t>
             </a:r>
             <a:r>
-              <a:rPr lang="en-US" altLang="zh-CN" sz="1400" dirty="0" smtClean="0">
+              <a:rPr lang="en-US" altLang="zh-CN" sz="1400" dirty="0">
                 <a:solidFill>
                   <a:srgbClr val="808000"/>
                 </a:solidFill>
@@ -9937,16 +9634,7 @@
                 </a:solidFill>
                 <a:latin typeface="Menlo"/>
               </a:rPr>
-              <a:t>连接</a:t>
-            </a:r>
-            <a:r>
-              <a:rPr lang="zh-CN" altLang="en-US" sz="1400" dirty="0" smtClean="0">
-                <a:solidFill>
-                  <a:srgbClr val="AA5500"/>
-                </a:solidFill>
-                <a:latin typeface="Menlo"/>
-              </a:rPr>
-              <a:t>字符串 </a:t>
+              <a:t>连接字符串 </a:t>
             </a:r>
             <a:r>
               <a:rPr lang="zh-CN" altLang="zh-CN" sz="1400" b="1" dirty="0">
@@ -9983,36 +9671,20 @@
           <a:lstStyle/>
           <a:p>
             <a:r>
-              <a:rPr lang="en-US" altLang="zh-CN" sz="1050" dirty="0" smtClean="0"/>
+              <a:rPr lang="en-US" altLang="zh-CN" sz="1050" dirty="0"/>
               <a:t>[1] Python3 </a:t>
             </a:r>
             <a:r>
               <a:rPr lang="zh-CN" altLang="en-US" sz="1050" dirty="0"/>
-              <a:t>基本</a:t>
-            </a:r>
-            <a:r>
-              <a:rPr lang="zh-CN" altLang="en-US" sz="1050" dirty="0" smtClean="0"/>
-              <a:t>数据类型 </a:t>
-            </a:r>
-            <a:r>
-              <a:rPr lang="zh-CN" altLang="en-US" sz="1050" dirty="0" smtClean="0">
-                <a:hlinkClick r:id="rId3"/>
-              </a:rPr>
-              <a:t>https</a:t>
+              <a:t>基本数据类型 </a:t>
             </a:r>
             <a:r>
               <a:rPr lang="zh-CN" altLang="en-US" sz="1050" dirty="0">
                 <a:hlinkClick r:id="rId3"/>
               </a:rPr>
-              <a:t>://www.runoob.com/python3/python3-data-type.</a:t>
-            </a:r>
-            <a:r>
-              <a:rPr lang="zh-CN" altLang="en-US" sz="1050" dirty="0" smtClean="0">
-                <a:hlinkClick r:id="rId3"/>
-              </a:rPr>
-              <a:t>html</a:t>
-            </a:r>
-            <a:endParaRPr lang="en-US" altLang="zh-CN" sz="1050" dirty="0" smtClean="0"/>
+              <a:t>https://www.runoob.com/python3/python3-data-type.html</a:t>
+            </a:r>
+            <a:endParaRPr lang="en-US" altLang="zh-CN" sz="1050" dirty="0"/>
           </a:p>
         </p:txBody>
       </p:sp>
@@ -10069,7 +9741,7 @@
           <a:lstStyle/>
           <a:p>
             <a:r>
-              <a:rPr lang="zh-CN" altLang="en-US" sz="3200" b="1" dirty="0" smtClean="0">
+              <a:rPr lang="zh-CN" altLang="en-US" sz="3200" b="1" dirty="0">
                 <a:solidFill>
                   <a:srgbClr val="0070C0"/>
                 </a:solidFill>
@@ -10134,7 +9806,7 @@
               <a:t>包括另一个列表</a:t>
             </a:r>
             <a:r>
-              <a:rPr lang="en-US" altLang="zh-CN" sz="2000" dirty="0" smtClean="0">
+              <a:rPr lang="en-US" altLang="zh-CN" sz="2000" dirty="0">
                 <a:solidFill>
                   <a:schemeClr val="bg1"/>
                 </a:solidFill>
@@ -10144,14 +9816,14 @@
           </a:p>
           <a:p>
             <a:r>
-              <a:rPr lang="zh-CN" altLang="en-US" sz="2000" dirty="0" smtClean="0">
+              <a:rPr lang="zh-CN" altLang="en-US" sz="2000" dirty="0">
                 <a:solidFill>
                   <a:schemeClr val="bg1"/>
                 </a:solidFill>
               </a:rPr>
               <a:t>列表内的元素是可变的</a:t>
             </a:r>
-            <a:endParaRPr lang="en-US" altLang="zh-CN" sz="2000" dirty="0" smtClean="0">
+            <a:endParaRPr lang="en-US" altLang="zh-CN" sz="2000" dirty="0">
               <a:solidFill>
                 <a:schemeClr val="bg1"/>
               </a:solidFill>
@@ -10173,7 +9845,7 @@
             </a:endParaRPr>
           </a:p>
           <a:p>
-            <a:endParaRPr lang="en-US" altLang="zh-CN" sz="2400" b="1" dirty="0" smtClean="0">
+            <a:endParaRPr lang="en-US" altLang="zh-CN" sz="2400" b="1" dirty="0">
               <a:solidFill>
                 <a:schemeClr val="bg1"/>
               </a:solidFill>
@@ -10459,8 +10131,8 @@
         </p:nvSpPr>
         <p:spPr>
           <a:xfrm>
-            <a:off x="958833" y="5680754"/>
-            <a:ext cx="5469860" cy="923330"/>
+            <a:off x="838198" y="5680754"/>
+            <a:ext cx="5950419" cy="923330"/>
           </a:xfrm>
           <a:prstGeom prst="rect">
             <a:avLst/>
@@ -10474,20 +10146,28 @@
           <a:lstStyle/>
           <a:p>
             <a:r>
-              <a:rPr lang="zh-CN" altLang="en-US" dirty="0" smtClean="0">
-                <a:solidFill>
-                  <a:schemeClr val="bg1"/>
-                </a:solidFill>
-              </a:rPr>
-              <a:t>范例与练习：</a:t>
-            </a:r>
-            <a:r>
-              <a:rPr lang="en-US" altLang="zh-CN" dirty="0">
-                <a:solidFill>
-                  <a:schemeClr val="bg1"/>
-                </a:solidFill>
-              </a:rPr>
-              <a:t>https://github.com/oy-tj/RMEPCourseDemo/blob/master/02%20python%E5%9F%BA%E7%A1%80/Demo/ScoreBook.ipynb</a:t>
+              <a:rPr lang="zh-CN" altLang="en-US" dirty="0">
+                <a:solidFill>
+                  <a:schemeClr val="bg1"/>
+                </a:solidFill>
+              </a:rPr>
+              <a:t>范例</a:t>
+            </a:r>
+            <a:r>
+              <a:rPr lang="zh-CN" altLang="en-US">
+                <a:solidFill>
+                  <a:schemeClr val="bg1"/>
+                </a:solidFill>
+              </a:rPr>
+              <a:t>与练习</a:t>
+            </a:r>
+            <a:r>
+              <a:rPr lang="en-US" altLang="zh-CN">
+                <a:solidFill>
+                  <a:schemeClr val="bg1"/>
+                </a:solidFill>
+              </a:rPr>
+              <a:t>https://gitee.com/oy_tj/RMEPCourseDemo/blob/master/02%20python%E5%9F%BA%E7%A1%80/Demo/ScoreBook.ipynb</a:t>
             </a:r>
             <a:endParaRPr lang="zh-CN" altLang="en-US" dirty="0">
               <a:solidFill>
@@ -10507,13 +10187,6 @@
   <p:clrMapOvr>
     <a:masterClrMapping/>
   </p:clrMapOvr>
-  <p:timing>
-    <p:tnLst>
-      <p:par>
-        <p:cTn id="1" dur="indefinite" restart="never" nodeType="tmRoot"/>
-      </p:par>
-    </p:tnLst>
-  </p:timing>
 </p:sld>
 </file>
 
@@ -10557,7 +10230,7 @@
           <a:lstStyle/>
           <a:p>
             <a:r>
-              <a:rPr lang="zh-CN" altLang="en-US" sz="3200" b="1" dirty="0" smtClean="0">
+              <a:rPr lang="zh-CN" altLang="en-US" sz="3200" b="1" dirty="0">
                 <a:solidFill>
                   <a:srgbClr val="0070C0"/>
                 </a:solidFill>
@@ -10567,7 +10240,7 @@
               <a:t>条件判断</a:t>
             </a:r>
             <a:r>
-              <a:rPr lang="en-US" altLang="zh-CN" sz="3200" b="1" dirty="0" smtClean="0">
+              <a:rPr lang="en-US" altLang="zh-CN" sz="3200" b="1" dirty="0">
                 <a:solidFill>
                   <a:srgbClr val="0070C0"/>
                 </a:solidFill>
@@ -10607,7 +10280,7 @@
           </a:bodyPr>
           <a:lstStyle/>
           <a:p>
-            <a:endParaRPr lang="en-US" altLang="zh-CN" sz="1000" dirty="0" smtClean="0">
+            <a:endParaRPr lang="en-US" altLang="zh-CN" sz="1000" dirty="0">
               <a:solidFill>
                 <a:schemeClr val="bg1"/>
               </a:solidFill>
@@ -10628,18 +10301,10 @@
                   <a:schemeClr val="bg1"/>
                 </a:solidFill>
               </a:rPr>
-              <a:t>表达式后面要加</a:t>
-            </a:r>
-            <a:r>
-              <a:rPr lang="zh-CN" altLang="en-US" sz="2400" dirty="0" smtClean="0">
-                <a:solidFill>
-                  <a:schemeClr val="bg1"/>
-                </a:solidFill>
-              </a:rPr>
-              <a:t>‘</a:t>
-            </a:r>
-            <a:r>
-              <a:rPr lang="en-US" altLang="zh-CN" sz="2400" dirty="0" smtClean="0">
+              <a:t>表达式后面要加‘</a:t>
+            </a:r>
+            <a:r>
+              <a:rPr lang="en-US" altLang="zh-CN" sz="2400" dirty="0">
                 <a:solidFill>
                   <a:schemeClr val="bg1"/>
                 </a:solidFill>
@@ -10647,14 +10312,14 @@
               <a:t>:</a:t>
             </a:r>
             <a:r>
-              <a:rPr lang="zh-CN" altLang="en-US" sz="2400" dirty="0" smtClean="0">
+              <a:rPr lang="zh-CN" altLang="en-US" sz="2400" dirty="0">
                 <a:solidFill>
                   <a:schemeClr val="bg1"/>
                 </a:solidFill>
               </a:rPr>
               <a:t>’</a:t>
             </a:r>
-            <a:endParaRPr lang="en-US" altLang="zh-CN" sz="2400" dirty="0" smtClean="0">
+            <a:endParaRPr lang="en-US" altLang="zh-CN" sz="2400" dirty="0">
               <a:solidFill>
                 <a:schemeClr val="bg1"/>
               </a:solidFill>
@@ -10678,14 +10343,14 @@
               <a:t>if</a:t>
             </a:r>
             <a:r>
-              <a:rPr lang="zh-CN" altLang="en-US" sz="2400" dirty="0" smtClean="0">
+              <a:rPr lang="zh-CN" altLang="en-US" sz="2400" dirty="0">
                 <a:solidFill>
                   <a:schemeClr val="bg1"/>
                 </a:solidFill>
               </a:rPr>
               <a:t>层次</a:t>
             </a:r>
-            <a:endParaRPr lang="en-US" altLang="zh-CN" dirty="0" smtClean="0">
+            <a:endParaRPr lang="en-US" altLang="zh-CN" dirty="0">
               <a:solidFill>
                 <a:schemeClr val="bg1"/>
               </a:solidFill>
@@ -10701,7 +10366,7 @@
           </a:p>
           <a:p>
             <a:pPr lvl="1"/>
-            <a:endParaRPr lang="en-US" altLang="zh-CN" dirty="0" smtClean="0">
+            <a:endParaRPr lang="en-US" altLang="zh-CN" dirty="0">
               <a:solidFill>
                 <a:schemeClr val="bg1"/>
               </a:solidFill>
@@ -10709,7 +10374,7 @@
           </a:p>
           <a:p>
             <a:pPr lvl="1"/>
-            <a:endParaRPr lang="en-US" altLang="zh-CN" dirty="0" smtClean="0">
+            <a:endParaRPr lang="en-US" altLang="zh-CN" dirty="0">
               <a:solidFill>
                 <a:schemeClr val="bg1"/>
               </a:solidFill>
@@ -10848,18 +10513,13 @@
           <a:p>
             <a:pPr algn="r"/>
             <a:r>
-              <a:rPr lang="zh-CN" altLang="en-US" sz="1200" dirty="0" smtClean="0">
+              <a:rPr lang="zh-CN" altLang="en-US" sz="1200" dirty="0">
                 <a:solidFill>
                   <a:srgbClr val="FF0000"/>
                 </a:solidFill>
               </a:rPr>
               <a:t>注释</a:t>
             </a:r>
-            <a:endParaRPr lang="zh-CN" altLang="en-US" sz="1200" dirty="0">
-              <a:solidFill>
-                <a:srgbClr val="FF0000"/>
-              </a:solidFill>
-            </a:endParaRPr>
           </a:p>
         </p:txBody>
       </p:sp>
@@ -10873,13 +10533,6 @@
   <p:clrMapOvr>
     <a:masterClrMapping/>
   </p:clrMapOvr>
-  <p:timing>
-    <p:tnLst>
-      <p:par>
-        <p:cTn id="1" dur="indefinite" restart="never" nodeType="tmRoot"/>
-      </p:par>
-    </p:tnLst>
-  </p:timing>
 </p:sld>
 </file>
 
@@ -10891,7 +10544,7 @@
         <a:sysClr val="windowText" lastClr="000000"/>
       </a:dk1>
       <a:lt1>
-        <a:sysClr val="window" lastClr="CCE8CF"/>
+        <a:sysClr val="window" lastClr="FFFFFF"/>
       </a:lt1>
       <a:dk2>
         <a:srgbClr val="44546A"/>
@@ -11152,7 +10805,7 @@
         <a:sysClr val="windowText" lastClr="000000"/>
       </a:dk1>
       <a:lt1>
-        <a:sysClr val="window" lastClr="CCE8CF"/>
+        <a:sysClr val="window" lastClr="FFFFFF"/>
       </a:lt1>
       <a:dk2>
         <a:srgbClr val="44546A"/>
